--- a/Spotify Data Analysis.pptx
+++ b/Spotify Data Analysis.pptx
@@ -1,25 +1,25 @@
 
 <file path=ppt/presentation.xml><?xml version="1.0" encoding="utf-8"?>
-<p:presentation xmlns:a="http://schemas.openxmlformats.org/drawingml/2006/main" xmlns:r="http://schemas.openxmlformats.org/officeDocument/2006/relationships" xmlns:p="http://schemas.openxmlformats.org/presentationml/2006/main" autoCompressPictures="0">
+<p:presentation xmlns:a="http://schemas.openxmlformats.org/drawingml/2006/main" xmlns:r="http://schemas.openxmlformats.org/officeDocument/2006/relationships" xmlns:p="http://schemas.openxmlformats.org/presentationml/2006/main" showSpecialPlsOnTitleSld="0" autoCompressPictures="0">
   <p:sldMasterIdLst>
     <p:sldMasterId id="2147483648" r:id="rId1"/>
   </p:sldMasterIdLst>
+  <p:notesMasterIdLst>
+    <p:notesMasterId r:id="rId14"/>
+  </p:notesMasterIdLst>
   <p:sldIdLst>
     <p:sldId id="256" r:id="rId2"/>
     <p:sldId id="257" r:id="rId3"/>
     <p:sldId id="262" r:id="rId4"/>
-    <p:sldId id="264" r:id="rId5"/>
-    <p:sldId id="258" r:id="rId6"/>
+    <p:sldId id="258" r:id="rId5"/>
+    <p:sldId id="264" r:id="rId6"/>
     <p:sldId id="260" r:id="rId7"/>
     <p:sldId id="265" r:id="rId8"/>
-    <p:sldId id="263" r:id="rId9"/>
+    <p:sldId id="273" r:id="rId9"/>
     <p:sldId id="266" r:id="rId10"/>
     <p:sldId id="267" r:id="rId11"/>
-    <p:sldId id="268" r:id="rId12"/>
-    <p:sldId id="269" r:id="rId13"/>
-    <p:sldId id="270" r:id="rId14"/>
-    <p:sldId id="271" r:id="rId15"/>
-    <p:sldId id="272" r:id="rId16"/>
+    <p:sldId id="271" r:id="rId12"/>
+    <p:sldId id="272" r:id="rId13"/>
   </p:sldIdLst>
   <p:sldSz cx="12192000" cy="6858000"/>
   <p:notesSz cx="6858000" cy="9144000"/>
@@ -118,6 +118,11 @@
       </a:defRPr>
     </a:lvl9pPr>
   </p:defaultTextStyle>
+  <p:extLst>
+    <p:ext uri="{EFAFB233-063F-42B5-8137-9DF3F51BA10A}">
+      <p15:sldGuideLst xmlns:p15="http://schemas.microsoft.com/office/powerpoint/2012/main"/>
+    </p:ext>
+  </p:extLst>
 </p:presentation>
 </file>
 
@@ -127,6 +132,355 @@
     <p1510:client id="{1A1E0EF5-576A-4E3B-B6FE-82D5C2450C7B}" v="246" dt="2021-05-23T01:30:07.555"/>
   </p1510:revLst>
 </p1510:revInfo>
+</file>
+
+<file path=ppt/notesMasters/notesMaster1.xml><?xml version="1.0" encoding="utf-8"?>
+<p:notesMaster xmlns:a="http://schemas.openxmlformats.org/drawingml/2006/main" xmlns:r="http://schemas.openxmlformats.org/officeDocument/2006/relationships" xmlns:p="http://schemas.openxmlformats.org/presentationml/2006/main">
+  <p:cSld>
+    <p:bg>
+      <p:bgRef idx="1001">
+        <a:schemeClr val="bg1"/>
+      </p:bgRef>
+    </p:bg>
+    <p:spTree>
+      <p:nvGrpSpPr>
+        <p:cNvPr id="1" name=""/>
+        <p:cNvGrpSpPr/>
+        <p:nvPr/>
+      </p:nvGrpSpPr>
+      <p:grpSpPr>
+        <a:xfrm>
+          <a:off x="0" y="0"/>
+          <a:ext cx="0" cy="0"/>
+          <a:chOff x="0" y="0"/>
+          <a:chExt cx="0" cy="0"/>
+        </a:xfrm>
+      </p:grpSpPr>
+      <p:sp>
+        <p:nvSpPr>
+          <p:cNvPr id="2" name="Header Placeholder 1"/>
+          <p:cNvSpPr>
+            <a:spLocks noGrp="1"/>
+          </p:cNvSpPr>
+          <p:nvPr>
+            <p:ph type="hdr" sz="quarter"/>
+          </p:nvPr>
+        </p:nvSpPr>
+        <p:spPr>
+          <a:xfrm>
+            <a:off x="0" y="0"/>
+            <a:ext cx="2971800" cy="458788"/>
+          </a:xfrm>
+          <a:prstGeom prst="rect">
+            <a:avLst/>
+          </a:prstGeom>
+        </p:spPr>
+        <p:txBody>
+          <a:bodyPr vert="horz" lIns="91440" tIns="45720" rIns="91440" bIns="45720" rtlCol="0"/>
+          <a:lstStyle>
+            <a:lvl1pPr algn="l">
+              <a:defRPr sz="1200"/>
+            </a:lvl1pPr>
+          </a:lstStyle>
+          <a:p>
+            <a:endParaRPr lang="en-US"/>
+          </a:p>
+        </p:txBody>
+      </p:sp>
+      <p:sp>
+        <p:nvSpPr>
+          <p:cNvPr id="3" name="Date Placeholder 2"/>
+          <p:cNvSpPr>
+            <a:spLocks noGrp="1"/>
+          </p:cNvSpPr>
+          <p:nvPr>
+            <p:ph type="dt" idx="1"/>
+          </p:nvPr>
+        </p:nvSpPr>
+        <p:spPr>
+          <a:xfrm>
+            <a:off x="3884613" y="0"/>
+            <a:ext cx="2971800" cy="458788"/>
+          </a:xfrm>
+          <a:prstGeom prst="rect">
+            <a:avLst/>
+          </a:prstGeom>
+        </p:spPr>
+        <p:txBody>
+          <a:bodyPr vert="horz" lIns="91440" tIns="45720" rIns="91440" bIns="45720" rtlCol="0"/>
+          <a:lstStyle>
+            <a:lvl1pPr algn="r">
+              <a:defRPr sz="1200"/>
+            </a:lvl1pPr>
+          </a:lstStyle>
+          <a:p>
+            <a:fld id="{AE95C1F9-B6E3-427B-AB3B-8BA6826EA516}" type="datetimeFigureOut">
+              <a:rPr lang="en-US" smtClean="0"/>
+              <a:t>5/23/2021</a:t>
+            </a:fld>
+            <a:endParaRPr lang="en-US"/>
+          </a:p>
+        </p:txBody>
+      </p:sp>
+      <p:sp>
+        <p:nvSpPr>
+          <p:cNvPr id="4" name="Slide Image Placeholder 3"/>
+          <p:cNvSpPr>
+            <a:spLocks noGrp="1" noRot="1" noChangeAspect="1"/>
+          </p:cNvSpPr>
+          <p:nvPr>
+            <p:ph type="sldImg" idx="2"/>
+          </p:nvPr>
+        </p:nvSpPr>
+        <p:spPr>
+          <a:xfrm>
+            <a:off x="685800" y="1143000"/>
+            <a:ext cx="5486400" cy="3086100"/>
+          </a:xfrm>
+          <a:prstGeom prst="rect">
+            <a:avLst/>
+          </a:prstGeom>
+          <a:noFill/>
+          <a:ln w="12700">
+            <a:solidFill>
+              <a:prstClr val="black"/>
+            </a:solidFill>
+          </a:ln>
+        </p:spPr>
+        <p:txBody>
+          <a:bodyPr vert="horz" lIns="91440" tIns="45720" rIns="91440" bIns="45720" rtlCol="0" anchor="ctr"/>
+          <a:lstStyle/>
+          <a:p>
+            <a:endParaRPr lang="en-US"/>
+          </a:p>
+        </p:txBody>
+      </p:sp>
+      <p:sp>
+        <p:nvSpPr>
+          <p:cNvPr id="5" name="Notes Placeholder 4"/>
+          <p:cNvSpPr>
+            <a:spLocks noGrp="1"/>
+          </p:cNvSpPr>
+          <p:nvPr>
+            <p:ph type="body" sz="quarter" idx="3"/>
+          </p:nvPr>
+        </p:nvSpPr>
+        <p:spPr>
+          <a:xfrm>
+            <a:off x="685800" y="4400550"/>
+            <a:ext cx="5486400" cy="3600450"/>
+          </a:xfrm>
+          <a:prstGeom prst="rect">
+            <a:avLst/>
+          </a:prstGeom>
+        </p:spPr>
+        <p:txBody>
+          <a:bodyPr vert="horz" lIns="91440" tIns="45720" rIns="91440" bIns="45720" rtlCol="0"/>
+          <a:lstStyle/>
+          <a:p>
+            <a:pPr lvl="0"/>
+            <a:r>
+              <a:rPr lang="en-US"/>
+              <a:t>Click to edit Master text styles</a:t>
+            </a:r>
+          </a:p>
+          <a:p>
+            <a:pPr lvl="1"/>
+            <a:r>
+              <a:rPr lang="en-US"/>
+              <a:t>Second level</a:t>
+            </a:r>
+          </a:p>
+          <a:p>
+            <a:pPr lvl="2"/>
+            <a:r>
+              <a:rPr lang="en-US"/>
+              <a:t>Third level</a:t>
+            </a:r>
+          </a:p>
+          <a:p>
+            <a:pPr lvl="3"/>
+            <a:r>
+              <a:rPr lang="en-US"/>
+              <a:t>Fourth level</a:t>
+            </a:r>
+          </a:p>
+          <a:p>
+            <a:pPr lvl="4"/>
+            <a:r>
+              <a:rPr lang="en-US"/>
+              <a:t>Fifth level</a:t>
+            </a:r>
+          </a:p>
+        </p:txBody>
+      </p:sp>
+      <p:sp>
+        <p:nvSpPr>
+          <p:cNvPr id="6" name="Footer Placeholder 5"/>
+          <p:cNvSpPr>
+            <a:spLocks noGrp="1"/>
+          </p:cNvSpPr>
+          <p:nvPr>
+            <p:ph type="ftr" sz="quarter" idx="4"/>
+          </p:nvPr>
+        </p:nvSpPr>
+        <p:spPr>
+          <a:xfrm>
+            <a:off x="0" y="8685213"/>
+            <a:ext cx="2971800" cy="458787"/>
+          </a:xfrm>
+          <a:prstGeom prst="rect">
+            <a:avLst/>
+          </a:prstGeom>
+        </p:spPr>
+        <p:txBody>
+          <a:bodyPr vert="horz" lIns="91440" tIns="45720" rIns="91440" bIns="45720" rtlCol="0" anchor="b"/>
+          <a:lstStyle>
+            <a:lvl1pPr algn="l">
+              <a:defRPr sz="1200"/>
+            </a:lvl1pPr>
+          </a:lstStyle>
+          <a:p>
+            <a:endParaRPr lang="en-US"/>
+          </a:p>
+        </p:txBody>
+      </p:sp>
+      <p:sp>
+        <p:nvSpPr>
+          <p:cNvPr id="7" name="Slide Number Placeholder 6"/>
+          <p:cNvSpPr>
+            <a:spLocks noGrp="1"/>
+          </p:cNvSpPr>
+          <p:nvPr>
+            <p:ph type="sldNum" sz="quarter" idx="5"/>
+          </p:nvPr>
+        </p:nvSpPr>
+        <p:spPr>
+          <a:xfrm>
+            <a:off x="3884613" y="8685213"/>
+            <a:ext cx="2971800" cy="458787"/>
+          </a:xfrm>
+          <a:prstGeom prst="rect">
+            <a:avLst/>
+          </a:prstGeom>
+        </p:spPr>
+        <p:txBody>
+          <a:bodyPr vert="horz" lIns="91440" tIns="45720" rIns="91440" bIns="45720" rtlCol="0" anchor="b"/>
+          <a:lstStyle>
+            <a:lvl1pPr algn="r">
+              <a:defRPr sz="1200"/>
+            </a:lvl1pPr>
+          </a:lstStyle>
+          <a:p>
+            <a:fld id="{B9E137A4-A291-49B9-9455-03A1118EC957}" type="slidenum">
+              <a:rPr lang="en-US" smtClean="0"/>
+              <a:t>‹#›</a:t>
+            </a:fld>
+            <a:endParaRPr lang="en-US"/>
+          </a:p>
+        </p:txBody>
+      </p:sp>
+    </p:spTree>
+    <p:extLst>
+      <p:ext uri="{BB962C8B-B14F-4D97-AF65-F5344CB8AC3E}">
+        <p14:creationId xmlns:p14="http://schemas.microsoft.com/office/powerpoint/2010/main" val="3951728322"/>
+      </p:ext>
+    </p:extLst>
+  </p:cSld>
+  <p:clrMap bg1="lt1" tx1="dk1" bg2="lt2" tx2="dk2" accent1="accent1" accent2="accent2" accent3="accent3" accent4="accent4" accent5="accent5" accent6="accent6" hlink="hlink" folHlink="folHlink"/>
+  <p:notesStyle>
+    <a:lvl1pPr marL="0" algn="l" defTabSz="914400" rtl="0" eaLnBrk="1" latinLnBrk="0" hangingPunct="1">
+      <a:defRPr sz="1200" kern="1200">
+        <a:solidFill>
+          <a:schemeClr val="tx1"/>
+        </a:solidFill>
+        <a:latin typeface="+mn-lt"/>
+        <a:ea typeface="+mn-ea"/>
+        <a:cs typeface="+mn-cs"/>
+      </a:defRPr>
+    </a:lvl1pPr>
+    <a:lvl2pPr marL="457200" algn="l" defTabSz="914400" rtl="0" eaLnBrk="1" latinLnBrk="0" hangingPunct="1">
+      <a:defRPr sz="1200" kern="1200">
+        <a:solidFill>
+          <a:schemeClr val="tx1"/>
+        </a:solidFill>
+        <a:latin typeface="+mn-lt"/>
+        <a:ea typeface="+mn-ea"/>
+        <a:cs typeface="+mn-cs"/>
+      </a:defRPr>
+    </a:lvl2pPr>
+    <a:lvl3pPr marL="914400" algn="l" defTabSz="914400" rtl="0" eaLnBrk="1" latinLnBrk="0" hangingPunct="1">
+      <a:defRPr sz="1200" kern="1200">
+        <a:solidFill>
+          <a:schemeClr val="tx1"/>
+        </a:solidFill>
+        <a:latin typeface="+mn-lt"/>
+        <a:ea typeface="+mn-ea"/>
+        <a:cs typeface="+mn-cs"/>
+      </a:defRPr>
+    </a:lvl3pPr>
+    <a:lvl4pPr marL="1371600" algn="l" defTabSz="914400" rtl="0" eaLnBrk="1" latinLnBrk="0" hangingPunct="1">
+      <a:defRPr sz="1200" kern="1200">
+        <a:solidFill>
+          <a:schemeClr val="tx1"/>
+        </a:solidFill>
+        <a:latin typeface="+mn-lt"/>
+        <a:ea typeface="+mn-ea"/>
+        <a:cs typeface="+mn-cs"/>
+      </a:defRPr>
+    </a:lvl4pPr>
+    <a:lvl5pPr marL="1828800" algn="l" defTabSz="914400" rtl="0" eaLnBrk="1" latinLnBrk="0" hangingPunct="1">
+      <a:defRPr sz="1200" kern="1200">
+        <a:solidFill>
+          <a:schemeClr val="tx1"/>
+        </a:solidFill>
+        <a:latin typeface="+mn-lt"/>
+        <a:ea typeface="+mn-ea"/>
+        <a:cs typeface="+mn-cs"/>
+      </a:defRPr>
+    </a:lvl5pPr>
+    <a:lvl6pPr marL="2286000" algn="l" defTabSz="914400" rtl="0" eaLnBrk="1" latinLnBrk="0" hangingPunct="1">
+      <a:defRPr sz="1200" kern="1200">
+        <a:solidFill>
+          <a:schemeClr val="tx1"/>
+        </a:solidFill>
+        <a:latin typeface="+mn-lt"/>
+        <a:ea typeface="+mn-ea"/>
+        <a:cs typeface="+mn-cs"/>
+      </a:defRPr>
+    </a:lvl6pPr>
+    <a:lvl7pPr marL="2743200" algn="l" defTabSz="914400" rtl="0" eaLnBrk="1" latinLnBrk="0" hangingPunct="1">
+      <a:defRPr sz="1200" kern="1200">
+        <a:solidFill>
+          <a:schemeClr val="tx1"/>
+        </a:solidFill>
+        <a:latin typeface="+mn-lt"/>
+        <a:ea typeface="+mn-ea"/>
+        <a:cs typeface="+mn-cs"/>
+      </a:defRPr>
+    </a:lvl7pPr>
+    <a:lvl8pPr marL="3200400" algn="l" defTabSz="914400" rtl="0" eaLnBrk="1" latinLnBrk="0" hangingPunct="1">
+      <a:defRPr sz="1200" kern="1200">
+        <a:solidFill>
+          <a:schemeClr val="tx1"/>
+        </a:solidFill>
+        <a:latin typeface="+mn-lt"/>
+        <a:ea typeface="+mn-ea"/>
+        <a:cs typeface="+mn-cs"/>
+      </a:defRPr>
+    </a:lvl8pPr>
+    <a:lvl9pPr marL="3657600" algn="l" defTabSz="914400" rtl="0" eaLnBrk="1" latinLnBrk="0" hangingPunct="1">
+      <a:defRPr sz="1200" kern="1200">
+        <a:solidFill>
+          <a:schemeClr val="tx1"/>
+        </a:solidFill>
+        <a:latin typeface="+mn-lt"/>
+        <a:ea typeface="+mn-ea"/>
+        <a:cs typeface="+mn-cs"/>
+      </a:defRPr>
+    </a:lvl9pPr>
+  </p:notesStyle>
+</p:notesMaster>
 </file>
 
 <file path=ppt/slideLayouts/slideLayout1.xml><?xml version="1.0" encoding="utf-8"?>
@@ -232,7 +586,7 @@
         </p:nvSpPr>
         <p:spPr>
           <a:xfrm>
-            <a:off x="2611808" y="3428998"/>
+            <a:off x="1831557" y="3446890"/>
             <a:ext cx="5518066" cy="2268559"/>
           </a:xfrm>
         </p:spPr>
@@ -242,7 +596,11 @@
           </a:bodyPr>
           <a:lstStyle>
             <a:lvl1pPr algn="l">
-              <a:defRPr sz="6000"/>
+              <a:defRPr sz="6000">
+                <a:solidFill>
+                  <a:schemeClr val="tx2"/>
+                </a:solidFill>
+              </a:defRPr>
             </a:lvl1pPr>
           </a:lstStyle>
           <a:p>
@@ -265,8 +623,8 @@
         </p:nvSpPr>
         <p:spPr>
           <a:xfrm>
-            <a:off x="2772274" y="2268786"/>
-            <a:ext cx="5357600" cy="1160213"/>
+            <a:off x="1826667" y="5715449"/>
+            <a:ext cx="5357600" cy="551356"/>
           </a:xfrm>
         </p:spPr>
         <p:txBody>
@@ -325,12 +683,12 @@
       </p:sp>
       <p:sp>
         <p:nvSpPr>
-          <p:cNvPr id="4" name="Date Placeholder 3"/>
-          <p:cNvSpPr>
-            <a:spLocks noGrp="1"/>
-          </p:cNvSpPr>
-          <p:nvPr>
-            <p:ph type="dt" sz="half" idx="10"/>
+          <p:cNvPr id="5" name="Footer Placeholder 4"/>
+          <p:cNvSpPr>
+            <a:spLocks noGrp="1"/>
+          </p:cNvSpPr>
+          <p:nvPr>
+            <p:ph type="ftr" sz="quarter" idx="11"/>
           </p:nvPr>
         </p:nvSpPr>
         <p:spPr/>
@@ -338,57 +696,10 @@
           <a:bodyPr/>
           <a:lstStyle/>
           <a:p>
-            <a:fld id="{9AB3A824-1A51-4B26-AD58-A6D8E14F6C04}" type="datetimeFigureOut">
-              <a:rPr lang="en-US" dirty="0"/>
-              <a:t>5/22/2021</a:t>
-            </a:fld>
-            <a:endParaRPr lang="en-US" dirty="0"/>
-          </a:p>
-        </p:txBody>
-      </p:sp>
-      <p:sp>
-        <p:nvSpPr>
-          <p:cNvPr id="5" name="Footer Placeholder 4"/>
-          <p:cNvSpPr>
-            <a:spLocks noGrp="1"/>
-          </p:cNvSpPr>
-          <p:nvPr>
-            <p:ph type="ftr" sz="quarter" idx="11"/>
-          </p:nvPr>
-        </p:nvSpPr>
-        <p:spPr/>
-        <p:txBody>
-          <a:bodyPr/>
-          <a:lstStyle/>
-          <a:p>
-            <a:r>
-              <a:rPr lang="en-US" dirty="0"/>
-              <a:t>
-              </a:t>
-            </a:r>
-          </a:p>
-        </p:txBody>
-      </p:sp>
-      <p:sp>
-        <p:nvSpPr>
-          <p:cNvPr id="6" name="Slide Number Placeholder 5"/>
-          <p:cNvSpPr>
-            <a:spLocks noGrp="1"/>
-          </p:cNvSpPr>
-          <p:nvPr>
-            <p:ph type="sldNum" sz="quarter" idx="12"/>
-          </p:nvPr>
-        </p:nvSpPr>
-        <p:spPr/>
-        <p:txBody>
-          <a:bodyPr rIns="45720"/>
-          <a:lstStyle/>
-          <a:p>
-            <a:fld id="{6D22F896-40B5-4ADD-8801-0D06FADFA095}" type="slidenum">
-              <a:rPr lang="en-US" dirty="0"/>
-              <a:t>‹#›</a:t>
-            </a:fld>
-            <a:endParaRPr lang="en-US" dirty="0"/>
+            <a:r>
+              <a:rPr lang="en-US" dirty="0"/>
+              <a:t>NYCDSA Project 1 – Data Analysis in Python             </a:t>
+            </a:r>
           </a:p>
         </p:txBody>
       </p:sp>
@@ -400,7 +711,7 @@
         </p:nvSpPr>
         <p:spPr>
           <a:xfrm>
-            <a:off x="2191282" y="3262852"/>
+            <a:off x="1411031" y="3304084"/>
             <a:ext cx="415636" cy="461665"/>
           </a:xfrm>
           <a:prstGeom prst="rect">
@@ -430,6 +741,92 @@
               </a:solidFill>
               <a:latin typeface="MS Shell Dlg 2" panose="020B0604030504040204" pitchFamily="34" charset="0"/>
             </a:endParaRPr>
+          </a:p>
+        </p:txBody>
+      </p:sp>
+      <p:pic>
+        <p:nvPicPr>
+          <p:cNvPr id="10" name="Picture 9" descr="Logo, icon&#10;&#10;Description automatically generated">
+            <a:extLst>
+              <a:ext uri="{FF2B5EF4-FFF2-40B4-BE49-F238E27FC236}">
+                <a16:creationId xmlns:a16="http://schemas.microsoft.com/office/drawing/2014/main" id="{681D3451-C5EC-49D1-938A-DD3EF151333C}"/>
+              </a:ext>
+            </a:extLst>
+          </p:cNvPr>
+          <p:cNvPicPr>
+            <a:picLocks noChangeAspect="1"/>
+          </p:cNvPicPr>
+          <p:nvPr userDrawn="1"/>
+        </p:nvPicPr>
+        <p:blipFill>
+          <a:blip r:embed="rId2"/>
+          <a:stretch>
+            <a:fillRect/>
+          </a:stretch>
+        </p:blipFill>
+        <p:spPr>
+          <a:xfrm>
+            <a:off x="5982554" y="550461"/>
+            <a:ext cx="2161036" cy="2161036"/>
+          </a:xfrm>
+          <a:prstGeom prst="rect">
+            <a:avLst/>
+          </a:prstGeom>
+        </p:spPr>
+      </p:pic>
+      <p:sp>
+        <p:nvSpPr>
+          <p:cNvPr id="6" name="Slide Number Placeholder 5"/>
+          <p:cNvSpPr>
+            <a:spLocks noGrp="1"/>
+          </p:cNvSpPr>
+          <p:nvPr>
+            <p:ph type="sldNum" sz="quarter" idx="12"/>
+          </p:nvPr>
+        </p:nvSpPr>
+        <p:spPr/>
+        <p:txBody>
+          <a:bodyPr rIns="45720"/>
+          <a:lstStyle>
+            <a:lvl1pPr>
+              <a:defRPr/>
+            </a:lvl1pPr>
+          </a:lstStyle>
+          <a:p>
+            <a:fld id="{D3BFE6D0-1D7B-4986-9A3E-D26FD57B607F}" type="slidenum">
+              <a:rPr lang="en-US" smtClean="0"/>
+              <a:pPr/>
+              <a:t>‹#›</a:t>
+            </a:fld>
+            <a:endParaRPr lang="en-US" dirty="0"/>
+          </a:p>
+        </p:txBody>
+      </p:sp>
+      <p:sp>
+        <p:nvSpPr>
+          <p:cNvPr id="4" name="Date Placeholder 3"/>
+          <p:cNvSpPr>
+            <a:spLocks noGrp="1"/>
+          </p:cNvSpPr>
+          <p:nvPr>
+            <p:ph type="dt" sz="half" idx="10"/>
+          </p:nvPr>
+        </p:nvSpPr>
+        <p:spPr/>
+        <p:txBody>
+          <a:bodyPr/>
+          <a:lstStyle/>
+          <a:p>
+            <a:r>
+              <a:rPr lang="en-US" dirty="0"/>
+              <a:t>Aleksey Klimchenko </a:t>
+            </a:r>
+            <a:fld id="{29964647-7EE6-4539-9DBD-7A514C30AD2F}" type="datetime1">
+              <a:rPr lang="en-US" smtClean="0"/>
+              <a:pPr/>
+              <a:t>5/23/2021</a:t>
+            </a:fld>
+            <a:endParaRPr lang="en-US" dirty="0"/>
           </a:p>
         </p:txBody>
       </p:sp>
@@ -540,7 +937,7 @@
         </p:nvSpPr>
         <p:spPr>
           <a:xfrm>
-            <a:off x="2194236" y="641225"/>
+            <a:off x="1385139" y="601468"/>
             <a:ext cx="415636" cy="369332"/>
           </a:xfrm>
           <a:prstGeom prst="rect">
@@ -585,19 +982,26 @@
         </p:nvSpPr>
         <p:spPr>
           <a:xfrm>
-            <a:off x="2611808" y="808056"/>
+            <a:off x="1800775" y="688787"/>
             <a:ext cx="7954091" cy="1077229"/>
           </a:xfrm>
         </p:spPr>
         <p:txBody>
           <a:bodyPr/>
-          <a:lstStyle/>
-          <a:p>
-            <a:r>
-              <a:rPr lang="en-US"/>
+          <a:lstStyle>
+            <a:lvl1pPr>
+              <a:defRPr>
+                <a:solidFill>
+                  <a:schemeClr val="tx2"/>
+                </a:solidFill>
+              </a:defRPr>
+            </a:lvl1pPr>
+          </a:lstStyle>
+          <a:p>
+            <a:r>
+              <a:rPr lang="en-US" dirty="0"/>
               <a:t>Click to edit Master title style</a:t>
             </a:r>
-            <a:endParaRPr lang="en-US" dirty="0"/>
           </a:p>
         </p:txBody>
       </p:sp>
@@ -611,68 +1015,81 @@
             <p:ph type="body" orient="vert" idx="1"/>
           </p:nvPr>
         </p:nvSpPr>
+        <p:spPr>
+          <a:xfrm>
+            <a:off x="1962566" y="1932847"/>
+            <a:ext cx="7796540" cy="3997828"/>
+          </a:xfrm>
+        </p:spPr>
+        <p:txBody>
+          <a:bodyPr vert="eaVert"/>
+          <a:lstStyle/>
+          <a:p>
+            <a:pPr lvl="0"/>
+            <a:r>
+              <a:rPr lang="en-US" dirty="0"/>
+              <a:t>Click to edit Master text styles</a:t>
+            </a:r>
+          </a:p>
+          <a:p>
+            <a:pPr lvl="1"/>
+            <a:r>
+              <a:rPr lang="en-US" dirty="0"/>
+              <a:t>Second level</a:t>
+            </a:r>
+          </a:p>
+          <a:p>
+            <a:pPr lvl="2"/>
+            <a:r>
+              <a:rPr lang="en-US" dirty="0"/>
+              <a:t>Third level</a:t>
+            </a:r>
+          </a:p>
+          <a:p>
+            <a:pPr lvl="3"/>
+            <a:r>
+              <a:rPr lang="en-US" dirty="0"/>
+              <a:t>Fourth level</a:t>
+            </a:r>
+          </a:p>
+          <a:p>
+            <a:pPr lvl="4"/>
+            <a:r>
+              <a:rPr lang="en-US" dirty="0"/>
+              <a:t>Fifth level</a:t>
+            </a:r>
+          </a:p>
+        </p:txBody>
+      </p:sp>
+      <p:sp>
+        <p:nvSpPr>
+          <p:cNvPr id="4" name="Date Placeholder 3"/>
+          <p:cNvSpPr>
+            <a:spLocks noGrp="1"/>
+          </p:cNvSpPr>
+          <p:nvPr>
+            <p:ph type="dt" sz="half" idx="10"/>
+          </p:nvPr>
+        </p:nvSpPr>
         <p:spPr/>
         <p:txBody>
-          <a:bodyPr vert="eaVert"/>
-          <a:lstStyle/>
-          <a:p>
-            <a:pPr lvl="0"/>
-            <a:r>
-              <a:rPr lang="en-US" dirty="0"/>
-              <a:t>Click to edit Master text styles</a:t>
-            </a:r>
-          </a:p>
-          <a:p>
-            <a:pPr lvl="1"/>
-            <a:r>
-              <a:rPr lang="en-US" dirty="0"/>
-              <a:t>Second level</a:t>
-            </a:r>
-          </a:p>
-          <a:p>
-            <a:pPr lvl="2"/>
-            <a:r>
-              <a:rPr lang="en-US" dirty="0"/>
-              <a:t>Third level</a:t>
-            </a:r>
-          </a:p>
-          <a:p>
-            <a:pPr lvl="3"/>
-            <a:r>
-              <a:rPr lang="en-US" dirty="0"/>
-              <a:t>Fourth level</a:t>
-            </a:r>
-          </a:p>
-          <a:p>
-            <a:pPr lvl="4"/>
-            <a:r>
-              <a:rPr lang="en-US" dirty="0"/>
-              <a:t>Fifth level</a:t>
-            </a:r>
-          </a:p>
-        </p:txBody>
-      </p:sp>
-      <p:sp>
-        <p:nvSpPr>
-          <p:cNvPr id="4" name="Date Placeholder 3"/>
-          <p:cNvSpPr>
-            <a:spLocks noGrp="1"/>
-          </p:cNvSpPr>
-          <p:nvPr>
-            <p:ph type="dt" sz="half" idx="10"/>
-          </p:nvPr>
-        </p:nvSpPr>
-        <p:spPr/>
-        <p:txBody>
           <a:bodyPr/>
           <a:lstStyle/>
           <a:p>
-            <a:fld id="{D857E33E-8B18-4087-B112-809917729534}" type="datetimeFigureOut">
-              <a:rPr lang="en-US" dirty="0"/>
-              <a:t>5/22/2021</a:t>
+            <a:r>
+              <a:rPr lang="en-US" dirty="0"/>
+              <a:t>Aleksey Klimchenko </a:t>
+            </a:r>
+            <a:fld id="{29964647-7EE6-4539-9DBD-7A514C30AD2F}" type="datetime1">
+              <a:rPr lang="en-US" smtClean="0"/>
+              <a:pPr/>
+              <a:t>5/23/2021</a:t>
             </a:fld>
             <a:endParaRPr lang="en-US" dirty="0"/>
           </a:p>
+          <a:p>
+            <a:endParaRPr lang="en-US" dirty="0"/>
+          </a:p>
         </p:txBody>
       </p:sp>
       <p:sp>
@@ -692,8 +1109,7 @@
           <a:p>
             <a:r>
               <a:rPr lang="en-US" dirty="0"/>
-              <a:t>
-              </a:t>
+              <a:t>NYCDSA Project 1 – Data Analysis in Python             </a:t>
             </a:r>
           </a:p>
         </p:txBody>
@@ -721,6 +1137,36 @@
           </a:p>
         </p:txBody>
       </p:sp>
+      <p:pic>
+        <p:nvPicPr>
+          <p:cNvPr id="11" name="Picture 10" descr="Icon&#10;&#10;Description automatically generated with low confidence">
+            <a:extLst>
+              <a:ext uri="{FF2B5EF4-FFF2-40B4-BE49-F238E27FC236}">
+                <a16:creationId xmlns:a16="http://schemas.microsoft.com/office/drawing/2014/main" id="{FDA1FA69-EAD4-4029-A72E-BF24B94488A3}"/>
+              </a:ext>
+            </a:extLst>
+          </p:cNvPr>
+          <p:cNvPicPr>
+            <a:picLocks noChangeAspect="1"/>
+          </p:cNvPicPr>
+          <p:nvPr userDrawn="1"/>
+        </p:nvPicPr>
+        <p:blipFill>
+          <a:blip r:embed="rId2"/>
+          <a:stretch>
+            <a:fillRect/>
+          </a:stretch>
+        </p:blipFill>
+        <p:spPr>
+          <a:xfrm>
+            <a:off x="11404760" y="46839"/>
+            <a:ext cx="763468" cy="763468"/>
+          </a:xfrm>
+          <a:prstGeom prst="rect">
+            <a:avLst/>
+          </a:prstGeom>
+        </p:spPr>
+      </p:pic>
     </p:spTree>
   </p:cSld>
   <p:clrMapOvr>
@@ -881,15 +1327,18 @@
           <a:bodyPr vert="eaVert"/>
           <a:lstStyle>
             <a:lvl1pPr algn="l">
-              <a:defRPr/>
+              <a:defRPr>
+                <a:solidFill>
+                  <a:schemeClr val="tx2"/>
+                </a:solidFill>
+              </a:defRPr>
             </a:lvl1pPr>
           </a:lstStyle>
           <a:p>
             <a:r>
-              <a:rPr lang="en-US"/>
+              <a:rPr lang="en-US" dirty="0"/>
               <a:t>Click to edit Master title style</a:t>
             </a:r>
-            <a:endParaRPr lang="en-US" dirty="0"/>
           </a:p>
         </p:txBody>
       </p:sp>
@@ -965,12 +1414,20 @@
           <a:bodyPr/>
           <a:lstStyle/>
           <a:p>
-            <a:fld id="{D3FFE419-2371-464F-8239-3959401C3561}" type="datetimeFigureOut">
-              <a:rPr lang="en-US" dirty="0"/>
-              <a:t>5/22/2021</a:t>
+            <a:r>
+              <a:rPr lang="en-US" dirty="0"/>
+              <a:t>Aleksey Klimchenko </a:t>
+            </a:r>
+            <a:fld id="{29964647-7EE6-4539-9DBD-7A514C30AD2F}" type="datetime1">
+              <a:rPr lang="en-US" smtClean="0"/>
+              <a:pPr/>
+              <a:t>5/23/2021</a:t>
             </a:fld>
             <a:endParaRPr lang="en-US" dirty="0"/>
           </a:p>
+          <a:p>
+            <a:endParaRPr lang="en-US" dirty="0"/>
+          </a:p>
         </p:txBody>
       </p:sp>
       <p:sp>
@@ -990,8 +1447,7 @@
           <a:p>
             <a:r>
               <a:rPr lang="en-US" dirty="0"/>
-              <a:t>
-              </a:t>
+              <a:t>NYCDSA Project 1 – Data Analysis in Python             </a:t>
             </a:r>
           </a:p>
         </p:txBody>
@@ -1019,6 +1475,36 @@
           </a:p>
         </p:txBody>
       </p:sp>
+      <p:pic>
+        <p:nvPicPr>
+          <p:cNvPr id="11" name="Picture 10" descr="Icon&#10;&#10;Description automatically generated with low confidence">
+            <a:extLst>
+              <a:ext uri="{FF2B5EF4-FFF2-40B4-BE49-F238E27FC236}">
+                <a16:creationId xmlns:a16="http://schemas.microsoft.com/office/drawing/2014/main" id="{733325C1-48AE-4E75-A320-5CE83F22CF00}"/>
+              </a:ext>
+            </a:extLst>
+          </p:cNvPr>
+          <p:cNvPicPr>
+            <a:picLocks noChangeAspect="1"/>
+          </p:cNvPicPr>
+          <p:nvPr userDrawn="1"/>
+        </p:nvPicPr>
+        <p:blipFill>
+          <a:blip r:embed="rId2"/>
+          <a:stretch>
+            <a:fillRect/>
+          </a:stretch>
+        </p:blipFill>
+        <p:spPr>
+          <a:xfrm>
+            <a:off x="11404760" y="46839"/>
+            <a:ext cx="763468" cy="763468"/>
+          </a:xfrm>
+          <a:prstGeom prst="rect">
+            <a:avLst/>
+          </a:prstGeom>
+        </p:spPr>
+      </p:pic>
     </p:spTree>
   </p:cSld>
   <p:clrMapOvr>
@@ -1128,6 +1614,97 @@
             <p:ph type="title"/>
           </p:nvPr>
         </p:nvSpPr>
+        <p:spPr>
+          <a:xfrm>
+            <a:off x="1803777" y="744446"/>
+            <a:ext cx="7958331" cy="1077229"/>
+          </a:xfrm>
+        </p:spPr>
+        <p:txBody>
+          <a:bodyPr/>
+          <a:lstStyle>
+            <a:lvl1pPr>
+              <a:defRPr>
+                <a:solidFill>
+                  <a:schemeClr val="tx2"/>
+                </a:solidFill>
+              </a:defRPr>
+            </a:lvl1pPr>
+          </a:lstStyle>
+          <a:p>
+            <a:r>
+              <a:rPr lang="en-US" dirty="0"/>
+              <a:t>Click to edit Master title style</a:t>
+            </a:r>
+          </a:p>
+        </p:txBody>
+      </p:sp>
+      <p:sp>
+        <p:nvSpPr>
+          <p:cNvPr id="3" name="Content Placeholder 2"/>
+          <p:cNvSpPr>
+            <a:spLocks noGrp="1"/>
+          </p:cNvSpPr>
+          <p:nvPr>
+            <p:ph idx="1"/>
+          </p:nvPr>
+        </p:nvSpPr>
+        <p:spPr>
+          <a:xfrm>
+            <a:off x="1965568" y="1988506"/>
+            <a:ext cx="7796540" cy="3997828"/>
+          </a:xfrm>
+        </p:spPr>
+        <p:txBody>
+          <a:bodyPr anchor="t"/>
+          <a:lstStyle/>
+          <a:p>
+            <a:pPr lvl="0"/>
+            <a:r>
+              <a:rPr lang="en-US" dirty="0"/>
+              <a:t>Click to edit Master text styles</a:t>
+            </a:r>
+          </a:p>
+          <a:p>
+            <a:pPr lvl="1"/>
+            <a:r>
+              <a:rPr lang="en-US" dirty="0"/>
+              <a:t>Second level</a:t>
+            </a:r>
+          </a:p>
+          <a:p>
+            <a:pPr lvl="2"/>
+            <a:r>
+              <a:rPr lang="en-US" dirty="0"/>
+              <a:t>Third level</a:t>
+            </a:r>
+          </a:p>
+          <a:p>
+            <a:pPr lvl="3"/>
+            <a:r>
+              <a:rPr lang="en-US" dirty="0"/>
+              <a:t>Fourth level</a:t>
+            </a:r>
+          </a:p>
+          <a:p>
+            <a:pPr lvl="4"/>
+            <a:r>
+              <a:rPr lang="en-US" dirty="0"/>
+              <a:t>Fifth level</a:t>
+            </a:r>
+          </a:p>
+        </p:txBody>
+      </p:sp>
+      <p:sp>
+        <p:nvSpPr>
+          <p:cNvPr id="4" name="Date Placeholder 3"/>
+          <p:cNvSpPr>
+            <a:spLocks noGrp="1"/>
+          </p:cNvSpPr>
+          <p:nvPr>
+            <p:ph type="dt" sz="half" idx="10"/>
+          </p:nvPr>
+        </p:nvSpPr>
         <p:spPr/>
         <p:txBody>
           <a:bodyPr/>
@@ -1135,83 +1712,18 @@
           <a:p>
             <a:r>
               <a:rPr lang="en-US" dirty="0"/>
-              <a:t>Click to edit Master title style</a:t>
-            </a:r>
-          </a:p>
-        </p:txBody>
-      </p:sp>
-      <p:sp>
-        <p:nvSpPr>
-          <p:cNvPr id="3" name="Content Placeholder 2"/>
-          <p:cNvSpPr>
-            <a:spLocks noGrp="1"/>
-          </p:cNvSpPr>
-          <p:nvPr>
-            <p:ph idx="1"/>
-          </p:nvPr>
-        </p:nvSpPr>
-        <p:spPr/>
-        <p:txBody>
-          <a:bodyPr anchor="t"/>
-          <a:lstStyle/>
-          <a:p>
-            <a:pPr lvl="0"/>
-            <a:r>
-              <a:rPr lang="en-US" dirty="0"/>
-              <a:t>Click to edit Master text styles</a:t>
-            </a:r>
-          </a:p>
-          <a:p>
-            <a:pPr lvl="1"/>
-            <a:r>
-              <a:rPr lang="en-US" dirty="0"/>
-              <a:t>Second level</a:t>
-            </a:r>
-          </a:p>
-          <a:p>
-            <a:pPr lvl="2"/>
-            <a:r>
-              <a:rPr lang="en-US" dirty="0"/>
-              <a:t>Third level</a:t>
-            </a:r>
-          </a:p>
-          <a:p>
-            <a:pPr lvl="3"/>
-            <a:r>
-              <a:rPr lang="en-US" dirty="0"/>
-              <a:t>Fourth level</a:t>
-            </a:r>
-          </a:p>
-          <a:p>
-            <a:pPr lvl="4"/>
-            <a:r>
-              <a:rPr lang="en-US" dirty="0"/>
-              <a:t>Fifth level</a:t>
-            </a:r>
-          </a:p>
-        </p:txBody>
-      </p:sp>
-      <p:sp>
-        <p:nvSpPr>
-          <p:cNvPr id="4" name="Date Placeholder 3"/>
-          <p:cNvSpPr>
-            <a:spLocks noGrp="1"/>
-          </p:cNvSpPr>
-          <p:nvPr>
-            <p:ph type="dt" sz="half" idx="10"/>
-          </p:nvPr>
-        </p:nvSpPr>
-        <p:spPr/>
-        <p:txBody>
-          <a:bodyPr/>
-          <a:lstStyle/>
-          <a:p>
-            <a:fld id="{97D162C4-EDD9-4389-A98B-B87ECEA2A816}" type="datetimeFigureOut">
-              <a:rPr lang="en-US" dirty="0"/>
-              <a:t>5/22/2021</a:t>
+              <a:t>Aleksey Klimchenko </a:t>
+            </a:r>
+            <a:fld id="{29964647-7EE6-4539-9DBD-7A514C30AD2F}" type="datetime1">
+              <a:rPr lang="en-US" smtClean="0"/>
+              <a:pPr/>
+              <a:t>5/23/2021</a:t>
             </a:fld>
             <a:endParaRPr lang="en-US" dirty="0"/>
           </a:p>
+          <a:p>
+            <a:endParaRPr lang="en-US" dirty="0"/>
+          </a:p>
         </p:txBody>
       </p:sp>
       <p:sp>
@@ -1231,8 +1743,7 @@
           <a:p>
             <a:r>
               <a:rPr lang="en-US" dirty="0"/>
-              <a:t>
-              </a:t>
+              <a:t>NYCDSA Project 1 – Data Analysis in Python             </a:t>
             </a:r>
           </a:p>
         </p:txBody>
@@ -1268,7 +1779,7 @@
         </p:nvSpPr>
         <p:spPr>
           <a:xfrm>
-            <a:off x="2194943" y="641225"/>
+            <a:off x="1388141" y="623390"/>
             <a:ext cx="415636" cy="369332"/>
           </a:xfrm>
           <a:prstGeom prst="rect">
@@ -1301,6 +1812,36 @@
           </a:p>
         </p:txBody>
       </p:sp>
+      <p:pic>
+        <p:nvPicPr>
+          <p:cNvPr id="10" name="Picture 9" descr="Icon&#10;&#10;Description automatically generated with low confidence">
+            <a:extLst>
+              <a:ext uri="{FF2B5EF4-FFF2-40B4-BE49-F238E27FC236}">
+                <a16:creationId xmlns:a16="http://schemas.microsoft.com/office/drawing/2014/main" id="{08E80C26-F316-4440-8E19-0125C98A4C20}"/>
+              </a:ext>
+            </a:extLst>
+          </p:cNvPr>
+          <p:cNvPicPr>
+            <a:picLocks noChangeAspect="1"/>
+          </p:cNvPicPr>
+          <p:nvPr userDrawn="1"/>
+        </p:nvPicPr>
+        <p:blipFill>
+          <a:blip r:embed="rId2"/>
+          <a:stretch>
+            <a:fillRect/>
+          </a:stretch>
+        </p:blipFill>
+        <p:spPr>
+          <a:xfrm>
+            <a:off x="11404760" y="46839"/>
+            <a:ext cx="763468" cy="763468"/>
+          </a:xfrm>
+          <a:prstGeom prst="rect">
+            <a:avLst/>
+          </a:prstGeom>
+        </p:spPr>
+      </p:pic>
     </p:spTree>
   </p:cSld>
   <p:clrMapOvr>
@@ -1415,7 +1956,7 @@
         </p:nvSpPr>
         <p:spPr>
           <a:xfrm>
-            <a:off x="2191843" y="2962586"/>
+            <a:off x="1392129" y="2500778"/>
             <a:ext cx="415636" cy="369332"/>
           </a:xfrm>
           <a:prstGeom prst="rect">
@@ -1460,7 +2001,7 @@
         </p:nvSpPr>
         <p:spPr>
           <a:xfrm>
-            <a:off x="2609873" y="3147254"/>
+            <a:off x="1807765" y="2605933"/>
             <a:ext cx="7956560" cy="1424746"/>
           </a:xfrm>
         </p:spPr>
@@ -1470,7 +2011,11 @@
           </a:bodyPr>
           <a:lstStyle>
             <a:lvl1pPr algn="l">
-              <a:defRPr sz="3200"/>
+              <a:defRPr sz="3200">
+                <a:solidFill>
+                  <a:schemeClr val="tx2"/>
+                </a:solidFill>
+              </a:defRPr>
             </a:lvl1pPr>
           </a:lstStyle>
           <a:p>
@@ -1493,7 +2038,7 @@
         </p:nvSpPr>
         <p:spPr>
           <a:xfrm>
-            <a:off x="2773968" y="2268786"/>
+            <a:off x="1972660" y="4030679"/>
             <a:ext cx="7791931" cy="878468"/>
           </a:xfrm>
         </p:spPr>
@@ -1615,12 +2160,20 @@
           <a:bodyPr/>
           <a:lstStyle/>
           <a:p>
-            <a:fld id="{3E5059C3-6A89-4494-99FF-5A4D6FFD50EB}" type="datetimeFigureOut">
-              <a:rPr lang="en-US" dirty="0"/>
-              <a:t>5/22/2021</a:t>
+            <a:r>
+              <a:rPr lang="en-US" dirty="0"/>
+              <a:t>Aleksey Klimchenko </a:t>
+            </a:r>
+            <a:fld id="{29964647-7EE6-4539-9DBD-7A514C30AD2F}" type="datetime1">
+              <a:rPr lang="en-US" smtClean="0"/>
+              <a:pPr/>
+              <a:t>5/23/2021</a:t>
             </a:fld>
             <a:endParaRPr lang="en-US" dirty="0"/>
           </a:p>
+          <a:p>
+            <a:endParaRPr lang="en-US" dirty="0"/>
+          </a:p>
         </p:txBody>
       </p:sp>
       <p:sp>
@@ -1640,8 +2193,7 @@
           <a:p>
             <a:r>
               <a:rPr lang="en-US" dirty="0"/>
-              <a:t>
-              </a:t>
+              <a:t>NYCDSA Project 1 – Data Analysis in Python             </a:t>
             </a:r>
           </a:p>
         </p:txBody>
@@ -1669,6 +2221,36 @@
           </a:p>
         </p:txBody>
       </p:sp>
+      <p:pic>
+        <p:nvPicPr>
+          <p:cNvPr id="12" name="Picture 11" descr="Icon&#10;&#10;Description automatically generated with low confidence">
+            <a:extLst>
+              <a:ext uri="{FF2B5EF4-FFF2-40B4-BE49-F238E27FC236}">
+                <a16:creationId xmlns:a16="http://schemas.microsoft.com/office/drawing/2014/main" id="{6A0C1B52-DB63-4B15-B191-87545A94F677}"/>
+              </a:ext>
+            </a:extLst>
+          </p:cNvPr>
+          <p:cNvPicPr>
+            <a:picLocks noChangeAspect="1"/>
+          </p:cNvPicPr>
+          <p:nvPr userDrawn="1"/>
+        </p:nvPicPr>
+        <p:blipFill>
+          <a:blip r:embed="rId2"/>
+          <a:stretch>
+            <a:fillRect/>
+          </a:stretch>
+        </p:blipFill>
+        <p:spPr>
+          <a:xfrm>
+            <a:off x="11404760" y="46839"/>
+            <a:ext cx="763468" cy="763468"/>
+          </a:xfrm>
+          <a:prstGeom prst="rect">
+            <a:avLst/>
+          </a:prstGeom>
+        </p:spPr>
+      </p:pic>
     </p:spTree>
   </p:cSld>
   <p:clrMapOvr>
@@ -1678,7 +2260,7 @@
 </file>
 
 <file path=ppt/slideLayouts/slideLayout4.xml><?xml version="1.0" encoding="utf-8"?>
-<p:sldLayout xmlns:a="http://schemas.openxmlformats.org/drawingml/2006/main" xmlns:r="http://schemas.openxmlformats.org/officeDocument/2006/relationships" xmlns:p="http://schemas.openxmlformats.org/presentationml/2006/main" type="twoObj" preserve="1">
+<p:sldLayout xmlns:a="http://schemas.openxmlformats.org/drawingml/2006/main" xmlns:r="http://schemas.openxmlformats.org/officeDocument/2006/relationships" xmlns:p="http://schemas.openxmlformats.org/presentationml/2006/main" preserve="1" userDrawn="1">
   <p:cSld name="Two Content">
     <p:spTree>
       <p:nvGrpSpPr>
@@ -1780,157 +2362,58 @@
         </p:nvSpPr>
         <p:spPr>
           <a:xfrm>
-            <a:off x="2609873" y="805817"/>
+            <a:off x="1806791" y="726304"/>
             <a:ext cx="7950984" cy="1081705"/>
           </a:xfrm>
         </p:spPr>
         <p:txBody>
           <a:bodyPr/>
-          <a:lstStyle/>
-          <a:p>
-            <a:r>
-              <a:rPr lang="en-US"/>
+          <a:lstStyle>
+            <a:lvl1pPr>
+              <a:defRPr>
+                <a:solidFill>
+                  <a:schemeClr val="tx2"/>
+                </a:solidFill>
+              </a:defRPr>
+            </a:lvl1pPr>
+          </a:lstStyle>
+          <a:p>
+            <a:r>
+              <a:rPr lang="en-US" dirty="0"/>
               <a:t>Click to edit Master title style</a:t>
             </a:r>
-            <a:endParaRPr lang="en-US" dirty="0"/>
-          </a:p>
-        </p:txBody>
-      </p:sp>
-      <p:sp>
-        <p:nvSpPr>
-          <p:cNvPr id="3" name="Content Placeholder 2"/>
-          <p:cNvSpPr>
-            <a:spLocks noGrp="1"/>
-          </p:cNvSpPr>
-          <p:nvPr>
-            <p:ph sz="half" idx="1"/>
-          </p:nvPr>
-        </p:nvSpPr>
-        <p:spPr>
-          <a:xfrm>
-            <a:off x="2605374" y="2052116"/>
-            <a:ext cx="3891960" cy="3997828"/>
-          </a:xfrm>
-        </p:spPr>
+          </a:p>
+        </p:txBody>
+      </p:sp>
+      <p:sp>
+        <p:nvSpPr>
+          <p:cNvPr id="5" name="Date Placeholder 4"/>
+          <p:cNvSpPr>
+            <a:spLocks noGrp="1"/>
+          </p:cNvSpPr>
+          <p:nvPr>
+            <p:ph type="dt" sz="half" idx="10"/>
+          </p:nvPr>
+        </p:nvSpPr>
+        <p:spPr/>
         <p:txBody>
           <a:bodyPr/>
           <a:lstStyle/>
           <a:p>
-            <a:pPr lvl="0"/>
-            <a:r>
-              <a:rPr lang="en-US"/>
-              <a:t>Click to edit Master text styles</a:t>
-            </a:r>
-          </a:p>
-          <a:p>
-            <a:pPr lvl="1"/>
-            <a:r>
-              <a:rPr lang="en-US"/>
-              <a:t>Second level</a:t>
-            </a:r>
-          </a:p>
-          <a:p>
-            <a:pPr lvl="2"/>
-            <a:r>
-              <a:rPr lang="en-US"/>
-              <a:t>Third level</a:t>
-            </a:r>
-          </a:p>
-          <a:p>
-            <a:pPr lvl="3"/>
-            <a:r>
-              <a:rPr lang="en-US"/>
-              <a:t>Fourth level</a:t>
-            </a:r>
-          </a:p>
-          <a:p>
-            <a:pPr lvl="4"/>
-            <a:r>
-              <a:rPr lang="en-US"/>
-              <a:t>Fifth level</a:t>
-            </a:r>
-            <a:endParaRPr lang="en-US" dirty="0"/>
-          </a:p>
-        </p:txBody>
-      </p:sp>
-      <p:sp>
-        <p:nvSpPr>
-          <p:cNvPr id="4" name="Content Placeholder 3"/>
-          <p:cNvSpPr>
-            <a:spLocks noGrp="1"/>
-          </p:cNvSpPr>
-          <p:nvPr>
-            <p:ph sz="half" idx="2"/>
-          </p:nvPr>
-        </p:nvSpPr>
-        <p:spPr>
-          <a:xfrm>
-            <a:off x="6666636" y="2052114"/>
-            <a:ext cx="3894222" cy="3997829"/>
-          </a:xfrm>
-        </p:spPr>
-        <p:txBody>
-          <a:bodyPr/>
-          <a:lstStyle/>
-          <a:p>
-            <a:pPr lvl="0"/>
-            <a:r>
-              <a:rPr lang="en-US"/>
-              <a:t>Click to edit Master text styles</a:t>
-            </a:r>
-          </a:p>
-          <a:p>
-            <a:pPr lvl="1"/>
-            <a:r>
-              <a:rPr lang="en-US"/>
-              <a:t>Second level</a:t>
-            </a:r>
-          </a:p>
-          <a:p>
-            <a:pPr lvl="2"/>
-            <a:r>
-              <a:rPr lang="en-US"/>
-              <a:t>Third level</a:t>
-            </a:r>
-          </a:p>
-          <a:p>
-            <a:pPr lvl="3"/>
-            <a:r>
-              <a:rPr lang="en-US"/>
-              <a:t>Fourth level</a:t>
-            </a:r>
-          </a:p>
-          <a:p>
-            <a:pPr lvl="4"/>
-            <a:r>
-              <a:rPr lang="en-US"/>
-              <a:t>Fifth level</a:t>
-            </a:r>
-            <a:endParaRPr lang="en-US" dirty="0"/>
-          </a:p>
-        </p:txBody>
-      </p:sp>
-      <p:sp>
-        <p:nvSpPr>
-          <p:cNvPr id="5" name="Date Placeholder 4"/>
-          <p:cNvSpPr>
-            <a:spLocks noGrp="1"/>
-          </p:cNvSpPr>
-          <p:nvPr>
-            <p:ph type="dt" sz="half" idx="10"/>
-          </p:nvPr>
-        </p:nvSpPr>
-        <p:spPr/>
-        <p:txBody>
-          <a:bodyPr/>
-          <a:lstStyle/>
-          <a:p>
-            <a:fld id="{CA954B2F-12DE-47F5-8894-472B206D2E1E}" type="datetimeFigureOut">
-              <a:rPr lang="en-US" dirty="0"/>
-              <a:t>5/22/2021</a:t>
+            <a:r>
+              <a:rPr lang="en-US" dirty="0"/>
+              <a:t>Aleksey Klimchenko </a:t>
+            </a:r>
+            <a:fld id="{29964647-7EE6-4539-9DBD-7A514C30AD2F}" type="datetime1">
+              <a:rPr lang="en-US" smtClean="0"/>
+              <a:pPr/>
+              <a:t>5/23/2021</a:t>
             </a:fld>
             <a:endParaRPr lang="en-US" dirty="0"/>
           </a:p>
+          <a:p>
+            <a:endParaRPr lang="en-US" dirty="0"/>
+          </a:p>
         </p:txBody>
       </p:sp>
       <p:sp>
@@ -1950,8 +2433,7 @@
           <a:p>
             <a:r>
               <a:rPr lang="en-US" dirty="0"/>
-              <a:t>
-              </a:t>
+              <a:t>NYCDSA Project 1 – Data Analysis in Python             </a:t>
             </a:r>
           </a:p>
         </p:txBody>
@@ -1987,7 +2469,7 @@
         </p:nvSpPr>
         <p:spPr>
           <a:xfrm>
-            <a:off x="2196172" y="641223"/>
+            <a:off x="1389628" y="616970"/>
             <a:ext cx="415636" cy="369332"/>
           </a:xfrm>
           <a:prstGeom prst="rect">
@@ -2017,6 +2499,224 @@
               </a:solidFill>
               <a:latin typeface="MS Shell Dlg 2" panose="020B0604030504040204" pitchFamily="34" charset="0"/>
             </a:endParaRPr>
+          </a:p>
+        </p:txBody>
+      </p:sp>
+      <p:pic>
+        <p:nvPicPr>
+          <p:cNvPr id="12" name="Picture 11" descr="Icon&#10;&#10;Description automatically generated with low confidence">
+            <a:extLst>
+              <a:ext uri="{FF2B5EF4-FFF2-40B4-BE49-F238E27FC236}">
+                <a16:creationId xmlns:a16="http://schemas.microsoft.com/office/drawing/2014/main" id="{A1D6C17A-9023-43B2-A57C-73AB8983296C}"/>
+              </a:ext>
+            </a:extLst>
+          </p:cNvPr>
+          <p:cNvPicPr>
+            <a:picLocks noChangeAspect="1"/>
+          </p:cNvPicPr>
+          <p:nvPr userDrawn="1"/>
+        </p:nvPicPr>
+        <p:blipFill>
+          <a:blip r:embed="rId2"/>
+          <a:stretch>
+            <a:fillRect/>
+          </a:stretch>
+        </p:blipFill>
+        <p:spPr>
+          <a:xfrm>
+            <a:off x="11404760" y="46839"/>
+            <a:ext cx="763468" cy="763468"/>
+          </a:xfrm>
+          <a:prstGeom prst="rect">
+            <a:avLst/>
+          </a:prstGeom>
+        </p:spPr>
+      </p:pic>
+      <p:sp>
+        <p:nvSpPr>
+          <p:cNvPr id="13" name="Content Placeholder 3">
+            <a:extLst>
+              <a:ext uri="{FF2B5EF4-FFF2-40B4-BE49-F238E27FC236}">
+                <a16:creationId xmlns:a16="http://schemas.microsoft.com/office/drawing/2014/main" id="{4025839B-14F9-478B-9CA1-98364E9D5C15}"/>
+              </a:ext>
+            </a:extLst>
+          </p:cNvPr>
+          <p:cNvSpPr>
+            <a:spLocks noGrp="1"/>
+          </p:cNvSpPr>
+          <p:nvPr>
+            <p:ph sz="half" idx="13"/>
+          </p:nvPr>
+        </p:nvSpPr>
+        <p:spPr>
+          <a:xfrm>
+            <a:off x="1805264" y="2092396"/>
+            <a:ext cx="3893623" cy="3071434"/>
+          </a:xfrm>
+        </p:spPr>
+        <p:txBody>
+          <a:bodyPr/>
+          <a:lstStyle>
+            <a:lvl1pPr marL="344488" indent="-344488">
+              <a:buClr>
+                <a:schemeClr val="tx2"/>
+              </a:buClr>
+              <a:buFontTx/>
+              <a:buBlip>
+                <a:blip r:embed="rId3"/>
+              </a:buBlip>
+              <a:defRPr/>
+            </a:lvl1pPr>
+            <a:lvl2pPr marL="795338" indent="-338138">
+              <a:buFontTx/>
+              <a:buBlip>
+                <a:blip r:embed="rId3"/>
+              </a:buBlip>
+              <a:defRPr/>
+            </a:lvl2pPr>
+            <a:lvl3pPr marL="1258888" indent="-344488">
+              <a:buFontTx/>
+              <a:buBlip>
+                <a:blip r:embed="rId3"/>
+              </a:buBlip>
+              <a:defRPr/>
+            </a:lvl3pPr>
+            <a:lvl4pPr marL="1709738" indent="-338138">
+              <a:buFontTx/>
+              <a:buBlip>
+                <a:blip r:embed="rId3"/>
+              </a:buBlip>
+              <a:defRPr/>
+            </a:lvl4pPr>
+          </a:lstStyle>
+          <a:p>
+            <a:pPr lvl="0"/>
+            <a:r>
+              <a:rPr lang="en-US" dirty="0"/>
+              <a:t>Click to edit Master text styles</a:t>
+            </a:r>
+          </a:p>
+          <a:p>
+            <a:pPr lvl="1"/>
+            <a:r>
+              <a:rPr lang="en-US" dirty="0"/>
+              <a:t>Second level</a:t>
+            </a:r>
+          </a:p>
+          <a:p>
+            <a:pPr lvl="2"/>
+            <a:r>
+              <a:rPr lang="en-US" dirty="0"/>
+              <a:t>Third level</a:t>
+            </a:r>
+          </a:p>
+          <a:p>
+            <a:pPr lvl="3"/>
+            <a:r>
+              <a:rPr lang="en-US" dirty="0"/>
+              <a:t>Fourth level</a:t>
+            </a:r>
+          </a:p>
+          <a:p>
+            <a:pPr lvl="4"/>
+            <a:r>
+              <a:rPr lang="en-US" dirty="0"/>
+              <a:t>Fifth level</a:t>
+            </a:r>
+          </a:p>
+        </p:txBody>
+      </p:sp>
+      <p:sp>
+        <p:nvSpPr>
+          <p:cNvPr id="14" name="Content Placeholder 3">
+            <a:extLst>
+              <a:ext uri="{FF2B5EF4-FFF2-40B4-BE49-F238E27FC236}">
+                <a16:creationId xmlns:a16="http://schemas.microsoft.com/office/drawing/2014/main" id="{7DFDAF22-9670-4E02-B64E-FA7C9FE0CA7B}"/>
+              </a:ext>
+            </a:extLst>
+          </p:cNvPr>
+          <p:cNvSpPr>
+            <a:spLocks noGrp="1"/>
+          </p:cNvSpPr>
+          <p:nvPr>
+            <p:ph sz="half" idx="2"/>
+          </p:nvPr>
+        </p:nvSpPr>
+        <p:spPr>
+          <a:xfrm>
+            <a:off x="6096000" y="2092396"/>
+            <a:ext cx="3893623" cy="3071434"/>
+          </a:xfrm>
+        </p:spPr>
+        <p:txBody>
+          <a:bodyPr/>
+          <a:lstStyle>
+            <a:lvl1pPr marL="344488" indent="-344488">
+              <a:buClr>
+                <a:schemeClr val="tx2"/>
+              </a:buClr>
+              <a:buFontTx/>
+              <a:buBlip>
+                <a:blip r:embed="rId3"/>
+              </a:buBlip>
+              <a:defRPr/>
+            </a:lvl1pPr>
+            <a:lvl2pPr marL="795338" indent="-338138">
+              <a:buFontTx/>
+              <a:buBlip>
+                <a:blip r:embed="rId3"/>
+              </a:buBlip>
+              <a:defRPr/>
+            </a:lvl2pPr>
+            <a:lvl3pPr marL="1258888" indent="-344488">
+              <a:buFontTx/>
+              <a:buBlip>
+                <a:blip r:embed="rId3"/>
+              </a:buBlip>
+              <a:defRPr/>
+            </a:lvl3pPr>
+            <a:lvl4pPr marL="1709738" indent="-338138">
+              <a:buFontTx/>
+              <a:buBlip>
+                <a:blip r:embed="rId3"/>
+              </a:buBlip>
+              <a:defRPr/>
+            </a:lvl4pPr>
+          </a:lstStyle>
+          <a:p>
+            <a:pPr lvl="0"/>
+            <a:r>
+              <a:rPr lang="en-US" dirty="0"/>
+              <a:t>Click to edit Master text styles</a:t>
+            </a:r>
+          </a:p>
+          <a:p>
+            <a:pPr lvl="1"/>
+            <a:r>
+              <a:rPr lang="en-US" dirty="0"/>
+              <a:t>Second level</a:t>
+            </a:r>
+          </a:p>
+          <a:p>
+            <a:pPr lvl="2"/>
+            <a:r>
+              <a:rPr lang="en-US" dirty="0"/>
+              <a:t>Third level</a:t>
+            </a:r>
+          </a:p>
+          <a:p>
+            <a:pPr lvl="3"/>
+            <a:r>
+              <a:rPr lang="en-US" dirty="0"/>
+              <a:t>Fourth level</a:t>
+            </a:r>
+          </a:p>
+          <a:p>
+            <a:pPr lvl="4"/>
+            <a:r>
+              <a:rPr lang="en-US" dirty="0"/>
+              <a:t>Fifth level</a:t>
+            </a:r>
           </a:p>
         </p:txBody>
       </p:sp>
@@ -2029,7 +2729,7 @@
 </file>
 
 <file path=ppt/slideLayouts/slideLayout5.xml><?xml version="1.0" encoding="utf-8"?>
-<p:sldLayout xmlns:a="http://schemas.openxmlformats.org/drawingml/2006/main" xmlns:r="http://schemas.openxmlformats.org/officeDocument/2006/relationships" xmlns:p="http://schemas.openxmlformats.org/presentationml/2006/main" type="twoTxTwoObj" preserve="1">
+<p:sldLayout xmlns:a="http://schemas.openxmlformats.org/drawingml/2006/main" xmlns:r="http://schemas.openxmlformats.org/officeDocument/2006/relationships" xmlns:p="http://schemas.openxmlformats.org/presentationml/2006/main" preserve="1" userDrawn="1">
   <p:cSld name="Comparison">
     <p:spTree>
       <p:nvGrpSpPr>
@@ -2127,7 +2827,7 @@
         </p:nvSpPr>
         <p:spPr>
           <a:xfrm>
-            <a:off x="2193650" y="636424"/>
+            <a:off x="1382616" y="629513"/>
             <a:ext cx="415636" cy="369332"/>
           </a:xfrm>
           <a:prstGeom prst="rect">
@@ -2172,7 +2872,7 @@
         </p:nvSpPr>
         <p:spPr>
           <a:xfrm>
-            <a:off x="2609873" y="805818"/>
+            <a:off x="1798840" y="742208"/>
             <a:ext cx="7956560" cy="1078348"/>
           </a:xfrm>
         </p:spPr>
@@ -2200,7 +2900,7 @@
         </p:nvSpPr>
         <p:spPr>
           <a:xfrm>
-            <a:off x="2609285" y="2052115"/>
+            <a:off x="1798252" y="1988505"/>
             <a:ext cx="3896467" cy="713818"/>
           </a:xfrm>
         </p:spPr>
@@ -2216,7 +2916,7 @@
               <a:buNone/>
               <a:defRPr sz="2200" b="0" cap="none" baseline="0">
                 <a:solidFill>
-                  <a:schemeClr val="accent6"/>
+                  <a:schemeClr val="tx2"/>
                 </a:solidFill>
               </a:defRPr>
             </a:lvl1pPr>
@@ -2256,7 +2956,7 @@
           <a:p>
             <a:pPr lvl="0"/>
             <a:r>
-              <a:rPr lang="en-US"/>
+              <a:rPr lang="en-US" dirty="0"/>
               <a:t>Click to edit Master text styles</a:t>
             </a:r>
           </a:p>
@@ -2274,48 +2974,79 @@
         </p:nvSpPr>
         <p:spPr>
           <a:xfrm>
-            <a:off x="2609285" y="2851331"/>
+            <a:off x="1798252" y="2787721"/>
             <a:ext cx="3893623" cy="3071434"/>
           </a:xfrm>
         </p:spPr>
         <p:txBody>
           <a:bodyPr/>
-          <a:lstStyle/>
+          <a:lstStyle>
+            <a:lvl1pPr marL="344488" indent="-344488">
+              <a:buClr>
+                <a:schemeClr val="tx2"/>
+              </a:buClr>
+              <a:buFontTx/>
+              <a:buBlip>
+                <a:blip r:embed="rId2"/>
+              </a:buBlip>
+              <a:defRPr/>
+            </a:lvl1pPr>
+            <a:lvl2pPr marL="795338" indent="-338138">
+              <a:buFontTx/>
+              <a:buBlip>
+                <a:blip r:embed="rId2"/>
+              </a:buBlip>
+              <a:defRPr/>
+            </a:lvl2pPr>
+            <a:lvl3pPr marL="1258888" indent="-344488">
+              <a:buFontTx/>
+              <a:buBlip>
+                <a:blip r:embed="rId2"/>
+              </a:buBlip>
+              <a:defRPr/>
+            </a:lvl3pPr>
+            <a:lvl4pPr marL="1709738" indent="-338138">
+              <a:buFontTx/>
+              <a:buBlip>
+                <a:blip r:embed="rId2"/>
+              </a:buBlip>
+              <a:defRPr/>
+            </a:lvl4pPr>
+          </a:lstStyle>
           <a:p>
             <a:pPr lvl="0"/>
             <a:r>
-              <a:rPr lang="en-US"/>
+              <a:rPr lang="en-US" dirty="0"/>
               <a:t>Click to edit Master text styles</a:t>
             </a:r>
           </a:p>
           <a:p>
             <a:pPr lvl="1"/>
             <a:r>
-              <a:rPr lang="en-US"/>
+              <a:rPr lang="en-US" dirty="0"/>
               <a:t>Second level</a:t>
             </a:r>
           </a:p>
           <a:p>
             <a:pPr lvl="2"/>
             <a:r>
-              <a:rPr lang="en-US"/>
+              <a:rPr lang="en-US" dirty="0"/>
               <a:t>Third level</a:t>
             </a:r>
           </a:p>
           <a:p>
             <a:pPr lvl="3"/>
             <a:r>
-              <a:rPr lang="en-US"/>
+              <a:rPr lang="en-US" dirty="0"/>
               <a:t>Fourth level</a:t>
             </a:r>
           </a:p>
           <a:p>
             <a:pPr lvl="4"/>
             <a:r>
-              <a:rPr lang="en-US"/>
+              <a:rPr lang="en-US" dirty="0"/>
               <a:t>Fifth level</a:t>
             </a:r>
-            <a:endParaRPr lang="en-US" dirty="0"/>
           </a:p>
         </p:txBody>
       </p:sp>
@@ -2331,7 +3062,7 @@
         </p:nvSpPr>
         <p:spPr>
           <a:xfrm>
-            <a:off x="6666634" y="2052115"/>
+            <a:off x="5855601" y="1988505"/>
             <a:ext cx="3899798" cy="713818"/>
           </a:xfrm>
         </p:spPr>
@@ -2347,7 +3078,7 @@
               <a:buNone/>
               <a:defRPr sz="2200" b="0" cap="none" baseline="0">
                 <a:solidFill>
-                  <a:schemeClr val="accent6"/>
+                  <a:schemeClr val="tx2"/>
                 </a:solidFill>
               </a:defRPr>
             </a:lvl1pPr>
@@ -2387,7 +3118,7 @@
           <a:p>
             <a:pPr lvl="0"/>
             <a:r>
-              <a:rPr lang="en-US"/>
+              <a:rPr lang="en-US" dirty="0"/>
               <a:t>Click to edit Master text styles</a:t>
             </a:r>
           </a:p>
@@ -2395,79 +3126,27 @@
       </p:sp>
       <p:sp>
         <p:nvSpPr>
-          <p:cNvPr id="6" name="Content Placeholder 5"/>
-          <p:cNvSpPr>
-            <a:spLocks noGrp="1"/>
-          </p:cNvSpPr>
-          <p:nvPr>
-            <p:ph sz="quarter" idx="4"/>
-          </p:nvPr>
-        </p:nvSpPr>
-        <p:spPr>
-          <a:xfrm>
-            <a:off x="6666635" y="2851331"/>
-            <a:ext cx="3899798" cy="3071434"/>
-          </a:xfrm>
-        </p:spPr>
+          <p:cNvPr id="7" name="Date Placeholder 6"/>
+          <p:cNvSpPr>
+            <a:spLocks noGrp="1"/>
+          </p:cNvSpPr>
+          <p:nvPr>
+            <p:ph type="dt" sz="half" idx="10"/>
+          </p:nvPr>
+        </p:nvSpPr>
+        <p:spPr/>
         <p:txBody>
           <a:bodyPr/>
           <a:lstStyle/>
           <a:p>
-            <a:pPr lvl="0"/>
-            <a:r>
-              <a:rPr lang="en-US"/>
-              <a:t>Click to edit Master text styles</a:t>
-            </a:r>
-          </a:p>
-          <a:p>
-            <a:pPr lvl="1"/>
-            <a:r>
-              <a:rPr lang="en-US"/>
-              <a:t>Second level</a:t>
-            </a:r>
-          </a:p>
-          <a:p>
-            <a:pPr lvl="2"/>
-            <a:r>
-              <a:rPr lang="en-US"/>
-              <a:t>Third level</a:t>
-            </a:r>
-          </a:p>
-          <a:p>
-            <a:pPr lvl="3"/>
-            <a:r>
-              <a:rPr lang="en-US"/>
-              <a:t>Fourth level</a:t>
-            </a:r>
-          </a:p>
-          <a:p>
-            <a:pPr lvl="4"/>
-            <a:r>
-              <a:rPr lang="en-US"/>
-              <a:t>Fifth level</a:t>
-            </a:r>
-            <a:endParaRPr lang="en-US" dirty="0"/>
-          </a:p>
-        </p:txBody>
-      </p:sp>
-      <p:sp>
-        <p:nvSpPr>
-          <p:cNvPr id="7" name="Date Placeholder 6"/>
-          <p:cNvSpPr>
-            <a:spLocks noGrp="1"/>
-          </p:cNvSpPr>
-          <p:nvPr>
-            <p:ph type="dt" sz="half" idx="10"/>
-          </p:nvPr>
-        </p:nvSpPr>
-        <p:spPr/>
-        <p:txBody>
-          <a:bodyPr/>
-          <a:lstStyle/>
-          <a:p>
-            <a:fld id="{3F30E46F-7819-4ACF-B48B-48222C2ACC88}" type="datetimeFigureOut">
-              <a:rPr lang="en-US" dirty="0"/>
-              <a:t>5/22/2021</a:t>
+            <a:r>
+              <a:rPr lang="en-US" dirty="0"/>
+              <a:t>Aleksey Klimchenko </a:t>
+            </a:r>
+            <a:fld id="{29964647-7EE6-4539-9DBD-7A514C30AD2F}" type="datetime1">
+              <a:rPr lang="en-US" smtClean="0"/>
+              <a:pPr/>
+              <a:t>5/23/2021</a:t>
             </a:fld>
             <a:endParaRPr lang="en-US" dirty="0"/>
           </a:p>
@@ -2490,8 +3169,7 @@
           <a:p>
             <a:r>
               <a:rPr lang="en-US" dirty="0"/>
-              <a:t>
-              </a:t>
+              <a:t>NYCDSA Project 1 – Data Analysis in Python             </a:t>
             </a:r>
           </a:p>
         </p:txBody>
@@ -2516,6 +3194,130 @@
               <a:t>‹#›</a:t>
             </a:fld>
             <a:endParaRPr lang="en-US" dirty="0"/>
+          </a:p>
+        </p:txBody>
+      </p:sp>
+      <p:pic>
+        <p:nvPicPr>
+          <p:cNvPr id="14" name="Picture 13" descr="Icon&#10;&#10;Description automatically generated with low confidence">
+            <a:extLst>
+              <a:ext uri="{FF2B5EF4-FFF2-40B4-BE49-F238E27FC236}">
+                <a16:creationId xmlns:a16="http://schemas.microsoft.com/office/drawing/2014/main" id="{B73F98AA-C49C-446C-A77A-2D4AD072672E}"/>
+              </a:ext>
+            </a:extLst>
+          </p:cNvPr>
+          <p:cNvPicPr>
+            <a:picLocks noChangeAspect="1"/>
+          </p:cNvPicPr>
+          <p:nvPr userDrawn="1"/>
+        </p:nvPicPr>
+        <p:blipFill>
+          <a:blip r:embed="rId3"/>
+          <a:stretch>
+            <a:fillRect/>
+          </a:stretch>
+        </p:blipFill>
+        <p:spPr>
+          <a:xfrm>
+            <a:off x="11404760" y="46839"/>
+            <a:ext cx="763468" cy="763468"/>
+          </a:xfrm>
+          <a:prstGeom prst="rect">
+            <a:avLst/>
+          </a:prstGeom>
+        </p:spPr>
+      </p:pic>
+      <p:sp>
+        <p:nvSpPr>
+          <p:cNvPr id="16" name="Content Placeholder 3">
+            <a:extLst>
+              <a:ext uri="{FF2B5EF4-FFF2-40B4-BE49-F238E27FC236}">
+                <a16:creationId xmlns:a16="http://schemas.microsoft.com/office/drawing/2014/main" id="{56D310FE-1120-4149-BE19-33C66FD82D5B}"/>
+              </a:ext>
+            </a:extLst>
+          </p:cNvPr>
+          <p:cNvSpPr>
+            <a:spLocks noGrp="1"/>
+          </p:cNvSpPr>
+          <p:nvPr>
+            <p:ph sz="half" idx="13"/>
+          </p:nvPr>
+        </p:nvSpPr>
+        <p:spPr>
+          <a:xfrm>
+            <a:off x="5855601" y="2803561"/>
+            <a:ext cx="3893623" cy="3071434"/>
+          </a:xfrm>
+        </p:spPr>
+        <p:txBody>
+          <a:bodyPr/>
+          <a:lstStyle>
+            <a:lvl1pPr marL="344488" indent="-344488">
+              <a:buClr>
+                <a:schemeClr val="tx2"/>
+              </a:buClr>
+              <a:buFontTx/>
+              <a:buBlip>
+                <a:blip r:embed="rId2"/>
+              </a:buBlip>
+              <a:defRPr/>
+            </a:lvl1pPr>
+            <a:lvl2pPr marL="795338" indent="-338138">
+              <a:buFontTx/>
+              <a:buBlip>
+                <a:blip r:embed="rId2"/>
+              </a:buBlip>
+              <a:defRPr/>
+            </a:lvl2pPr>
+            <a:lvl3pPr marL="1258888" indent="-344488">
+              <a:buFontTx/>
+              <a:buBlip>
+                <a:blip r:embed="rId2"/>
+              </a:buBlip>
+              <a:defRPr/>
+            </a:lvl3pPr>
+            <a:lvl4pPr marL="1709738" indent="-338138">
+              <a:buFontTx/>
+              <a:buBlip>
+                <a:blip r:embed="rId2"/>
+              </a:buBlip>
+              <a:defRPr/>
+            </a:lvl4pPr>
+          </a:lstStyle>
+          <a:p>
+            <a:pPr lvl="0"/>
+            <a:r>
+              <a:rPr lang="en-US" dirty="0"/>
+              <a:t>Click to edit Master text styles</a:t>
+            </a:r>
+          </a:p>
+          <a:p>
+            <a:pPr lvl="1"/>
+            <a:r>
+              <a:rPr lang="en-US" dirty="0"/>
+              <a:t>Second level</a:t>
+            </a:r>
+          </a:p>
+          <a:p>
+            <a:pPr lvl="2"/>
+            <a:r>
+              <a:rPr lang="en-US" dirty="0"/>
+              <a:t>Third level</a:t>
+            </a:r>
+          </a:p>
+          <a:p>
+            <a:pPr lvl="3"/>
+            <a:r>
+              <a:rPr lang="en-US" dirty="0"/>
+              <a:t>Fourth level</a:t>
+            </a:r>
+          </a:p>
+          <a:p>
+            <a:pPr lvl="4"/>
+            <a:r>
+              <a:rPr lang="en-US" dirty="0"/>
+              <a:t>Fifth level</a:t>
+            </a:r>
           </a:p>
         </p:txBody>
       </p:sp>
@@ -2628,37 +3430,54 @@
             <p:ph type="title"/>
           </p:nvPr>
         </p:nvSpPr>
+        <p:spPr>
+          <a:xfrm>
+            <a:off x="1800775" y="752397"/>
+            <a:ext cx="7958331" cy="1077229"/>
+          </a:xfrm>
+        </p:spPr>
+        <p:txBody>
+          <a:bodyPr/>
+          <a:lstStyle>
+            <a:lvl1pPr>
+              <a:defRPr>
+                <a:solidFill>
+                  <a:schemeClr val="tx2"/>
+                </a:solidFill>
+              </a:defRPr>
+            </a:lvl1pPr>
+          </a:lstStyle>
+          <a:p>
+            <a:r>
+              <a:rPr lang="en-US" dirty="0"/>
+              <a:t>Click to edit Master title style</a:t>
+            </a:r>
+          </a:p>
+        </p:txBody>
+      </p:sp>
+      <p:sp>
+        <p:nvSpPr>
+          <p:cNvPr id="3" name="Date Placeholder 2"/>
+          <p:cNvSpPr>
+            <a:spLocks noGrp="1"/>
+          </p:cNvSpPr>
+          <p:nvPr>
+            <p:ph type="dt" sz="half" idx="10"/>
+          </p:nvPr>
+        </p:nvSpPr>
         <p:spPr/>
         <p:txBody>
           <a:bodyPr/>
           <a:lstStyle/>
           <a:p>
             <a:r>
-              <a:rPr lang="en-US"/>
-              <a:t>Click to edit Master title style</a:t>
-            </a:r>
-            <a:endParaRPr lang="en-US" dirty="0"/>
-          </a:p>
-        </p:txBody>
-      </p:sp>
-      <p:sp>
-        <p:nvSpPr>
-          <p:cNvPr id="3" name="Date Placeholder 2"/>
-          <p:cNvSpPr>
-            <a:spLocks noGrp="1"/>
-          </p:cNvSpPr>
-          <p:nvPr>
-            <p:ph type="dt" sz="half" idx="10"/>
-          </p:nvPr>
-        </p:nvSpPr>
-        <p:spPr/>
-        <p:txBody>
-          <a:bodyPr/>
-          <a:lstStyle/>
-          <a:p>
-            <a:fld id="{1FAF3416-4057-4DAA-829D-4CA07428D088}" type="datetimeFigureOut">
-              <a:rPr lang="en-US" dirty="0"/>
-              <a:t>5/22/2021</a:t>
+              <a:rPr lang="en-US" dirty="0"/>
+              <a:t>Aleksey Klimchenko </a:t>
+            </a:r>
+            <a:fld id="{29964647-7EE6-4539-9DBD-7A514C30AD2F}" type="datetime1">
+              <a:rPr lang="en-US" smtClean="0"/>
+              <a:pPr/>
+              <a:t>5/23/2021</a:t>
             </a:fld>
             <a:endParaRPr lang="en-US" dirty="0"/>
           </a:p>
@@ -2681,8 +3500,7 @@
           <a:p>
             <a:r>
               <a:rPr lang="en-US" dirty="0"/>
-              <a:t>
-              </a:t>
+              <a:t>NYCDSA Project 1 – Data Analysis in Python             </a:t>
             </a:r>
           </a:p>
         </p:txBody>
@@ -2718,7 +3536,7 @@
         </p:nvSpPr>
         <p:spPr>
           <a:xfrm>
-            <a:off x="2196172" y="641226"/>
+            <a:off x="1385139" y="585567"/>
             <a:ext cx="415636" cy="369332"/>
           </a:xfrm>
           <a:prstGeom prst="rect">
@@ -2751,6 +3569,36 @@
           </a:p>
         </p:txBody>
       </p:sp>
+      <p:pic>
+        <p:nvPicPr>
+          <p:cNvPr id="10" name="Picture 9" descr="Icon&#10;&#10;Description automatically generated with low confidence">
+            <a:extLst>
+              <a:ext uri="{FF2B5EF4-FFF2-40B4-BE49-F238E27FC236}">
+                <a16:creationId xmlns:a16="http://schemas.microsoft.com/office/drawing/2014/main" id="{B272CFD4-D8DC-4467-90EC-686474106822}"/>
+              </a:ext>
+            </a:extLst>
+          </p:cNvPr>
+          <p:cNvPicPr>
+            <a:picLocks noChangeAspect="1"/>
+          </p:cNvPicPr>
+          <p:nvPr userDrawn="1"/>
+        </p:nvPicPr>
+        <p:blipFill>
+          <a:blip r:embed="rId2"/>
+          <a:stretch>
+            <a:fillRect/>
+          </a:stretch>
+        </p:blipFill>
+        <p:spPr>
+          <a:xfrm>
+            <a:off x="11404760" y="46839"/>
+            <a:ext cx="763468" cy="763468"/>
+          </a:xfrm>
+          <a:prstGeom prst="rect">
+            <a:avLst/>
+          </a:prstGeom>
+        </p:spPr>
+      </p:pic>
     </p:spTree>
   </p:cSld>
   <p:clrMapOvr>
@@ -2865,12 +3713,20 @@
           <a:bodyPr/>
           <a:lstStyle/>
           <a:p>
-            <a:fld id="{921D9284-D300-4297-87F7-E791DCC15DB1}" type="datetimeFigureOut">
-              <a:rPr lang="en-US" dirty="0"/>
-              <a:t>5/22/2021</a:t>
+            <a:r>
+              <a:rPr lang="en-US" dirty="0"/>
+              <a:t>Aleksey Klimchenko </a:t>
+            </a:r>
+            <a:fld id="{29964647-7EE6-4539-9DBD-7A514C30AD2F}" type="datetime1">
+              <a:rPr lang="en-US" smtClean="0"/>
+              <a:pPr/>
+              <a:t>5/23/2021</a:t>
             </a:fld>
             <a:endParaRPr lang="en-US" dirty="0"/>
           </a:p>
+          <a:p>
+            <a:endParaRPr lang="en-US" dirty="0"/>
+          </a:p>
         </p:txBody>
       </p:sp>
       <p:sp>
@@ -2890,8 +3746,7 @@
           <a:p>
             <a:r>
               <a:rPr lang="en-US" dirty="0"/>
-              <a:t>
-              </a:t>
+              <a:t>NYCDSA Project 1 – Data Analysis in Python             </a:t>
             </a:r>
           </a:p>
         </p:txBody>
@@ -2919,6 +3774,36 @@
           </a:p>
         </p:txBody>
       </p:sp>
+      <p:pic>
+        <p:nvPicPr>
+          <p:cNvPr id="8" name="Picture 7" descr="Icon&#10;&#10;Description automatically generated with low confidence">
+            <a:extLst>
+              <a:ext uri="{FF2B5EF4-FFF2-40B4-BE49-F238E27FC236}">
+                <a16:creationId xmlns:a16="http://schemas.microsoft.com/office/drawing/2014/main" id="{C1E32B43-470B-4972-947C-8592FCA1EB19}"/>
+              </a:ext>
+            </a:extLst>
+          </p:cNvPr>
+          <p:cNvPicPr>
+            <a:picLocks noChangeAspect="1"/>
+          </p:cNvPicPr>
+          <p:nvPr userDrawn="1"/>
+        </p:nvPicPr>
+        <p:blipFill>
+          <a:blip r:embed="rId2"/>
+          <a:stretch>
+            <a:fillRect/>
+          </a:stretch>
+        </p:blipFill>
+        <p:spPr>
+          <a:xfrm>
+            <a:off x="11404760" y="46839"/>
+            <a:ext cx="763468" cy="763468"/>
+          </a:xfrm>
+          <a:prstGeom prst="rect">
+            <a:avLst/>
+          </a:prstGeom>
+        </p:spPr>
+      </p:pic>
     </p:spTree>
   </p:cSld>
   <p:clrMapOvr>
@@ -3026,7 +3911,7 @@
         </p:nvSpPr>
         <p:spPr>
           <a:xfrm>
-            <a:off x="1554154" y="1127550"/>
+            <a:off x="1380907" y="808056"/>
             <a:ext cx="415636" cy="369332"/>
           </a:xfrm>
           <a:prstGeom prst="rect">
@@ -3071,7 +3956,7 @@
         </p:nvSpPr>
         <p:spPr>
           <a:xfrm>
-            <a:off x="1970323" y="1282451"/>
+            <a:off x="1784594" y="909185"/>
             <a:ext cx="2664361" cy="1903241"/>
           </a:xfrm>
         </p:spPr>
@@ -3081,15 +3966,18 @@
           </a:bodyPr>
           <a:lstStyle>
             <a:lvl1pPr algn="l">
-              <a:defRPr sz="2400"/>
+              <a:defRPr sz="2400">
+                <a:solidFill>
+                  <a:schemeClr val="tx2"/>
+                </a:solidFill>
+              </a:defRPr>
             </a:lvl1pPr>
           </a:lstStyle>
           <a:p>
             <a:r>
-              <a:rPr lang="en-US"/>
+              <a:rPr lang="en-US" dirty="0"/>
               <a:t>Click to edit Master title style</a:t>
             </a:r>
-            <a:endParaRPr lang="en-US" dirty="0"/>
           </a:p>
         </p:txBody>
       </p:sp>
@@ -3105,7 +3993,7 @@
         </p:nvSpPr>
         <p:spPr>
           <a:xfrm>
-            <a:off x="5120154" y="805818"/>
+            <a:off x="4961128" y="909185"/>
             <a:ext cx="5446278" cy="5244126"/>
           </a:xfrm>
         </p:spPr>
@@ -3162,7 +4050,7 @@
         </p:nvSpPr>
         <p:spPr>
           <a:xfrm>
-            <a:off x="1970322" y="3186154"/>
+            <a:off x="1784593" y="2812888"/>
             <a:ext cx="2664361" cy="2386397"/>
           </a:xfrm>
         </p:spPr>
@@ -3230,12 +4118,20 @@
           <a:bodyPr/>
           <a:lstStyle/>
           <a:p>
-            <a:fld id="{37D525BB-DA17-4BA0-B3C8-3AC3ABC827E6}" type="datetimeFigureOut">
-              <a:rPr lang="en-US" dirty="0"/>
-              <a:t>5/22/2021</a:t>
+            <a:r>
+              <a:rPr lang="en-US" dirty="0"/>
+              <a:t>Aleksey Klimchenko </a:t>
+            </a:r>
+            <a:fld id="{29964647-7EE6-4539-9DBD-7A514C30AD2F}" type="datetime1">
+              <a:rPr lang="en-US" smtClean="0"/>
+              <a:pPr/>
+              <a:t>5/23/2021</a:t>
             </a:fld>
             <a:endParaRPr lang="en-US" dirty="0"/>
           </a:p>
+          <a:p>
+            <a:endParaRPr lang="en-US" dirty="0"/>
+          </a:p>
         </p:txBody>
       </p:sp>
       <p:sp>
@@ -3255,8 +4151,7 @@
           <a:p>
             <a:r>
               <a:rPr lang="en-US" dirty="0"/>
-              <a:t>
-              </a:t>
+              <a:t>NYCDSA Project 1 – Data Analysis in Python             </a:t>
             </a:r>
           </a:p>
         </p:txBody>
@@ -3284,6 +4179,36 @@
           </a:p>
         </p:txBody>
       </p:sp>
+      <p:pic>
+        <p:nvPicPr>
+          <p:cNvPr id="12" name="Picture 11" descr="Icon&#10;&#10;Description automatically generated with low confidence">
+            <a:extLst>
+              <a:ext uri="{FF2B5EF4-FFF2-40B4-BE49-F238E27FC236}">
+                <a16:creationId xmlns:a16="http://schemas.microsoft.com/office/drawing/2014/main" id="{CB261A67-F073-4527-B8CE-3171E9DB033E}"/>
+              </a:ext>
+            </a:extLst>
+          </p:cNvPr>
+          <p:cNvPicPr>
+            <a:picLocks noChangeAspect="1"/>
+          </p:cNvPicPr>
+          <p:nvPr userDrawn="1"/>
+        </p:nvPicPr>
+        <p:blipFill>
+          <a:blip r:embed="rId2"/>
+          <a:stretch>
+            <a:fillRect/>
+          </a:stretch>
+        </p:blipFill>
+        <p:spPr>
+          <a:xfrm>
+            <a:off x="11404760" y="46839"/>
+            <a:ext cx="763468" cy="763468"/>
+          </a:xfrm>
+          <a:prstGeom prst="rect">
+            <a:avLst/>
+          </a:prstGeom>
+        </p:spPr>
+      </p:pic>
     </p:spTree>
   </p:cSld>
   <p:clrMapOvr>
@@ -3480,7 +4405,7 @@
         </p:nvSpPr>
         <p:spPr>
           <a:xfrm>
-            <a:off x="1554686" y="1127550"/>
+            <a:off x="1382863" y="591585"/>
             <a:ext cx="415636" cy="369332"/>
           </a:xfrm>
           <a:prstGeom prst="rect">
@@ -3525,7 +4450,7 @@
         </p:nvSpPr>
         <p:spPr>
           <a:xfrm>
-            <a:off x="1971241" y="1282452"/>
+            <a:off x="1812215" y="694056"/>
             <a:ext cx="3970986" cy="1900473"/>
           </a:xfrm>
         </p:spPr>
@@ -3535,15 +4460,18 @@
           </a:bodyPr>
           <a:lstStyle>
             <a:lvl1pPr algn="l">
-              <a:defRPr sz="3200"/>
+              <a:defRPr sz="3200">
+                <a:solidFill>
+                  <a:schemeClr val="tx2"/>
+                </a:solidFill>
+              </a:defRPr>
             </a:lvl1pPr>
           </a:lstStyle>
           <a:p>
             <a:r>
-              <a:rPr lang="en-US"/>
+              <a:rPr lang="en-US" dirty="0"/>
               <a:t>Click to edit Master title style</a:t>
             </a:r>
-            <a:endParaRPr lang="en-US" dirty="0"/>
           </a:p>
         </p:txBody>
       </p:sp>
@@ -3559,7 +4487,7 @@
         </p:nvSpPr>
         <p:spPr>
           <a:xfrm>
-            <a:off x="1970322" y="3182928"/>
+            <a:off x="1811296" y="2594532"/>
             <a:ext cx="3971874" cy="2386394"/>
           </a:xfrm>
         </p:spPr>
@@ -3629,12 +4557,20 @@
           <a:bodyPr/>
           <a:lstStyle/>
           <a:p>
-            <a:fld id="{B16C4C9A-3960-41CF-A4E9-2A8FB932454B}" type="datetimeFigureOut">
-              <a:rPr lang="en-US" dirty="0"/>
-              <a:t>5/22/2021</a:t>
+            <a:r>
+              <a:rPr lang="en-US" dirty="0"/>
+              <a:t>Aleksey Klimchenko </a:t>
+            </a:r>
+            <a:fld id="{29964647-7EE6-4539-9DBD-7A514C30AD2F}" type="datetime1">
+              <a:rPr lang="en-US" smtClean="0"/>
+              <a:pPr/>
+              <a:t>5/23/2021</a:t>
             </a:fld>
             <a:endParaRPr lang="en-US" dirty="0"/>
           </a:p>
+          <a:p>
+            <a:endParaRPr lang="en-US" dirty="0"/>
+          </a:p>
         </p:txBody>
       </p:sp>
       <p:sp>
@@ -3654,8 +4590,7 @@
           <a:p>
             <a:r>
               <a:rPr lang="en-US" dirty="0"/>
-              <a:t>
-              </a:t>
+              <a:t>NYCDSA Project 1 – Data Analysis in Python             </a:t>
             </a:r>
           </a:p>
         </p:txBody>
@@ -3683,6 +4618,36 @@
           </a:p>
         </p:txBody>
       </p:sp>
+      <p:pic>
+        <p:nvPicPr>
+          <p:cNvPr id="12" name="Picture 11" descr="Icon&#10;&#10;Description automatically generated with low confidence">
+            <a:extLst>
+              <a:ext uri="{FF2B5EF4-FFF2-40B4-BE49-F238E27FC236}">
+                <a16:creationId xmlns:a16="http://schemas.microsoft.com/office/drawing/2014/main" id="{D70A2F12-9BCC-4286-A5A9-F3465D8C4621}"/>
+              </a:ext>
+            </a:extLst>
+          </p:cNvPr>
+          <p:cNvPicPr>
+            <a:picLocks noChangeAspect="1"/>
+          </p:cNvPicPr>
+          <p:nvPr userDrawn="1"/>
+        </p:nvPicPr>
+        <p:blipFill>
+          <a:blip r:embed="rId2"/>
+          <a:stretch>
+            <a:fillRect/>
+          </a:stretch>
+        </p:blipFill>
+        <p:spPr>
+          <a:xfrm>
+            <a:off x="11404760" y="46839"/>
+            <a:ext cx="763468" cy="763468"/>
+          </a:xfrm>
+          <a:prstGeom prst="rect">
+            <a:avLst/>
+          </a:prstGeom>
+        </p:spPr>
+      </p:pic>
     </p:spTree>
   </p:cSld>
   <p:clrMapOvr>
@@ -3698,7 +4663,7 @@
       <p:bgPr>
         <a:blipFill dpi="0" rotWithShape="1">
           <a:blip r:embed="rId13">
-            <a:alphaModFix amt="92000"/>
+            <a:alphaModFix amt="85000"/>
             <a:duotone>
               <a:schemeClr val="accent1">
                 <a:shade val="45000"/>
@@ -3707,26 +4672,6 @@
               <a:prstClr val="white"/>
             </a:duotone>
             <a:lum/>
-            <a:extLst>
-              <a:ext uri="{BEBA8EAE-BF5A-486C-A8C5-ECC9F3942E4B}">
-                <a14:imgProps xmlns:a14="http://schemas.microsoft.com/office/drawing/2010/main">
-                  <a14:imgLayer r:embed="rId14">
-                    <a14:imgEffect>
-                      <a14:artisticBlur radius="100"/>
-                    </a14:imgEffect>
-                    <a14:imgEffect>
-                      <a14:sharpenSoften amount="-50000"/>
-                    </a14:imgEffect>
-                    <a14:imgEffect>
-                      <a14:colorTemperature colorTemp="5300"/>
-                    </a14:imgEffect>
-                    <a14:imgEffect>
-                      <a14:brightnessContrast bright="-20000"/>
-                    </a14:imgEffect>
-                  </a14:imgLayer>
-                </a14:imgProps>
-              </a:ext>
-            </a:extLst>
           </a:blip>
           <a:srcRect/>
           <a:tile tx="0" ty="0" sx="100000" sy="100000" flip="none" algn="tl"/>
@@ -3757,7 +4702,7 @@
           <p:nvPr/>
         </p:nvPicPr>
         <p:blipFill>
-          <a:blip r:embed="rId15">
+          <a:blip r:embed="rId14">
             <a:extLst>
               <a:ext uri="{28A0092B-C50C-407E-A947-70E740481C1C}">
                 <a14:useLocalDpi xmlns:a14="http://schemas.microsoft.com/office/drawing/2010/main" val="0"/>
@@ -3787,7 +4732,7 @@
           <p:nvPr/>
         </p:nvPicPr>
         <p:blipFill>
-          <a:blip r:embed="rId16">
+          <a:blip r:embed="rId15">
             <a:extLst>
               <a:ext uri="{28A0092B-C50C-407E-A947-70E740481C1C}">
                 <a14:useLocalDpi xmlns:a14="http://schemas.microsoft.com/office/drawing/2010/main" val="0"/>
@@ -3851,7 +4796,7 @@
           <a:bodyPr/>
           <a:lstStyle/>
           <a:p>
-            <a:endParaRPr lang="en-US"/>
+            <a:endParaRPr lang="en-US" dirty="0"/>
           </a:p>
         </p:txBody>
       </p:sp>
@@ -3983,9 +4928,14 @@
             </a:lvl1pPr>
           </a:lstStyle>
           <a:p>
-            <a:fld id="{3CBC1C18-307B-4F68-A007-B5B542270E8D}" type="datetimeFigureOut">
-              <a:rPr lang="en-US" dirty="0"/>
-              <a:t>5/22/2021</a:t>
+            <a:r>
+              <a:rPr lang="en-US" dirty="0"/>
+              <a:t>Aleksey Klimchenko </a:t>
+            </a:r>
+            <a:fld id="{29964647-7EE6-4539-9DBD-7A514C30AD2F}" type="datetime1">
+              <a:rPr lang="en-US" smtClean="0"/>
+              <a:pPr/>
+              <a:t>5/23/2021</a:t>
             </a:fld>
             <a:endParaRPr lang="en-US" dirty="0"/>
           </a:p>
@@ -4026,8 +4976,7 @@
           <a:p>
             <a:r>
               <a:rPr lang="en-US" dirty="0"/>
-              <a:t>
-              </a:t>
+              <a:t>NYCDSA Project 1 – Data Analysis in Python             </a:t>
             </a:r>
           </a:p>
         </p:txBody>
@@ -4129,7 +5078,7 @@
     <p:sldLayoutId id="2147483658" r:id="rId10"/>
     <p:sldLayoutId id="2147483659" r:id="rId11"/>
   </p:sldLayoutIdLst>
-  <p:hf sldNum="0" hdr="0" ftr="0" dt="0"/>
+  <p:hf hdr="0" ftr="0"/>
   <p:txStyles>
     <p:titleStyle>
       <a:lvl1pPr algn="l" defTabSz="914400" rtl="0" eaLnBrk="1" latinLnBrk="0" hangingPunct="1">
@@ -4521,13 +5470,23 @@
         </p:nvSpPr>
         <p:spPr/>
         <p:txBody>
-          <a:bodyPr/>
-          <a:lstStyle/>
-          <a:p>
-            <a:r>
-              <a:rPr lang="en-US" dirty="0"/>
-              <a:t>Spotify Artist Analysis</a:t>
-            </a:r>
+          <a:bodyPr>
+            <a:normAutofit/>
+          </a:bodyPr>
+          <a:lstStyle/>
+          <a:p>
+            <a:r>
+              <a:rPr lang="en-US" dirty="0"/>
+              <a:t>Spotify Artists </a:t>
+            </a:r>
+            <a:br>
+              <a:rPr lang="en-US" dirty="0"/>
+            </a:br>
+            <a:r>
+              <a:rPr lang="en-US" sz="3600" dirty="0"/>
+              <a:t>US Market Analysis</a:t>
+            </a:r>
+            <a:endParaRPr lang="en-US" dirty="0"/>
           </a:p>
         </p:txBody>
       </p:sp>
@@ -4549,7 +5508,7 @@
         </p:nvSpPr>
         <p:spPr>
           <a:xfrm>
-            <a:off x="2611808" y="5016138"/>
+            <a:off x="2611808" y="4736220"/>
             <a:ext cx="5357600" cy="433250"/>
           </a:xfrm>
         </p:spPr>
@@ -4612,22 +5571,25 @@
         </p:nvSpPr>
         <p:spPr/>
         <p:txBody>
-          <a:bodyPr/>
-          <a:lstStyle/>
-          <a:p>
-            <a:r>
-              <a:rPr lang="en-US" dirty="0"/>
-              <a:t>US Market Analysis</a:t>
-            </a:r>
-          </a:p>
-        </p:txBody>
-      </p:sp>
-      <p:sp>
-        <p:nvSpPr>
-          <p:cNvPr id="3" name="Content Placeholder 2">
+          <a:bodyPr>
+            <a:normAutofit/>
+          </a:bodyPr>
+          <a:lstStyle/>
+          <a:p>
+            <a:r>
+              <a:rPr lang="en-US" sz="3600" dirty="0"/>
+              <a:t>Spread of Follower Count</a:t>
+            </a:r>
+            <a:endParaRPr lang="en-US" dirty="0"/>
+          </a:p>
+        </p:txBody>
+      </p:sp>
+      <p:sp>
+        <p:nvSpPr>
+          <p:cNvPr id="4" name="Date Placeholder 3">
             <a:extLst>
               <a:ext uri="{FF2B5EF4-FFF2-40B4-BE49-F238E27FC236}">
-                <a16:creationId xmlns:a16="http://schemas.microsoft.com/office/drawing/2014/main" id="{61DB94E4-EB6A-4B6D-A6CC-8C3564120357}"/>
+                <a16:creationId xmlns:a16="http://schemas.microsoft.com/office/drawing/2014/main" id="{C6255505-6FB7-410D-8D39-C8343BD4D846}"/>
               </a:ext>
             </a:extLst>
           </p:cNvPr>
@@ -4635,26 +5597,80 @@
             <a:spLocks noGrp="1"/>
           </p:cNvSpPr>
           <p:nvPr>
+            <p:ph type="dt" sz="half" idx="10"/>
+          </p:nvPr>
+        </p:nvSpPr>
+        <p:spPr/>
+        <p:txBody>
+          <a:bodyPr/>
+          <a:lstStyle/>
+          <a:p>
+            <a:fld id="{F6E3516B-5806-44BA-B425-DA3B7092BE43}" type="datetime1">
+              <a:rPr lang="en-US" smtClean="0"/>
+              <a:t>5/23/2021</a:t>
+            </a:fld>
+            <a:endParaRPr lang="en-US" dirty="0"/>
+          </a:p>
+        </p:txBody>
+      </p:sp>
+      <p:sp>
+        <p:nvSpPr>
+          <p:cNvPr id="5" name="Slide Number Placeholder 4">
+            <a:extLst>
+              <a:ext uri="{FF2B5EF4-FFF2-40B4-BE49-F238E27FC236}">
+                <a16:creationId xmlns:a16="http://schemas.microsoft.com/office/drawing/2014/main" id="{67FE5565-92B1-4951-94E2-A9536D82C83A}"/>
+              </a:ext>
+            </a:extLst>
+          </p:cNvPr>
+          <p:cNvSpPr>
+            <a:spLocks noGrp="1"/>
+          </p:cNvSpPr>
+          <p:nvPr>
+            <p:ph type="sldNum" sz="quarter" idx="12"/>
+          </p:nvPr>
+        </p:nvSpPr>
+        <p:spPr/>
+        <p:txBody>
+          <a:bodyPr/>
+          <a:lstStyle/>
+          <a:p>
+            <a:fld id="{6D22F896-40B5-4ADD-8801-0D06FADFA095}" type="slidenum">
+              <a:rPr lang="en-US" smtClean="0"/>
+              <a:t>10</a:t>
+            </a:fld>
+            <a:endParaRPr lang="en-US" dirty="0"/>
+          </a:p>
+        </p:txBody>
+      </p:sp>
+      <p:pic>
+        <p:nvPicPr>
+          <p:cNvPr id="9" name="Content Placeholder 8" descr="Chart, box and whisker chart&#10;&#10;Description automatically generated">
+            <a:extLst>
+              <a:ext uri="{FF2B5EF4-FFF2-40B4-BE49-F238E27FC236}">
+                <a16:creationId xmlns:a16="http://schemas.microsoft.com/office/drawing/2014/main" id="{C1DD925A-EC71-4D0D-A746-52B4E14F2C85}"/>
+              </a:ext>
+            </a:extLst>
+          </p:cNvPr>
+          <p:cNvPicPr>
+            <a:picLocks noGrp="1" noChangeAspect="1"/>
+          </p:cNvPicPr>
+          <p:nvPr>
             <p:ph idx="1"/>
           </p:nvPr>
-        </p:nvSpPr>
-        <p:spPr>
-          <a:xfrm>
-            <a:off x="2611808" y="1512185"/>
-            <a:ext cx="7796540" cy="3997828"/>
-          </a:xfrm>
-        </p:spPr>
-        <p:txBody>
-          <a:bodyPr/>
-          <a:lstStyle/>
-          <a:p>
-            <a:r>
-              <a:rPr lang="en-US" dirty="0"/>
-              <a:t>Artist Popularity vs Artist Followers</a:t>
-            </a:r>
-          </a:p>
-        </p:txBody>
-      </p:sp>
+        </p:nvPicPr>
+        <p:blipFill>
+          <a:blip r:embed="rId2"/>
+          <a:stretch>
+            <a:fillRect/>
+          </a:stretch>
+        </p:blipFill>
+        <p:spPr>
+          <a:xfrm>
+            <a:off x="2262696" y="1625428"/>
+            <a:ext cx="7666608" cy="4810501"/>
+          </a:xfrm>
+        </p:spPr>
+      </p:pic>
     </p:spTree>
     <p:extLst>
       <p:ext uri="{BB962C8B-B14F-4D97-AF65-F5344CB8AC3E}">
@@ -4690,7 +5706,7 @@
           <p:cNvPr id="2" name="Title 1">
             <a:extLst>
               <a:ext uri="{FF2B5EF4-FFF2-40B4-BE49-F238E27FC236}">
-                <a16:creationId xmlns:a16="http://schemas.microsoft.com/office/drawing/2014/main" id="{99C709BB-00BA-4C3C-9A96-F46F36150D9C}"/>
+                <a16:creationId xmlns:a16="http://schemas.microsoft.com/office/drawing/2014/main" id="{E493F397-2DE5-43B0-A10F-9E123EE31037}"/>
               </a:ext>
             </a:extLst>
           </p:cNvPr>
@@ -4708,7 +5724,7 @@
           <a:p>
             <a:r>
               <a:rPr lang="en-US" dirty="0"/>
-              <a:t>US Market Analysis</a:t>
+              <a:t>Conclusion</a:t>
             </a:r>
           </a:p>
         </p:txBody>
@@ -4718,7 +5734,7 @@
           <p:cNvPr id="3" name="Content Placeholder 2">
             <a:extLst>
               <a:ext uri="{FF2B5EF4-FFF2-40B4-BE49-F238E27FC236}">
-                <a16:creationId xmlns:a16="http://schemas.microsoft.com/office/drawing/2014/main" id="{61DB94E4-EB6A-4B6D-A6CC-8C3564120357}"/>
+                <a16:creationId xmlns:a16="http://schemas.microsoft.com/office/drawing/2014/main" id="{61591783-4B41-47F8-9FE3-4B5E8559BA31}"/>
               </a:ext>
             </a:extLst>
           </p:cNvPr>
@@ -4731,7 +5747,7 @@
         </p:nvSpPr>
         <p:spPr>
           <a:xfrm>
-            <a:off x="2611808" y="1512185"/>
+            <a:off x="1803777" y="1607506"/>
             <a:ext cx="7796540" cy="3997828"/>
           </a:xfrm>
         </p:spPr>
@@ -4739,17 +5755,104 @@
           <a:bodyPr/>
           <a:lstStyle/>
           <a:p>
-            <a:r>
-              <a:rPr lang="en-US" dirty="0"/>
-              <a:t>Breakdown of Most Popular Artists</a:t>
-            </a:r>
+            <a:pPr>
+              <a:buBlip>
+                <a:blip r:embed="rId2"/>
+              </a:buBlip>
+            </a:pPr>
+            <a:r>
+              <a:rPr lang="en-US" dirty="0"/>
+              <a:t>There is clearly a logarithmic relationship between an artist’s popularity and their follower count</a:t>
+            </a:r>
+          </a:p>
+          <a:p>
+            <a:pPr>
+              <a:buBlip>
+                <a:blip r:embed="rId2"/>
+              </a:buBlip>
+            </a:pPr>
+            <a:r>
+              <a:rPr lang="en-US" dirty="0"/>
+              <a:t>Some artists at lower popularity levels have more followers than artists at higher popularity levels</a:t>
+            </a:r>
+          </a:p>
+          <a:p>
+            <a:pPr marL="0" indent="0">
+              <a:buNone/>
+            </a:pPr>
+            <a:r>
+              <a:rPr lang="en-US" dirty="0">
+                <a:solidFill>
+                  <a:schemeClr val="tx2"/>
+                </a:solidFill>
+              </a:rPr>
+              <a:t>Artists should probably focus on building popularity, meaning focusing on getting more of their songs played.</a:t>
+            </a:r>
+          </a:p>
+        </p:txBody>
+      </p:sp>
+      <p:sp>
+        <p:nvSpPr>
+          <p:cNvPr id="4" name="Date Placeholder 3">
+            <a:extLst>
+              <a:ext uri="{FF2B5EF4-FFF2-40B4-BE49-F238E27FC236}">
+                <a16:creationId xmlns:a16="http://schemas.microsoft.com/office/drawing/2014/main" id="{BCA75F5B-F89C-45F0-B1B8-1B62445CC3E4}"/>
+              </a:ext>
+            </a:extLst>
+          </p:cNvPr>
+          <p:cNvSpPr>
+            <a:spLocks noGrp="1"/>
+          </p:cNvSpPr>
+          <p:nvPr>
+            <p:ph type="dt" sz="half" idx="10"/>
+          </p:nvPr>
+        </p:nvSpPr>
+        <p:spPr/>
+        <p:txBody>
+          <a:bodyPr/>
+          <a:lstStyle/>
+          <a:p>
+            <a:fld id="{EBEB8FC1-88F7-4F65-8B36-D5E94807FA64}" type="datetime1">
+              <a:rPr lang="en-US" smtClean="0"/>
+              <a:t>5/23/2021</a:t>
+            </a:fld>
+            <a:endParaRPr lang="en-US" dirty="0"/>
+          </a:p>
+        </p:txBody>
+      </p:sp>
+      <p:sp>
+        <p:nvSpPr>
+          <p:cNvPr id="5" name="Slide Number Placeholder 4">
+            <a:extLst>
+              <a:ext uri="{FF2B5EF4-FFF2-40B4-BE49-F238E27FC236}">
+                <a16:creationId xmlns:a16="http://schemas.microsoft.com/office/drawing/2014/main" id="{45028A04-2C94-4D48-BDCE-067815465D64}"/>
+              </a:ext>
+            </a:extLst>
+          </p:cNvPr>
+          <p:cNvSpPr>
+            <a:spLocks noGrp="1"/>
+          </p:cNvSpPr>
+          <p:nvPr>
+            <p:ph type="sldNum" sz="quarter" idx="12"/>
+          </p:nvPr>
+        </p:nvSpPr>
+        <p:spPr/>
+        <p:txBody>
+          <a:bodyPr/>
+          <a:lstStyle/>
+          <a:p>
+            <a:fld id="{6D22F896-40B5-4ADD-8801-0D06FADFA095}" type="slidenum">
+              <a:rPr lang="en-US" smtClean="0"/>
+              <a:t>11</a:t>
+            </a:fld>
+            <a:endParaRPr lang="en-US" dirty="0"/>
           </a:p>
         </p:txBody>
       </p:sp>
     </p:spTree>
     <p:extLst>
       <p:ext uri="{BB962C8B-B14F-4D97-AF65-F5344CB8AC3E}">
-        <p14:creationId xmlns:p14="http://schemas.microsoft.com/office/powerpoint/2010/main" val="2927470897"/>
+        <p14:creationId xmlns:p14="http://schemas.microsoft.com/office/powerpoint/2010/main" val="2392456833"/>
       </p:ext>
     </p:extLst>
   </p:cSld>
@@ -4781,272 +5884,6 @@
           <p:cNvPr id="2" name="Title 1">
             <a:extLst>
               <a:ext uri="{FF2B5EF4-FFF2-40B4-BE49-F238E27FC236}">
-                <a16:creationId xmlns:a16="http://schemas.microsoft.com/office/drawing/2014/main" id="{99C709BB-00BA-4C3C-9A96-F46F36150D9C}"/>
-              </a:ext>
-            </a:extLst>
-          </p:cNvPr>
-          <p:cNvSpPr>
-            <a:spLocks noGrp="1"/>
-          </p:cNvSpPr>
-          <p:nvPr>
-            <p:ph type="title"/>
-          </p:nvPr>
-        </p:nvSpPr>
-        <p:spPr/>
-        <p:txBody>
-          <a:bodyPr/>
-          <a:lstStyle/>
-          <a:p>
-            <a:r>
-              <a:rPr lang="en-US" dirty="0"/>
-              <a:t>Foreign Market Analysis</a:t>
-            </a:r>
-          </a:p>
-        </p:txBody>
-      </p:sp>
-      <p:sp>
-        <p:nvSpPr>
-          <p:cNvPr id="3" name="Content Placeholder 2">
-            <a:extLst>
-              <a:ext uri="{FF2B5EF4-FFF2-40B4-BE49-F238E27FC236}">
-                <a16:creationId xmlns:a16="http://schemas.microsoft.com/office/drawing/2014/main" id="{61DB94E4-EB6A-4B6D-A6CC-8C3564120357}"/>
-              </a:ext>
-            </a:extLst>
-          </p:cNvPr>
-          <p:cNvSpPr>
-            <a:spLocks noGrp="1"/>
-          </p:cNvSpPr>
-          <p:nvPr>
-            <p:ph idx="1"/>
-          </p:nvPr>
-        </p:nvSpPr>
-        <p:spPr>
-          <a:xfrm>
-            <a:off x="2611808" y="1512185"/>
-            <a:ext cx="7796540" cy="3997828"/>
-          </a:xfrm>
-        </p:spPr>
-        <p:txBody>
-          <a:bodyPr/>
-          <a:lstStyle/>
-          <a:p>
-            <a:r>
-              <a:rPr lang="en-US" dirty="0"/>
-              <a:t>Breakdown of Most Popular Artists</a:t>
-            </a:r>
-          </a:p>
-        </p:txBody>
-      </p:sp>
-    </p:spTree>
-    <p:extLst>
-      <p:ext uri="{BB962C8B-B14F-4D97-AF65-F5344CB8AC3E}">
-        <p14:creationId xmlns:p14="http://schemas.microsoft.com/office/powerpoint/2010/main" val="3596157960"/>
-      </p:ext>
-    </p:extLst>
-  </p:cSld>
-  <p:clrMapOvr>
-    <a:masterClrMapping/>
-  </p:clrMapOvr>
-</p:sld>
-</file>
-
-<file path=ppt/slides/slide13.xml><?xml version="1.0" encoding="utf-8"?>
-<p:sld xmlns:a="http://schemas.openxmlformats.org/drawingml/2006/main" xmlns:r="http://schemas.openxmlformats.org/officeDocument/2006/relationships" xmlns:p="http://schemas.openxmlformats.org/presentationml/2006/main">
-  <p:cSld>
-    <p:spTree>
-      <p:nvGrpSpPr>
-        <p:cNvPr id="1" name=""/>
-        <p:cNvGrpSpPr/>
-        <p:nvPr/>
-      </p:nvGrpSpPr>
-      <p:grpSpPr>
-        <a:xfrm>
-          <a:off x="0" y="0"/>
-          <a:ext cx="0" cy="0"/>
-          <a:chOff x="0" y="0"/>
-          <a:chExt cx="0" cy="0"/>
-        </a:xfrm>
-      </p:grpSpPr>
-      <p:sp>
-        <p:nvSpPr>
-          <p:cNvPr id="2" name="Title 1">
-            <a:extLst>
-              <a:ext uri="{FF2B5EF4-FFF2-40B4-BE49-F238E27FC236}">
-                <a16:creationId xmlns:a16="http://schemas.microsoft.com/office/drawing/2014/main" id="{99437628-89BC-4CD1-8A66-256502C80A17}"/>
-              </a:ext>
-            </a:extLst>
-          </p:cNvPr>
-          <p:cNvSpPr>
-            <a:spLocks noGrp="1"/>
-          </p:cNvSpPr>
-          <p:nvPr>
-            <p:ph type="title"/>
-          </p:nvPr>
-        </p:nvSpPr>
-        <p:spPr/>
-        <p:txBody>
-          <a:bodyPr/>
-          <a:lstStyle/>
-          <a:p>
-            <a:r>
-              <a:rPr lang="en-US" dirty="0"/>
-              <a:t>Comparing Global Markets</a:t>
-            </a:r>
-          </a:p>
-        </p:txBody>
-      </p:sp>
-      <p:sp>
-        <p:nvSpPr>
-          <p:cNvPr id="3" name="Content Placeholder 2">
-            <a:extLst>
-              <a:ext uri="{FF2B5EF4-FFF2-40B4-BE49-F238E27FC236}">
-                <a16:creationId xmlns:a16="http://schemas.microsoft.com/office/drawing/2014/main" id="{5C8E4AB1-FF77-4524-AFAF-6357E83782F0}"/>
-              </a:ext>
-            </a:extLst>
-          </p:cNvPr>
-          <p:cNvSpPr>
-            <a:spLocks noGrp="1"/>
-          </p:cNvSpPr>
-          <p:nvPr>
-            <p:ph idx="1"/>
-          </p:nvPr>
-        </p:nvSpPr>
-        <p:spPr/>
-        <p:txBody>
-          <a:bodyPr/>
-          <a:lstStyle/>
-          <a:p>
-            <a:pPr marL="0" indent="0">
-              <a:buNone/>
-            </a:pPr>
-            <a:r>
-              <a:rPr lang="en-US" dirty="0"/>
-              <a:t>Presence of top US artists in foreign markets</a:t>
-            </a:r>
-          </a:p>
-        </p:txBody>
-      </p:sp>
-    </p:spTree>
-    <p:extLst>
-      <p:ext uri="{BB962C8B-B14F-4D97-AF65-F5344CB8AC3E}">
-        <p14:creationId xmlns:p14="http://schemas.microsoft.com/office/powerpoint/2010/main" val="2439672859"/>
-      </p:ext>
-    </p:extLst>
-  </p:cSld>
-  <p:clrMapOvr>
-    <a:masterClrMapping/>
-  </p:clrMapOvr>
-</p:sld>
-</file>
-
-<file path=ppt/slides/slide14.xml><?xml version="1.0" encoding="utf-8"?>
-<p:sld xmlns:a="http://schemas.openxmlformats.org/drawingml/2006/main" xmlns:r="http://schemas.openxmlformats.org/officeDocument/2006/relationships" xmlns:p="http://schemas.openxmlformats.org/presentationml/2006/main">
-  <p:cSld>
-    <p:spTree>
-      <p:nvGrpSpPr>
-        <p:cNvPr id="1" name=""/>
-        <p:cNvGrpSpPr/>
-        <p:nvPr/>
-      </p:nvGrpSpPr>
-      <p:grpSpPr>
-        <a:xfrm>
-          <a:off x="0" y="0"/>
-          <a:ext cx="0" cy="0"/>
-          <a:chOff x="0" y="0"/>
-          <a:chExt cx="0" cy="0"/>
-        </a:xfrm>
-      </p:grpSpPr>
-      <p:sp>
-        <p:nvSpPr>
-          <p:cNvPr id="2" name="Title 1">
-            <a:extLst>
-              <a:ext uri="{FF2B5EF4-FFF2-40B4-BE49-F238E27FC236}">
-                <a16:creationId xmlns:a16="http://schemas.microsoft.com/office/drawing/2014/main" id="{E493F397-2DE5-43B0-A10F-9E123EE31037}"/>
-              </a:ext>
-            </a:extLst>
-          </p:cNvPr>
-          <p:cNvSpPr>
-            <a:spLocks noGrp="1"/>
-          </p:cNvSpPr>
-          <p:nvPr>
-            <p:ph type="title"/>
-          </p:nvPr>
-        </p:nvSpPr>
-        <p:spPr/>
-        <p:txBody>
-          <a:bodyPr/>
-          <a:lstStyle/>
-          <a:p>
-            <a:r>
-              <a:rPr lang="en-US" dirty="0"/>
-              <a:t>Conclusion</a:t>
-            </a:r>
-          </a:p>
-        </p:txBody>
-      </p:sp>
-      <p:sp>
-        <p:nvSpPr>
-          <p:cNvPr id="3" name="Content Placeholder 2">
-            <a:extLst>
-              <a:ext uri="{FF2B5EF4-FFF2-40B4-BE49-F238E27FC236}">
-                <a16:creationId xmlns:a16="http://schemas.microsoft.com/office/drawing/2014/main" id="{61591783-4B41-47F8-9FE3-4B5E8559BA31}"/>
-              </a:ext>
-            </a:extLst>
-          </p:cNvPr>
-          <p:cNvSpPr>
-            <a:spLocks noGrp="1"/>
-          </p:cNvSpPr>
-          <p:nvPr>
-            <p:ph idx="1"/>
-          </p:nvPr>
-        </p:nvSpPr>
-        <p:spPr/>
-        <p:txBody>
-          <a:bodyPr/>
-          <a:lstStyle/>
-          <a:p>
-            <a:r>
-              <a:rPr lang="en-US" dirty="0"/>
-              <a:t>Top US artists are very well known around the world</a:t>
-            </a:r>
-          </a:p>
-        </p:txBody>
-      </p:sp>
-    </p:spTree>
-    <p:extLst>
-      <p:ext uri="{BB962C8B-B14F-4D97-AF65-F5344CB8AC3E}">
-        <p14:creationId xmlns:p14="http://schemas.microsoft.com/office/powerpoint/2010/main" val="2392456833"/>
-      </p:ext>
-    </p:extLst>
-  </p:cSld>
-  <p:clrMapOvr>
-    <a:masterClrMapping/>
-  </p:clrMapOvr>
-</p:sld>
-</file>
-
-<file path=ppt/slides/slide15.xml><?xml version="1.0" encoding="utf-8"?>
-<p:sld xmlns:a="http://schemas.openxmlformats.org/drawingml/2006/main" xmlns:r="http://schemas.openxmlformats.org/officeDocument/2006/relationships" xmlns:p="http://schemas.openxmlformats.org/presentationml/2006/main">
-  <p:cSld>
-    <p:spTree>
-      <p:nvGrpSpPr>
-        <p:cNvPr id="1" name=""/>
-        <p:cNvGrpSpPr/>
-        <p:nvPr/>
-      </p:nvGrpSpPr>
-      <p:grpSpPr>
-        <a:xfrm>
-          <a:off x="0" y="0"/>
-          <a:ext cx="0" cy="0"/>
-          <a:chOff x="0" y="0"/>
-          <a:chExt cx="0" cy="0"/>
-        </a:xfrm>
-      </p:grpSpPr>
-      <p:sp>
-        <p:nvSpPr>
-          <p:cNvPr id="2" name="Title 1">
-            <a:extLst>
-              <a:ext uri="{FF2B5EF4-FFF2-40B4-BE49-F238E27FC236}">
                 <a16:creationId xmlns:a16="http://schemas.microsoft.com/office/drawing/2014/main" id="{D0EACD5D-D84F-4FDF-9128-6D69A180278F}"/>
               </a:ext>
             </a:extLst>
@@ -5058,9 +5895,16 @@
             <p:ph type="title"/>
           </p:nvPr>
         </p:nvSpPr>
-        <p:spPr/>
-        <p:txBody>
-          <a:bodyPr/>
+        <p:spPr>
+          <a:xfrm>
+            <a:off x="1803777" y="744447"/>
+            <a:ext cx="7958331" cy="779554"/>
+          </a:xfrm>
+        </p:spPr>
+        <p:txBody>
+          <a:bodyPr>
+            <a:normAutofit/>
+          </a:bodyPr>
           <a:lstStyle/>
           <a:p>
             <a:r>
@@ -5086,27 +5930,118 @@
             <p:ph idx="1"/>
           </p:nvPr>
         </p:nvSpPr>
+        <p:spPr>
+          <a:xfrm>
+            <a:off x="1965568" y="1731331"/>
+            <a:ext cx="7796540" cy="4231320"/>
+          </a:xfrm>
+        </p:spPr>
+        <p:txBody>
+          <a:bodyPr>
+            <a:normAutofit/>
+          </a:bodyPr>
+          <a:lstStyle/>
+          <a:p>
+            <a:pPr>
+              <a:buBlip>
+                <a:blip r:embed="rId2"/>
+              </a:buBlip>
+            </a:pPr>
+            <a:r>
+              <a:rPr lang="en-US" dirty="0"/>
+              <a:t>Better housekeeping: create better structure for popularity intervals and/or remove outliers</a:t>
+            </a:r>
+          </a:p>
+          <a:p>
+            <a:pPr>
+              <a:buBlip>
+                <a:blip r:embed="rId2"/>
+              </a:buBlip>
+            </a:pPr>
+            <a:r>
+              <a:rPr lang="en-US" dirty="0"/>
+              <a:t>Explore relationship between artist genre and artist popularity/following</a:t>
+            </a:r>
+          </a:p>
+          <a:p>
+            <a:pPr>
+              <a:buBlip>
+                <a:blip r:embed="rId2"/>
+              </a:buBlip>
+            </a:pPr>
+            <a:r>
+              <a:rPr lang="en-US" dirty="0"/>
+              <a:t>Explore popularity of top US artists in foreign markets</a:t>
+            </a:r>
+          </a:p>
+          <a:p>
+            <a:pPr>
+              <a:buBlip>
+                <a:blip r:embed="rId2"/>
+              </a:buBlip>
+            </a:pPr>
+            <a:r>
+              <a:rPr lang="en-US" dirty="0"/>
+              <a:t>Visualize the location of foreign followers for top US artists</a:t>
+            </a:r>
+          </a:p>
+        </p:txBody>
+      </p:sp>
+      <p:sp>
+        <p:nvSpPr>
+          <p:cNvPr id="4" name="Date Placeholder 3">
+            <a:extLst>
+              <a:ext uri="{FF2B5EF4-FFF2-40B4-BE49-F238E27FC236}">
+                <a16:creationId xmlns:a16="http://schemas.microsoft.com/office/drawing/2014/main" id="{7B52652C-B68D-4EF2-8217-C4A7C82E229A}"/>
+              </a:ext>
+            </a:extLst>
+          </p:cNvPr>
+          <p:cNvSpPr>
+            <a:spLocks noGrp="1"/>
+          </p:cNvSpPr>
+          <p:nvPr>
+            <p:ph type="dt" sz="half" idx="10"/>
+          </p:nvPr>
+        </p:nvSpPr>
         <p:spPr/>
         <p:txBody>
           <a:bodyPr/>
           <a:lstStyle/>
           <a:p>
-            <a:r>
-              <a:rPr lang="en-US" dirty="0"/>
-              <a:t>Analyze the presence of foreign artists in the US market</a:t>
-            </a:r>
-          </a:p>
-          <a:p>
-            <a:r>
-              <a:rPr lang="en-US" dirty="0"/>
-              <a:t>Visualize top US artists’ followers outside of the US</a:t>
-            </a:r>
-          </a:p>
-          <a:p>
-            <a:r>
-              <a:rPr lang="en-US" dirty="0"/>
-              <a:t>Explore relationships between top artists’ genres and different foreign markets</a:t>
-            </a:r>
+            <a:fld id="{7863D689-B9F1-4E55-8CA3-51C883B2463A}" type="datetime1">
+              <a:rPr lang="en-US" smtClean="0"/>
+              <a:t>5/23/2021</a:t>
+            </a:fld>
+            <a:endParaRPr lang="en-US" dirty="0"/>
+          </a:p>
+        </p:txBody>
+      </p:sp>
+      <p:sp>
+        <p:nvSpPr>
+          <p:cNvPr id="5" name="Slide Number Placeholder 4">
+            <a:extLst>
+              <a:ext uri="{FF2B5EF4-FFF2-40B4-BE49-F238E27FC236}">
+                <a16:creationId xmlns:a16="http://schemas.microsoft.com/office/drawing/2014/main" id="{A6B92554-B932-4600-8A7B-9614C7B50BC4}"/>
+              </a:ext>
+            </a:extLst>
+          </p:cNvPr>
+          <p:cNvSpPr>
+            <a:spLocks noGrp="1"/>
+          </p:cNvSpPr>
+          <p:nvPr>
+            <p:ph type="sldNum" sz="quarter" idx="12"/>
+          </p:nvPr>
+        </p:nvSpPr>
+        <p:spPr/>
+        <p:txBody>
+          <a:bodyPr/>
+          <a:lstStyle/>
+          <a:p>
+            <a:fld id="{6D22F896-40B5-4ADD-8801-0D06FADFA095}" type="slidenum">
+              <a:rPr lang="en-US" smtClean="0"/>
+              <a:t>12</a:t>
+            </a:fld>
+            <a:endParaRPr lang="en-US" dirty="0"/>
           </a:p>
         </p:txBody>
       </p:sp>
@@ -5162,7 +6097,11 @@
           <a:lstStyle/>
           <a:p>
             <a:r>
-              <a:rPr lang="en-US" dirty="0"/>
+              <a:rPr lang="en-US" dirty="0">
+                <a:solidFill>
+                  <a:schemeClr val="tx2"/>
+                </a:solidFill>
+              </a:rPr>
               <a:t>Introduction</a:t>
             </a:r>
           </a:p>
@@ -5184,48 +6123,142 @@
             <p:ph idx="1"/>
           </p:nvPr>
         </p:nvSpPr>
+        <p:spPr>
+          <a:xfrm>
+            <a:off x="1803777" y="1655131"/>
+            <a:ext cx="7796540" cy="3997828"/>
+          </a:xfrm>
+        </p:spPr>
+        <p:txBody>
+          <a:bodyPr anchor="t"/>
+          <a:lstStyle/>
+          <a:p>
+            <a:pPr>
+              <a:buBlip>
+                <a:blip r:embed="rId2"/>
+              </a:buBlip>
+            </a:pPr>
+            <a:r>
+              <a:rPr lang="en-US" dirty="0"/>
+              <a:t>Spotify is the largest international music streaming service</a:t>
+            </a:r>
+          </a:p>
+          <a:p>
+            <a:pPr lvl="1">
+              <a:buBlip>
+                <a:blip r:embed="rId2"/>
+              </a:buBlip>
+            </a:pPr>
+            <a:r>
+              <a:rPr lang="en-US" dirty="0"/>
+              <a:t>Available in 79 countries</a:t>
+            </a:r>
+          </a:p>
+          <a:p>
+            <a:pPr lvl="1">
+              <a:buBlip>
+                <a:blip r:embed="rId2"/>
+              </a:buBlip>
+            </a:pPr>
+            <a:r>
+              <a:rPr lang="en-US" dirty="0"/>
+              <a:t>Over 365M monthly active users (158M paying subscribers)</a:t>
+            </a:r>
+          </a:p>
+          <a:p>
+            <a:pPr lvl="1">
+              <a:buBlip>
+                <a:blip r:embed="rId2"/>
+              </a:buBlip>
+            </a:pPr>
+            <a:r>
+              <a:rPr lang="en-US" dirty="0"/>
+              <a:t>&gt;70M songs and podcasts</a:t>
+            </a:r>
+          </a:p>
+          <a:p>
+            <a:pPr>
+              <a:buBlip>
+                <a:blip r:embed="rId2"/>
+              </a:buBlip>
+            </a:pPr>
+            <a:r>
+              <a:rPr lang="en-US" dirty="0">
+                <a:solidFill>
+                  <a:schemeClr val="tx2"/>
+                </a:solidFill>
+              </a:rPr>
+              <a:t>Spotify song and artist data is available through their web API</a:t>
+            </a:r>
+          </a:p>
+          <a:p>
+            <a:pPr>
+              <a:buBlip>
+                <a:blip r:embed="rId2"/>
+              </a:buBlip>
+            </a:pPr>
+            <a:r>
+              <a:rPr lang="en-US" dirty="0"/>
+              <a:t>Other companies offer paid APIs that provide even more data from multiple sources</a:t>
+            </a:r>
+          </a:p>
+        </p:txBody>
+      </p:sp>
+      <p:sp>
+        <p:nvSpPr>
+          <p:cNvPr id="4" name="Date Placeholder 3">
+            <a:extLst>
+              <a:ext uri="{FF2B5EF4-FFF2-40B4-BE49-F238E27FC236}">
+                <a16:creationId xmlns:a16="http://schemas.microsoft.com/office/drawing/2014/main" id="{0E8453E7-2B00-46DE-B8AB-61EB309F1609}"/>
+              </a:ext>
+            </a:extLst>
+          </p:cNvPr>
+          <p:cNvSpPr>
+            <a:spLocks noGrp="1"/>
+          </p:cNvSpPr>
+          <p:nvPr>
+            <p:ph type="dt" sz="half" idx="10"/>
+          </p:nvPr>
+        </p:nvSpPr>
         <p:spPr/>
         <p:txBody>
-          <a:bodyPr anchor="t"/>
-          <a:lstStyle/>
-          <a:p>
-            <a:r>
-              <a:rPr lang="en-US" dirty="0"/>
-              <a:t>Spotify is the largest music streaming platform</a:t>
-            </a:r>
-          </a:p>
-          <a:p>
-            <a:pPr lvl="1"/>
-            <a:r>
-              <a:rPr lang="en-US" dirty="0"/>
-              <a:t># of Countries available</a:t>
-            </a:r>
-          </a:p>
-          <a:p>
-            <a:pPr lvl="1"/>
-            <a:r>
-              <a:rPr lang="en-US" dirty="0"/>
-              <a:t># of users</a:t>
-            </a:r>
-          </a:p>
-          <a:p>
-            <a:pPr lvl="1"/>
-            <a:r>
-              <a:rPr lang="en-US" dirty="0"/>
-              <a:t>Other facts</a:t>
-            </a:r>
-          </a:p>
-          <a:p>
-            <a:r>
-              <a:rPr lang="en-US" dirty="0"/>
-              <a:t>Spotify song and artist data is available through a free web API</a:t>
-            </a:r>
-          </a:p>
-          <a:p>
-            <a:r>
-              <a:rPr lang="en-US" dirty="0"/>
-              <a:t>Other companies offer paid APIs that provide even more data</a:t>
-            </a:r>
+          <a:bodyPr/>
+          <a:lstStyle/>
+          <a:p>
+            <a:fld id="{97D22C31-5ABB-45C6-BAF0-0A38ABB77928}" type="datetime1">
+              <a:rPr lang="en-US" smtClean="0"/>
+              <a:t>5/23/2021</a:t>
+            </a:fld>
+            <a:endParaRPr lang="en-US" dirty="0"/>
+          </a:p>
+        </p:txBody>
+      </p:sp>
+      <p:sp>
+        <p:nvSpPr>
+          <p:cNvPr id="5" name="Slide Number Placeholder 4">
+            <a:extLst>
+              <a:ext uri="{FF2B5EF4-FFF2-40B4-BE49-F238E27FC236}">
+                <a16:creationId xmlns:a16="http://schemas.microsoft.com/office/drawing/2014/main" id="{19B58C4D-8D84-46E5-8B96-A32AF99D6357}"/>
+              </a:ext>
+            </a:extLst>
+          </p:cNvPr>
+          <p:cNvSpPr>
+            <a:spLocks noGrp="1"/>
+          </p:cNvSpPr>
+          <p:nvPr>
+            <p:ph type="sldNum" sz="quarter" idx="12"/>
+          </p:nvPr>
+        </p:nvSpPr>
+        <p:spPr/>
+        <p:txBody>
+          <a:bodyPr/>
+          <a:lstStyle/>
+          <a:p>
+            <a:fld id="{6D22F896-40B5-4ADD-8801-0D06FADFA095}" type="slidenum">
+              <a:rPr lang="en-US" smtClean="0"/>
+              <a:t>2</a:t>
+            </a:fld>
+            <a:endParaRPr lang="en-US" dirty="0"/>
           </a:p>
         </p:txBody>
       </p:sp>
@@ -5277,19 +6310,23 @@
         </p:nvSpPr>
         <p:spPr>
           <a:xfrm>
-            <a:off x="2609873" y="805818"/>
-            <a:ext cx="5245258" cy="857520"/>
+            <a:off x="1809750" y="805818"/>
+            <a:ext cx="9248775" cy="857520"/>
           </a:xfrm>
         </p:spPr>
         <p:txBody>
           <a:bodyPr>
-            <a:normAutofit fontScale="90000"/>
+            <a:normAutofit/>
           </a:bodyPr>
           <a:lstStyle/>
           <a:p>
             <a:r>
-              <a:rPr lang="en-US" dirty="0"/>
-              <a:t>Kaggle Datasets Scraped from Spotify Web API</a:t>
+              <a:rPr lang="en-US" dirty="0">
+                <a:solidFill>
+                  <a:schemeClr val="tx2"/>
+                </a:solidFill>
+              </a:rPr>
+              <a:t>Kaggle Datasets Scraped via Spotify Web API</a:t>
             </a:r>
           </a:p>
         </p:txBody>
@@ -5307,13 +6344,13 @@
             <a:spLocks noGrp="1"/>
           </p:cNvSpPr>
           <p:nvPr>
-            <p:ph sz="half" idx="1"/>
-          </p:nvPr>
-        </p:nvSpPr>
-        <p:spPr>
-          <a:xfrm>
-            <a:off x="2605373" y="1968140"/>
-            <a:ext cx="3891960" cy="3695134"/>
+            <p:ph sz="half" idx="4294967295"/>
+          </p:nvPr>
+        </p:nvSpPr>
+        <p:spPr>
+          <a:xfrm>
+            <a:off x="2076451" y="1732726"/>
+            <a:ext cx="4114800" cy="4319455"/>
           </a:xfrm>
         </p:spPr>
         <p:txBody>
@@ -5322,46 +6359,103 @@
           </a:bodyPr>
           <a:lstStyle/>
           <a:p>
-            <a:r>
-              <a:rPr lang="en-US" dirty="0"/>
-              <a:t>Spotify Tracks Dataset (v15)</a:t>
-            </a:r>
-          </a:p>
-          <a:p>
-            <a:pPr lvl="1"/>
-            <a:r>
-              <a:rPr lang="en-US" dirty="0"/>
-              <a:t>600k Tracks (not used for this analysis)</a:t>
-            </a:r>
-          </a:p>
-          <a:p>
-            <a:pPr lvl="1"/>
-            <a:r>
-              <a:rPr lang="en-US" dirty="0"/>
-              <a:t>1.1M Artists</a:t>
-            </a:r>
-          </a:p>
-          <a:p>
-            <a:pPr lvl="1"/>
-            <a:r>
-              <a:rPr lang="en-US" dirty="0"/>
-              <a:t>Contains only US market data</a:t>
-            </a:r>
-          </a:p>
-          <a:p>
-            <a:pPr lvl="1"/>
-            <a:r>
-              <a:rPr lang="en-US" dirty="0"/>
-              <a:t>Updated a month ago</a:t>
-            </a:r>
-          </a:p>
-          <a:p>
-            <a:pPr marL="457200" lvl="1" indent="0">
+            <a:pPr marL="0" indent="0">
               <a:buNone/>
             </a:pPr>
             <a:r>
               <a:rPr lang="en-US" dirty="0"/>
-              <a:t>Source:</a:t>
+              <a:t>Spotify Tracks Dataset (v15)</a:t>
+            </a:r>
+          </a:p>
+          <a:p>
+            <a:pPr>
+              <a:buBlip>
+                <a:blip r:embed="rId2"/>
+              </a:buBlip>
+            </a:pPr>
+            <a:r>
+              <a:rPr lang="en-US" sz="1800" dirty="0"/>
+              <a:t>600k Tracks (not used)</a:t>
+            </a:r>
+          </a:p>
+          <a:p>
+            <a:pPr>
+              <a:buBlip>
+                <a:blip r:embed="rId2"/>
+              </a:buBlip>
+            </a:pPr>
+            <a:r>
+              <a:rPr lang="en-US" sz="1800" dirty="0"/>
+              <a:t>1.1M Artists</a:t>
+            </a:r>
+          </a:p>
+          <a:p>
+            <a:pPr>
+              <a:buBlip>
+                <a:blip r:embed="rId2"/>
+              </a:buBlip>
+            </a:pPr>
+            <a:r>
+              <a:rPr lang="en-US" sz="1800" dirty="0"/>
+              <a:t>Contains only US market data</a:t>
+            </a:r>
+          </a:p>
+          <a:p>
+            <a:pPr>
+              <a:buBlip>
+                <a:blip r:embed="rId2"/>
+              </a:buBlip>
+            </a:pPr>
+            <a:r>
+              <a:rPr lang="en-US" sz="1800" dirty="0"/>
+              <a:t>Last Updated 04/18/2021</a:t>
+            </a:r>
+          </a:p>
+          <a:p>
+            <a:pPr marL="0" indent="0">
+              <a:buNone/>
+            </a:pPr>
+            <a:r>
+              <a:rPr lang="en-US" sz="1200" dirty="0"/>
+              <a:t>Source: </a:t>
+            </a:r>
+            <a:r>
+              <a:rPr lang="en-US" sz="1200" dirty="0">
+                <a:hlinkClick r:id="rId3"/>
+              </a:rPr>
+              <a:t>https://www.kaggle.com/yamaerenay/spotify-dataset-19212020-160k-tracks</a:t>
+            </a:r>
+            <a:endParaRPr lang="en-US" sz="1200" dirty="0"/>
+          </a:p>
+          <a:p>
+            <a:pPr marL="0" indent="0">
+              <a:buNone/>
+            </a:pPr>
+            <a:r>
+              <a:rPr lang="en-US" sz="1200" dirty="0"/>
+              <a:t>Author: </a:t>
+            </a:r>
+            <a:r>
+              <a:rPr lang="en-US" sz="1200" dirty="0">
+                <a:hlinkClick r:id="rId4"/>
+              </a:rPr>
+              <a:t>Yamac </a:t>
+            </a:r>
+            <a:r>
+              <a:rPr lang="en-US" sz="1200" dirty="0" err="1">
+                <a:hlinkClick r:id="rId4"/>
+              </a:rPr>
+              <a:t>Eren</a:t>
+            </a:r>
+            <a:r>
+              <a:rPr lang="en-US" sz="1200" dirty="0">
+                <a:hlinkClick r:id="rId4"/>
+              </a:rPr>
+              <a:t> Ay</a:t>
+            </a:r>
+            <a:r>
+              <a:rPr lang="en-US" sz="1200" dirty="0"/>
+              <a:t> </a:t>
             </a:r>
           </a:p>
         </p:txBody>
@@ -5379,13 +6473,13 @@
             <a:spLocks noGrp="1"/>
           </p:cNvSpPr>
           <p:nvPr>
-            <p:ph sz="half" idx="2"/>
-          </p:nvPr>
-        </p:nvSpPr>
-        <p:spPr>
-          <a:xfrm>
-            <a:off x="6666635" y="1968138"/>
-            <a:ext cx="3894222" cy="3997829"/>
+            <p:ph sz="half" idx="4294967295"/>
+          </p:nvPr>
+        </p:nvSpPr>
+        <p:spPr>
+          <a:xfrm>
+            <a:off x="6434495" y="1732727"/>
+            <a:ext cx="4114800" cy="4084042"/>
           </a:xfrm>
         </p:spPr>
         <p:txBody>
@@ -5394,46 +6488,104 @@
           </a:bodyPr>
           <a:lstStyle/>
           <a:p>
-            <a:r>
-              <a:rPr lang="en-US" dirty="0"/>
-              <a:t>Spotify Artists Data (v3)</a:t>
-            </a:r>
-          </a:p>
-          <a:p>
-            <a:pPr lvl="1"/>
-            <a:r>
-              <a:rPr lang="en-US" dirty="0"/>
-              <a:t>125 different country markets</a:t>
-            </a:r>
-          </a:p>
-          <a:p>
-            <a:pPr lvl="1"/>
-            <a:r>
-              <a:rPr lang="en-US" dirty="0"/>
-              <a:t>Nearly 100k artists per country market</a:t>
-            </a:r>
-          </a:p>
-          <a:p>
-            <a:pPr lvl="1"/>
-            <a:r>
-              <a:rPr lang="en-US" dirty="0"/>
-              <a:t>No track data</a:t>
-            </a:r>
-          </a:p>
-          <a:p>
-            <a:pPr lvl="1"/>
-            <a:r>
-              <a:rPr lang="en-US" dirty="0"/>
-              <a:t>Updated a month ago</a:t>
-            </a:r>
-          </a:p>
-          <a:p>
-            <a:pPr marL="457200" lvl="1" indent="0">
+            <a:pPr marL="0" indent="0">
               <a:buNone/>
             </a:pPr>
             <a:r>
               <a:rPr lang="en-US" dirty="0"/>
-              <a:t>Source:</a:t>
+              <a:t>Spotify Artists Data (v3)</a:t>
+            </a:r>
+          </a:p>
+          <a:p>
+            <a:pPr>
+              <a:buBlip>
+                <a:blip r:embed="rId2"/>
+              </a:buBlip>
+            </a:pPr>
+            <a:r>
+              <a:rPr lang="en-US" sz="1800" dirty="0"/>
+              <a:t>125 different markets (countries)</a:t>
+            </a:r>
+          </a:p>
+          <a:p>
+            <a:pPr>
+              <a:buBlip>
+                <a:blip r:embed="rId2"/>
+              </a:buBlip>
+            </a:pPr>
+            <a:r>
+              <a:rPr lang="en-US" sz="1800" dirty="0"/>
+              <a:t>Nearly 100k artists per market</a:t>
+            </a:r>
+          </a:p>
+          <a:p>
+            <a:pPr>
+              <a:buBlip>
+                <a:blip r:embed="rId2"/>
+              </a:buBlip>
+            </a:pPr>
+            <a:r>
+              <a:rPr lang="en-US" sz="1800" dirty="0"/>
+              <a:t>No track data</a:t>
+            </a:r>
+          </a:p>
+          <a:p>
+            <a:pPr>
+              <a:buBlip>
+                <a:blip r:embed="rId2"/>
+              </a:buBlip>
+            </a:pPr>
+            <a:r>
+              <a:rPr lang="en-US" sz="1800" dirty="0"/>
+              <a:t>Last Updated 04/18/2021</a:t>
+            </a:r>
+            <a:endParaRPr lang="en-US" sz="1600" dirty="0"/>
+          </a:p>
+          <a:p>
+            <a:pPr marL="0" indent="0">
+              <a:buNone/>
+            </a:pPr>
+            <a:r>
+              <a:rPr lang="en-US" sz="1200" dirty="0"/>
+              <a:t>Source: </a:t>
+            </a:r>
+            <a:r>
+              <a:rPr lang="en-US" sz="1200" dirty="0">
+                <a:hlinkClick r:id="rId5"/>
+              </a:rPr>
+              <a:t>https://www.kaggle.com/yamaerenay/spotify-artists-dataset-19222021</a:t>
+            </a:r>
+            <a:endParaRPr lang="en-US" sz="1200" dirty="0"/>
+          </a:p>
+          <a:p>
+            <a:pPr marL="0" indent="0">
+              <a:buNone/>
+            </a:pPr>
+            <a:r>
+              <a:rPr lang="en-US" sz="1200" dirty="0"/>
+              <a:t>Author: </a:t>
+            </a:r>
+            <a:r>
+              <a:rPr lang="en-US" sz="1200" dirty="0">
+                <a:hlinkClick r:id="rId4"/>
+              </a:rPr>
+              <a:t>Yamac </a:t>
+            </a:r>
+            <a:r>
+              <a:rPr lang="en-US" sz="1200" dirty="0" err="1">
+                <a:hlinkClick r:id="rId4"/>
+              </a:rPr>
+              <a:t>Eren</a:t>
+            </a:r>
+            <a:r>
+              <a:rPr lang="en-US" sz="1200" dirty="0">
+                <a:hlinkClick r:id="rId4"/>
+              </a:rPr>
+              <a:t> Ay</a:t>
+            </a:r>
+            <a:r>
+              <a:rPr lang="en-US" sz="1200" dirty="0"/>
+              <a:t> </a:t>
             </a:r>
           </a:p>
         </p:txBody>
@@ -5454,8 +6606,8 @@
         </p:nvSpPr>
         <p:spPr>
           <a:xfrm>
-            <a:off x="2605373" y="5663274"/>
-            <a:ext cx="5357600" cy="1160213"/>
+            <a:off x="2076451" y="5816769"/>
+            <a:ext cx="2442877" cy="470826"/>
           </a:xfrm>
           <a:prstGeom prst="rect">
             <a:avLst/>
@@ -5705,10 +6857,65 @@
             <a:pPr marL="0" indent="0">
               <a:buNone/>
             </a:pPr>
-            <a:r>
-              <a:rPr lang="en-US" sz="1600" dirty="0"/>
-              <a:t>Authors: </a:t>
-            </a:r>
+            <a:endParaRPr lang="en-US" sz="1600" dirty="0"/>
+          </a:p>
+        </p:txBody>
+      </p:sp>
+      <p:sp>
+        <p:nvSpPr>
+          <p:cNvPr id="6" name="Date Placeholder 5">
+            <a:extLst>
+              <a:ext uri="{FF2B5EF4-FFF2-40B4-BE49-F238E27FC236}">
+                <a16:creationId xmlns:a16="http://schemas.microsoft.com/office/drawing/2014/main" id="{F2B2837D-0E00-4BE1-8B3D-55AA1E1DE058}"/>
+              </a:ext>
+            </a:extLst>
+          </p:cNvPr>
+          <p:cNvSpPr>
+            <a:spLocks noGrp="1"/>
+          </p:cNvSpPr>
+          <p:nvPr>
+            <p:ph type="dt" sz="half" idx="10"/>
+          </p:nvPr>
+        </p:nvSpPr>
+        <p:spPr/>
+        <p:txBody>
+          <a:bodyPr/>
+          <a:lstStyle/>
+          <a:p>
+            <a:fld id="{E0BD2D11-3290-40C6-B017-C95D232D54FA}" type="datetime1">
+              <a:rPr lang="en-US" smtClean="0"/>
+              <a:t>5/23/2021</a:t>
+            </a:fld>
+            <a:endParaRPr lang="en-US" dirty="0"/>
+          </a:p>
+        </p:txBody>
+      </p:sp>
+      <p:sp>
+        <p:nvSpPr>
+          <p:cNvPr id="7" name="Slide Number Placeholder 6">
+            <a:extLst>
+              <a:ext uri="{FF2B5EF4-FFF2-40B4-BE49-F238E27FC236}">
+                <a16:creationId xmlns:a16="http://schemas.microsoft.com/office/drawing/2014/main" id="{91E0BD1B-B6DD-4326-B9B5-B9BFBFE04C03}"/>
+              </a:ext>
+            </a:extLst>
+          </p:cNvPr>
+          <p:cNvSpPr>
+            <a:spLocks noGrp="1"/>
+          </p:cNvSpPr>
+          <p:nvPr>
+            <p:ph type="sldNum" sz="quarter" idx="12"/>
+          </p:nvPr>
+        </p:nvSpPr>
+        <p:spPr/>
+        <p:txBody>
+          <a:bodyPr/>
+          <a:lstStyle/>
+          <a:p>
+            <a:fld id="{6D22F896-40B5-4ADD-8801-0D06FADFA095}" type="slidenum">
+              <a:rPr lang="en-US" smtClean="0"/>
+              <a:t>3</a:t>
+            </a:fld>
+            <a:endParaRPr lang="en-US" dirty="0"/>
           </a:p>
         </p:txBody>
       </p:sp>
@@ -5747,6 +6954,178 @@
           <p:cNvPr id="2" name="Title 1">
             <a:extLst>
               <a:ext uri="{FF2B5EF4-FFF2-40B4-BE49-F238E27FC236}">
+                <a16:creationId xmlns:a16="http://schemas.microsoft.com/office/drawing/2014/main" id="{D6B7620E-5C5F-4A77-979B-33D27BBDEEE8}"/>
+              </a:ext>
+            </a:extLst>
+          </p:cNvPr>
+          <p:cNvSpPr>
+            <a:spLocks noGrp="1"/>
+          </p:cNvSpPr>
+          <p:nvPr>
+            <p:ph type="title"/>
+          </p:nvPr>
+        </p:nvSpPr>
+        <p:spPr>
+          <a:xfrm>
+            <a:off x="1890344" y="2645152"/>
+            <a:ext cx="8491905" cy="1202948"/>
+          </a:xfrm>
+        </p:spPr>
+        <p:txBody>
+          <a:bodyPr>
+            <a:normAutofit/>
+          </a:bodyPr>
+          <a:lstStyle/>
+          <a:p>
+            <a:r>
+              <a:rPr lang="en-US" dirty="0">
+                <a:solidFill>
+                  <a:schemeClr val="tx2"/>
+                </a:solidFill>
+              </a:rPr>
+              <a:t>What is the relationship between an Artist’s popularity on Spotify and their </a:t>
+            </a:r>
+            <a:r>
+              <a:rPr lang="en-US" dirty="0"/>
+              <a:t>f</a:t>
+            </a:r>
+            <a:r>
+              <a:rPr lang="en-US" dirty="0">
+                <a:solidFill>
+                  <a:schemeClr val="tx2"/>
+                </a:solidFill>
+              </a:rPr>
+              <a:t>ollower count?</a:t>
+            </a:r>
+          </a:p>
+        </p:txBody>
+      </p:sp>
+      <p:sp>
+        <p:nvSpPr>
+          <p:cNvPr id="3" name="Text Placeholder 2">
+            <a:extLst>
+              <a:ext uri="{FF2B5EF4-FFF2-40B4-BE49-F238E27FC236}">
+                <a16:creationId xmlns:a16="http://schemas.microsoft.com/office/drawing/2014/main" id="{760DB2ED-B9A5-4C50-90AC-A475C0D25316}"/>
+              </a:ext>
+            </a:extLst>
+          </p:cNvPr>
+          <p:cNvSpPr>
+            <a:spLocks noGrp="1"/>
+          </p:cNvSpPr>
+          <p:nvPr>
+            <p:ph type="body" idx="1"/>
+          </p:nvPr>
+        </p:nvSpPr>
+        <p:spPr>
+          <a:xfrm>
+            <a:off x="1972659" y="3756390"/>
+            <a:ext cx="7791931" cy="451447"/>
+          </a:xfrm>
+        </p:spPr>
+        <p:txBody>
+          <a:bodyPr/>
+          <a:lstStyle/>
+          <a:p>
+            <a:r>
+              <a:rPr lang="en-US" dirty="0"/>
+              <a:t>Should Artists focus on acquiring followers, or acquiring popularity?</a:t>
+            </a:r>
+          </a:p>
+        </p:txBody>
+      </p:sp>
+      <p:sp>
+        <p:nvSpPr>
+          <p:cNvPr id="4" name="Date Placeholder 3">
+            <a:extLst>
+              <a:ext uri="{FF2B5EF4-FFF2-40B4-BE49-F238E27FC236}">
+                <a16:creationId xmlns:a16="http://schemas.microsoft.com/office/drawing/2014/main" id="{12B11E6A-1723-453D-9F55-A1A6DF387D09}"/>
+              </a:ext>
+            </a:extLst>
+          </p:cNvPr>
+          <p:cNvSpPr>
+            <a:spLocks noGrp="1"/>
+          </p:cNvSpPr>
+          <p:nvPr>
+            <p:ph type="dt" sz="half" idx="10"/>
+          </p:nvPr>
+        </p:nvSpPr>
+        <p:spPr/>
+        <p:txBody>
+          <a:bodyPr/>
+          <a:lstStyle/>
+          <a:p>
+            <a:fld id="{72528B0C-8793-4B4E-95B0-A40AD299924E}" type="datetime1">
+              <a:rPr lang="en-US" smtClean="0"/>
+              <a:t>5/23/2021</a:t>
+            </a:fld>
+            <a:endParaRPr lang="en-US" dirty="0"/>
+          </a:p>
+        </p:txBody>
+      </p:sp>
+      <p:sp>
+        <p:nvSpPr>
+          <p:cNvPr id="5" name="Slide Number Placeholder 4">
+            <a:extLst>
+              <a:ext uri="{FF2B5EF4-FFF2-40B4-BE49-F238E27FC236}">
+                <a16:creationId xmlns:a16="http://schemas.microsoft.com/office/drawing/2014/main" id="{BECA55AA-19B4-4707-92C2-85E16BE29EE0}"/>
+              </a:ext>
+            </a:extLst>
+          </p:cNvPr>
+          <p:cNvSpPr>
+            <a:spLocks noGrp="1"/>
+          </p:cNvSpPr>
+          <p:nvPr>
+            <p:ph type="sldNum" sz="quarter" idx="12"/>
+          </p:nvPr>
+        </p:nvSpPr>
+        <p:spPr/>
+        <p:txBody>
+          <a:bodyPr/>
+          <a:lstStyle/>
+          <a:p>
+            <a:fld id="{6D22F896-40B5-4ADD-8801-0D06FADFA095}" type="slidenum">
+              <a:rPr lang="en-US" smtClean="0"/>
+              <a:t>4</a:t>
+            </a:fld>
+            <a:endParaRPr lang="en-US" dirty="0"/>
+          </a:p>
+        </p:txBody>
+      </p:sp>
+    </p:spTree>
+    <p:extLst>
+      <p:ext uri="{BB962C8B-B14F-4D97-AF65-F5344CB8AC3E}">
+        <p14:creationId xmlns:p14="http://schemas.microsoft.com/office/powerpoint/2010/main" val="2814083393"/>
+      </p:ext>
+    </p:extLst>
+  </p:cSld>
+  <p:clrMapOvr>
+    <a:masterClrMapping/>
+  </p:clrMapOvr>
+</p:sld>
+</file>
+
+<file path=ppt/slides/slide5.xml><?xml version="1.0" encoding="utf-8"?>
+<p:sld xmlns:a="http://schemas.openxmlformats.org/drawingml/2006/main" xmlns:r="http://schemas.openxmlformats.org/officeDocument/2006/relationships" xmlns:p="http://schemas.openxmlformats.org/presentationml/2006/main">
+  <p:cSld>
+    <p:spTree>
+      <p:nvGrpSpPr>
+        <p:cNvPr id="1" name=""/>
+        <p:cNvGrpSpPr/>
+        <p:nvPr/>
+      </p:nvGrpSpPr>
+      <p:grpSpPr>
+        <a:xfrm>
+          <a:off x="0" y="0"/>
+          <a:ext cx="0" cy="0"/>
+          <a:chOff x="0" y="0"/>
+          <a:chExt cx="0" cy="0"/>
+        </a:xfrm>
+      </p:grpSpPr>
+      <p:sp>
+        <p:nvSpPr>
+          <p:cNvPr id="2" name="Title 1">
+            <a:extLst>
+              <a:ext uri="{FF2B5EF4-FFF2-40B4-BE49-F238E27FC236}">
                 <a16:creationId xmlns:a16="http://schemas.microsoft.com/office/drawing/2014/main" id="{1DC7C14F-87BD-41C2-B612-5A15F6116CD3}"/>
               </a:ext>
             </a:extLst>
@@ -5760,7 +7139,7 @@
         </p:nvSpPr>
         <p:spPr>
           <a:xfrm>
-            <a:off x="2609873" y="805818"/>
+            <a:off x="1847873" y="748668"/>
             <a:ext cx="7950984" cy="613679"/>
           </a:xfrm>
         </p:spPr>
@@ -5769,7 +7148,11 @@
           <a:lstStyle/>
           <a:p>
             <a:r>
-              <a:rPr lang="en-US" dirty="0"/>
+              <a:rPr lang="en-US" dirty="0">
+                <a:solidFill>
+                  <a:schemeClr val="tx2"/>
+                </a:solidFill>
+              </a:rPr>
               <a:t>Artist Features</a:t>
             </a:r>
           </a:p>
@@ -5788,12 +7171,12 @@
             <a:spLocks noGrp="1"/>
           </p:cNvSpPr>
           <p:nvPr>
-            <p:ph sz="half" idx="2"/>
-          </p:nvPr>
-        </p:nvSpPr>
-        <p:spPr>
-          <a:xfrm>
-            <a:off x="2600867" y="2054353"/>
+            <p:ph sz="half" idx="4294967295"/>
+          </p:nvPr>
+        </p:nvSpPr>
+        <p:spPr>
+          <a:xfrm>
+            <a:off x="1838867" y="1997203"/>
             <a:ext cx="3894222" cy="3997829"/>
           </a:xfrm>
         </p:spPr>
@@ -5801,33 +7184,58 @@
           <a:bodyPr/>
           <a:lstStyle/>
           <a:p>
-            <a:r>
-              <a:rPr lang="en-US" dirty="0"/>
-              <a:t>id (id of artist)</a:t>
-            </a:r>
-          </a:p>
-          <a:p>
-            <a:r>
-              <a:rPr lang="en-US" dirty="0"/>
-              <a:t>followers (number of followers of artist)</a:t>
-            </a:r>
-          </a:p>
-          <a:p>
-            <a:r>
-              <a:rPr lang="en-US" dirty="0"/>
-              <a:t>name (name of artist)</a:t>
-            </a:r>
-          </a:p>
-          <a:p>
-            <a:r>
-              <a:rPr lang="en-US" dirty="0"/>
-              <a:t>popularity (popularity of artist)</a:t>
-            </a:r>
-          </a:p>
-          <a:p>
-            <a:r>
-              <a:rPr lang="en-US" dirty="0"/>
-              <a:t>genres (list of genres associated with artist)</a:t>
+            <a:pPr>
+              <a:buBlip>
+                <a:blip r:embed="rId2"/>
+              </a:buBlip>
+            </a:pPr>
+            <a:r>
+              <a:rPr lang="en-US" dirty="0"/>
+              <a:t>id - id of artist, is unique</a:t>
+            </a:r>
+          </a:p>
+          <a:p>
+            <a:pPr>
+              <a:buBlip>
+                <a:blip r:embed="rId2"/>
+              </a:buBlip>
+            </a:pPr>
+            <a:r>
+              <a:rPr lang="en-US" dirty="0"/>
+              <a:t>followers - number of followers of artist at that time</a:t>
+            </a:r>
+          </a:p>
+          <a:p>
+            <a:pPr>
+              <a:buBlip>
+                <a:blip r:embed="rId2"/>
+              </a:buBlip>
+            </a:pPr>
+            <a:r>
+              <a:rPr lang="en-US" dirty="0"/>
+              <a:t>name - name of artist</a:t>
+            </a:r>
+          </a:p>
+          <a:p>
+            <a:pPr>
+              <a:buBlip>
+                <a:blip r:embed="rId2"/>
+              </a:buBlip>
+            </a:pPr>
+            <a:r>
+              <a:rPr lang="en-US" dirty="0"/>
+              <a:t>popularity - popularity of artist</a:t>
+            </a:r>
+          </a:p>
+          <a:p>
+            <a:pPr>
+              <a:buBlip>
+                <a:blip r:embed="rId2"/>
+              </a:buBlip>
+            </a:pPr>
+            <a:r>
+              <a:rPr lang="en-US" dirty="0"/>
+              <a:t>genres - list of genres associated with the artist</a:t>
             </a:r>
           </a:p>
         </p:txBody>
@@ -5848,7 +7256,7 @@
         </p:nvSpPr>
         <p:spPr>
           <a:xfrm>
-            <a:off x="2600867" y="1338296"/>
+            <a:off x="1838867" y="1281146"/>
             <a:ext cx="5794196" cy="713818"/>
           </a:xfrm>
           <a:prstGeom prst="rect">
@@ -6100,11 +7508,7 @@
               <a:buNone/>
             </a:pPr>
             <a:r>
-              <a:rPr lang="en-US" dirty="0">
-                <a:solidFill>
-                  <a:schemeClr val="accent6"/>
-                </a:solidFill>
-              </a:rPr>
+              <a:rPr lang="en-US" dirty="0"/>
               <a:t>Pulled from Spotipy, the Spotify Web API</a:t>
             </a:r>
           </a:p>
@@ -6126,8 +7530,8 @@
         </p:nvSpPr>
         <p:spPr>
           <a:xfrm>
-            <a:off x="6666635" y="2054353"/>
-            <a:ext cx="3894222" cy="3997829"/>
+            <a:off x="6047509" y="3806422"/>
+            <a:ext cx="4325215" cy="1498472"/>
           </a:xfrm>
           <a:prstGeom prst="rect">
             <a:avLst/>
@@ -6378,9 +7782,71 @@
               <a:buNone/>
             </a:pPr>
             <a:r>
-              <a:rPr lang="en-US" dirty="0"/>
+              <a:rPr lang="en-US" dirty="0">
+                <a:solidFill>
+                  <a:schemeClr val="tx2"/>
+                </a:solidFill>
+              </a:rPr>
               <a:t>“The artist’s popularity is calculated from the popularity of all the artist’s tracks.”</a:t>
             </a:r>
+          </a:p>
+        </p:txBody>
+      </p:sp>
+      <p:sp>
+        <p:nvSpPr>
+          <p:cNvPr id="3" name="Date Placeholder 2">
+            <a:extLst>
+              <a:ext uri="{FF2B5EF4-FFF2-40B4-BE49-F238E27FC236}">
+                <a16:creationId xmlns:a16="http://schemas.microsoft.com/office/drawing/2014/main" id="{6625BAF5-4ADB-42BC-8E47-1F305AF2BA39}"/>
+              </a:ext>
+            </a:extLst>
+          </p:cNvPr>
+          <p:cNvSpPr>
+            <a:spLocks noGrp="1"/>
+          </p:cNvSpPr>
+          <p:nvPr>
+            <p:ph type="dt" sz="half" idx="10"/>
+          </p:nvPr>
+        </p:nvSpPr>
+        <p:spPr/>
+        <p:txBody>
+          <a:bodyPr/>
+          <a:lstStyle/>
+          <a:p>
+            <a:fld id="{F5DABB1C-22AB-4EAA-8F5F-92DD3F896A81}" type="datetime1">
+              <a:rPr lang="en-US" smtClean="0"/>
+              <a:t>5/23/2021</a:t>
+            </a:fld>
+            <a:endParaRPr lang="en-US" dirty="0"/>
+          </a:p>
+        </p:txBody>
+      </p:sp>
+      <p:sp>
+        <p:nvSpPr>
+          <p:cNvPr id="6" name="Slide Number Placeholder 5">
+            <a:extLst>
+              <a:ext uri="{FF2B5EF4-FFF2-40B4-BE49-F238E27FC236}">
+                <a16:creationId xmlns:a16="http://schemas.microsoft.com/office/drawing/2014/main" id="{1EFF26D9-5328-4005-901C-F8E3838E6D2A}"/>
+              </a:ext>
+            </a:extLst>
+          </p:cNvPr>
+          <p:cNvSpPr>
+            <a:spLocks noGrp="1"/>
+          </p:cNvSpPr>
+          <p:nvPr>
+            <p:ph type="sldNum" sz="quarter" idx="12"/>
+          </p:nvPr>
+        </p:nvSpPr>
+        <p:spPr/>
+        <p:txBody>
+          <a:bodyPr/>
+          <a:lstStyle/>
+          <a:p>
+            <a:fld id="{6D22F896-40B5-4ADD-8801-0D06FADFA095}" type="slidenum">
+              <a:rPr lang="en-US" smtClean="0"/>
+              <a:t>5</a:t>
+            </a:fld>
+            <a:endParaRPr lang="en-US" dirty="0"/>
           </a:p>
         </p:txBody>
       </p:sp>
@@ -6388,100 +7854,6 @@
     <p:extLst>
       <p:ext uri="{BB962C8B-B14F-4D97-AF65-F5344CB8AC3E}">
         <p14:creationId xmlns:p14="http://schemas.microsoft.com/office/powerpoint/2010/main" val="1019320768"/>
-      </p:ext>
-    </p:extLst>
-  </p:cSld>
-  <p:clrMapOvr>
-    <a:masterClrMapping/>
-  </p:clrMapOvr>
-</p:sld>
-</file>
-
-<file path=ppt/slides/slide5.xml><?xml version="1.0" encoding="utf-8"?>
-<p:sld xmlns:a="http://schemas.openxmlformats.org/drawingml/2006/main" xmlns:r="http://schemas.openxmlformats.org/officeDocument/2006/relationships" xmlns:p="http://schemas.openxmlformats.org/presentationml/2006/main">
-  <p:cSld>
-    <p:spTree>
-      <p:nvGrpSpPr>
-        <p:cNvPr id="1" name=""/>
-        <p:cNvGrpSpPr/>
-        <p:nvPr/>
-      </p:nvGrpSpPr>
-      <p:grpSpPr>
-        <a:xfrm>
-          <a:off x="0" y="0"/>
-          <a:ext cx="0" cy="0"/>
-          <a:chOff x="0" y="0"/>
-          <a:chExt cx="0" cy="0"/>
-        </a:xfrm>
-      </p:grpSpPr>
-      <p:sp>
-        <p:nvSpPr>
-          <p:cNvPr id="2" name="Title 1">
-            <a:extLst>
-              <a:ext uri="{FF2B5EF4-FFF2-40B4-BE49-F238E27FC236}">
-                <a16:creationId xmlns:a16="http://schemas.microsoft.com/office/drawing/2014/main" id="{D6B7620E-5C5F-4A77-979B-33D27BBDEEE8}"/>
-              </a:ext>
-            </a:extLst>
-          </p:cNvPr>
-          <p:cNvSpPr>
-            <a:spLocks noGrp="1"/>
-          </p:cNvSpPr>
-          <p:nvPr>
-            <p:ph type="title"/>
-          </p:nvPr>
-        </p:nvSpPr>
-        <p:spPr>
-          <a:xfrm>
-            <a:off x="2609339" y="3321427"/>
-            <a:ext cx="7956560" cy="1111238"/>
-          </a:xfrm>
-        </p:spPr>
-        <p:txBody>
-          <a:bodyPr>
-            <a:normAutofit/>
-          </a:bodyPr>
-          <a:lstStyle/>
-          <a:p>
-            <a:r>
-              <a:rPr lang="en-US" dirty="0"/>
-              <a:t>What is the overlap between top US artists and top foreign artists?</a:t>
-            </a:r>
-          </a:p>
-        </p:txBody>
-      </p:sp>
-      <p:sp>
-        <p:nvSpPr>
-          <p:cNvPr id="3" name="Text Placeholder 2">
-            <a:extLst>
-              <a:ext uri="{FF2B5EF4-FFF2-40B4-BE49-F238E27FC236}">
-                <a16:creationId xmlns:a16="http://schemas.microsoft.com/office/drawing/2014/main" id="{760DB2ED-B9A5-4C50-90AC-A475C0D25316}"/>
-              </a:ext>
-            </a:extLst>
-          </p:cNvPr>
-          <p:cNvSpPr>
-            <a:spLocks noGrp="1"/>
-          </p:cNvSpPr>
-          <p:nvPr>
-            <p:ph type="body" idx="1"/>
-          </p:nvPr>
-        </p:nvSpPr>
-        <p:spPr/>
-        <p:txBody>
-          <a:bodyPr/>
-          <a:lstStyle/>
-          <a:p>
-            <a:r>
-              <a:rPr lang="en-US" sz="1800" dirty="0"/>
-              <a:t>US artists need insight into their popularity around the world</a:t>
-            </a:r>
-            <a:endParaRPr lang="en-US" dirty="0"/>
-          </a:p>
-        </p:txBody>
-      </p:sp>
-    </p:spTree>
-    <p:extLst>
-      <p:ext uri="{BB962C8B-B14F-4D97-AF65-F5344CB8AC3E}">
-        <p14:creationId xmlns:p14="http://schemas.microsoft.com/office/powerpoint/2010/main" val="2814083393"/>
       </p:ext>
     </p:extLst>
   </p:cSld>
@@ -6530,7 +7902,11 @@
           <a:lstStyle/>
           <a:p>
             <a:r>
-              <a:rPr lang="en-US" dirty="0"/>
+              <a:rPr lang="en-US" dirty="0">
+                <a:solidFill>
+                  <a:schemeClr val="tx2"/>
+                </a:solidFill>
+              </a:rPr>
               <a:t>Spotify Artist Data Cleaning</a:t>
             </a:r>
           </a:p>
@@ -6554,8 +7930,8 @@
         </p:nvSpPr>
         <p:spPr>
           <a:xfrm>
-            <a:off x="2773599" y="1657717"/>
-            <a:ext cx="7796540" cy="4392227"/>
+            <a:off x="1803777" y="1581517"/>
+            <a:ext cx="7796540" cy="2533283"/>
           </a:xfrm>
         </p:spPr>
         <p:txBody>
@@ -6574,10 +7950,14 @@
             </a:r>
           </a:p>
           <a:p>
-            <a:pPr marL="908050" lvl="1" indent="-457200"/>
-            <a:r>
-              <a:rPr lang="en-US" dirty="0"/>
-              <a:t>Some artists have multiple entries across the years, but were otherwise identical</a:t>
+            <a:pPr marL="908050" lvl="1" indent="-457200">
+              <a:buBlip>
+                <a:blip r:embed="rId2"/>
+              </a:buBlip>
+            </a:pPr>
+            <a:r>
+              <a:rPr lang="en-US" dirty="0"/>
+              <a:t>Some artists have multiple entries</a:t>
             </a:r>
           </a:p>
           <a:p>
@@ -6591,44 +7971,73 @@
             </a:r>
           </a:p>
           <a:p>
-            <a:pPr marL="908050" lvl="1" indent="-457200"/>
-            <a:r>
-              <a:rPr lang="en-US" dirty="0"/>
-              <a:t>For US market, only keep artists with popularity above 0 and group the data into popularity levels (100-91, 90-81, 80-71, </a:t>
-            </a:r>
-            <a:r>
-              <a:rPr lang="en-US" dirty="0" err="1"/>
-              <a:t>etc</a:t>
-            </a:r>
-            <a:r>
-              <a:rPr lang="en-US" dirty="0"/>
-              <a:t>)</a:t>
-            </a:r>
-          </a:p>
-          <a:p>
-            <a:pPr marL="908050" lvl="1" indent="-457200"/>
-            <a:r>
-              <a:rPr lang="en-US" dirty="0"/>
-              <a:t>For foreign markets, only keep artists with popularity above 90</a:t>
-            </a:r>
-          </a:p>
-          <a:p>
-            <a:pPr marL="457200" indent="-457200">
-              <a:buFont typeface="+mj-lt"/>
-              <a:buAutoNum type="arabicPeriod"/>
+            <a:pPr marL="908050" lvl="1" indent="-457200">
+              <a:buBlip>
+                <a:blip r:embed="rId2"/>
+              </a:buBlip>
             </a:pPr>
             <a:r>
               <a:rPr lang="en-US" dirty="0"/>
-              <a:t>Merge data according to global regions as necessary; exclude regions due to bias (language barrier, low artist count, </a:t>
-            </a:r>
-            <a:r>
-              <a:rPr lang="en-US" dirty="0" err="1"/>
-              <a:t>etc</a:t>
-            </a:r>
-            <a:r>
-              <a:rPr lang="en-US" dirty="0"/>
-              <a:t>)</a:t>
-            </a:r>
+              <a:t>For US market, only keep artists with popularity above 10 and cut the data into nine interval ranges</a:t>
+            </a:r>
+          </a:p>
+        </p:txBody>
+      </p:sp>
+      <p:sp>
+        <p:nvSpPr>
+          <p:cNvPr id="4" name="Date Placeholder 3">
+            <a:extLst>
+              <a:ext uri="{FF2B5EF4-FFF2-40B4-BE49-F238E27FC236}">
+                <a16:creationId xmlns:a16="http://schemas.microsoft.com/office/drawing/2014/main" id="{F42C6D45-6FFA-4F36-AD9A-7308549A21D2}"/>
+              </a:ext>
+            </a:extLst>
+          </p:cNvPr>
+          <p:cNvSpPr>
+            <a:spLocks noGrp="1"/>
+          </p:cNvSpPr>
+          <p:nvPr>
+            <p:ph type="dt" sz="half" idx="10"/>
+          </p:nvPr>
+        </p:nvSpPr>
+        <p:spPr/>
+        <p:txBody>
+          <a:bodyPr/>
+          <a:lstStyle/>
+          <a:p>
+            <a:fld id="{6E339F59-205B-4E42-BD7A-1AA2AB5F8212}" type="datetime1">
+              <a:rPr lang="en-US" smtClean="0"/>
+              <a:t>5/23/2021</a:t>
+            </a:fld>
+            <a:endParaRPr lang="en-US" dirty="0"/>
+          </a:p>
+        </p:txBody>
+      </p:sp>
+      <p:sp>
+        <p:nvSpPr>
+          <p:cNvPr id="5" name="Slide Number Placeholder 4">
+            <a:extLst>
+              <a:ext uri="{FF2B5EF4-FFF2-40B4-BE49-F238E27FC236}">
+                <a16:creationId xmlns:a16="http://schemas.microsoft.com/office/drawing/2014/main" id="{ACBA1143-971B-47C9-8EE5-0F2D99A720A3}"/>
+              </a:ext>
+            </a:extLst>
+          </p:cNvPr>
+          <p:cNvSpPr>
+            <a:spLocks noGrp="1"/>
+          </p:cNvSpPr>
+          <p:nvPr>
+            <p:ph type="sldNum" sz="quarter" idx="12"/>
+          </p:nvPr>
+        </p:nvSpPr>
+        <p:spPr/>
+        <p:txBody>
+          <a:bodyPr/>
+          <a:lstStyle/>
+          <a:p>
+            <a:fld id="{6D22F896-40B5-4ADD-8801-0D06FADFA095}" type="slidenum">
+              <a:rPr lang="en-US" smtClean="0"/>
+              <a:t>6</a:t>
+            </a:fld>
+            <a:endParaRPr lang="en-US" dirty="0"/>
           </a:p>
         </p:txBody>
       </p:sp>
@@ -6680,7 +8089,7 @@
         </p:nvSpPr>
         <p:spPr>
           <a:xfrm>
-            <a:off x="2611808" y="808056"/>
+            <a:off x="1802183" y="741381"/>
             <a:ext cx="7958331" cy="829155"/>
           </a:xfrm>
         </p:spPr>
@@ -6689,8 +8098,12 @@
           <a:lstStyle/>
           <a:p>
             <a:r>
-              <a:rPr lang="en-US" dirty="0"/>
-              <a:t>Spotify Artist EDA</a:t>
+              <a:rPr lang="en-US" dirty="0">
+                <a:solidFill>
+                  <a:schemeClr val="tx2"/>
+                </a:solidFill>
+              </a:rPr>
+              <a:t>Artists in the US Market: EDA</a:t>
             </a:r>
           </a:p>
         </p:txBody>
@@ -6713,7 +8126,7 @@
         </p:nvSpPr>
         <p:spPr>
           <a:xfrm>
-            <a:off x="2773599" y="2052116"/>
+            <a:off x="1802183" y="1570536"/>
             <a:ext cx="6779704" cy="3997828"/>
           </a:xfrm>
         </p:spPr>
@@ -6721,37 +8134,119 @@
           <a:bodyPr/>
           <a:lstStyle/>
           <a:p>
-            <a:r>
-              <a:rPr lang="en-US" dirty="0"/>
-              <a:t>Metrics for the US market include:</a:t>
-            </a:r>
-          </a:p>
-          <a:p>
-            <a:pPr lvl="1"/>
-            <a:r>
-              <a:rPr lang="en-US" dirty="0"/>
-              <a:t>Artist counts across popularity range</a:t>
-            </a:r>
-          </a:p>
-          <a:p>
-            <a:pPr lvl="1"/>
-            <a:r>
-              <a:rPr lang="en-US" dirty="0"/>
-              <a:t>Correlation between the artist popularity and the average followers at each popularity level</a:t>
-            </a:r>
-          </a:p>
-          <a:p>
-            <a:r>
-              <a:rPr lang="en-US" dirty="0"/>
-              <a:t>Metrics for foreign markets include:</a:t>
-            </a:r>
-          </a:p>
-          <a:p>
-            <a:pPr lvl="1"/>
-            <a:r>
-              <a:rPr lang="en-US" dirty="0"/>
-              <a:t>Overlap in top artists</a:t>
-            </a:r>
+            <a:pPr marL="0" indent="0">
+              <a:buNone/>
+            </a:pPr>
+            <a:r>
+              <a:rPr lang="en-US" dirty="0"/>
+              <a:t>Useful metrics:</a:t>
+            </a:r>
+          </a:p>
+          <a:p>
+            <a:pPr>
+              <a:buBlip>
+                <a:blip r:embed="rId2"/>
+              </a:buBlip>
+            </a:pPr>
+            <a:r>
+              <a:rPr lang="en-US" sz="1800" dirty="0"/>
+              <a:t>Popularity Distribution of Artists*</a:t>
+            </a:r>
+          </a:p>
+          <a:p>
+            <a:pPr>
+              <a:buBlip>
+                <a:blip r:embed="rId2"/>
+              </a:buBlip>
+            </a:pPr>
+            <a:r>
+              <a:rPr lang="en-US" sz="1800" dirty="0"/>
+              <a:t>Average number of followers within a popularity interval*</a:t>
+            </a:r>
+          </a:p>
+          <a:p>
+            <a:pPr>
+              <a:buBlip>
+                <a:blip r:embed="rId2"/>
+              </a:buBlip>
+            </a:pPr>
+            <a:r>
+              <a:rPr lang="en-US" sz="1800" dirty="0"/>
+              <a:t>Spread of followers within a popularity interval*</a:t>
+            </a:r>
+          </a:p>
+          <a:p>
+            <a:pPr marL="0" indent="0">
+              <a:buNone/>
+            </a:pPr>
+            <a:endParaRPr lang="en-US" sz="1800" dirty="0"/>
+          </a:p>
+          <a:p>
+            <a:pPr marL="0" indent="0">
+              <a:buNone/>
+            </a:pPr>
+            <a:r>
+              <a:rPr lang="en-US" sz="1800" dirty="0"/>
+              <a:t>*Only using artists with popularity score &gt;10, or ~30% of the data</a:t>
+            </a:r>
+          </a:p>
+        </p:txBody>
+      </p:sp>
+      <p:sp>
+        <p:nvSpPr>
+          <p:cNvPr id="3" name="Date Placeholder 2">
+            <a:extLst>
+              <a:ext uri="{FF2B5EF4-FFF2-40B4-BE49-F238E27FC236}">
+                <a16:creationId xmlns:a16="http://schemas.microsoft.com/office/drawing/2014/main" id="{E5DA7E20-FF69-4783-ABE4-EFF8443D364D}"/>
+              </a:ext>
+            </a:extLst>
+          </p:cNvPr>
+          <p:cNvSpPr>
+            <a:spLocks noGrp="1"/>
+          </p:cNvSpPr>
+          <p:nvPr>
+            <p:ph type="dt" sz="half" idx="10"/>
+          </p:nvPr>
+        </p:nvSpPr>
+        <p:spPr/>
+        <p:txBody>
+          <a:bodyPr/>
+          <a:lstStyle/>
+          <a:p>
+            <a:fld id="{3F8470E4-226F-4B56-8AFF-52915C11CE6D}" type="datetime1">
+              <a:rPr lang="en-US" smtClean="0"/>
+              <a:t>5/23/2021</a:t>
+            </a:fld>
+            <a:endParaRPr lang="en-US" dirty="0"/>
+          </a:p>
+        </p:txBody>
+      </p:sp>
+      <p:sp>
+        <p:nvSpPr>
+          <p:cNvPr id="4" name="Slide Number Placeholder 3">
+            <a:extLst>
+              <a:ext uri="{FF2B5EF4-FFF2-40B4-BE49-F238E27FC236}">
+                <a16:creationId xmlns:a16="http://schemas.microsoft.com/office/drawing/2014/main" id="{9EB6AC86-1456-4635-B596-8F1AAC144AEC}"/>
+              </a:ext>
+            </a:extLst>
+          </p:cNvPr>
+          <p:cNvSpPr>
+            <a:spLocks noGrp="1"/>
+          </p:cNvSpPr>
+          <p:nvPr>
+            <p:ph type="sldNum" sz="quarter" idx="12"/>
+          </p:nvPr>
+        </p:nvSpPr>
+        <p:spPr/>
+        <p:txBody>
+          <a:bodyPr/>
+          <a:lstStyle/>
+          <a:p>
+            <a:fld id="{6D22F896-40B5-4ADD-8801-0D06FADFA095}" type="slidenum">
+              <a:rPr lang="en-US" smtClean="0"/>
+              <a:t>7</a:t>
+            </a:fld>
+            <a:endParaRPr lang="en-US" dirty="0"/>
           </a:p>
         </p:txBody>
       </p:sp>
@@ -6790,7 +8285,7 @@
           <p:cNvPr id="2" name="Title 1">
             <a:extLst>
               <a:ext uri="{FF2B5EF4-FFF2-40B4-BE49-F238E27FC236}">
-                <a16:creationId xmlns:a16="http://schemas.microsoft.com/office/drawing/2014/main" id="{A1E12FD0-2922-4B18-890D-F7C5664CBB6A}"/>
+                <a16:creationId xmlns:a16="http://schemas.microsoft.com/office/drawing/2014/main" id="{853A4AB3-F002-4AB8-BF58-99B61284740E}"/>
               </a:ext>
             </a:extLst>
           </p:cNvPr>
@@ -6801,62 +8296,54 @@
             <p:ph type="title"/>
           </p:nvPr>
         </p:nvSpPr>
-        <p:spPr>
-          <a:xfrm>
-            <a:off x="2609873" y="805818"/>
-            <a:ext cx="7956560" cy="848811"/>
-          </a:xfrm>
-        </p:spPr>
+        <p:spPr/>
         <p:txBody>
           <a:bodyPr/>
           <a:lstStyle/>
           <a:p>
             <a:r>
-              <a:rPr lang="en-US" dirty="0"/>
-              <a:t>Top Artist Analysis</a:t>
-            </a:r>
-          </a:p>
-        </p:txBody>
-      </p:sp>
-      <p:sp>
-        <p:nvSpPr>
-          <p:cNvPr id="3" name="Text Placeholder 2">
+              <a:rPr lang="en-US" sz="3600" dirty="0"/>
+              <a:t>Popularity Distribution of Artists</a:t>
+            </a:r>
+            <a:endParaRPr lang="en-US" dirty="0"/>
+          </a:p>
+        </p:txBody>
+      </p:sp>
+      <p:pic>
+        <p:nvPicPr>
+          <p:cNvPr id="7" name="Content Placeholder 6" descr="Chart, histogram&#10;&#10;Description automatically generated">
             <a:extLst>
               <a:ext uri="{FF2B5EF4-FFF2-40B4-BE49-F238E27FC236}">
-                <a16:creationId xmlns:a16="http://schemas.microsoft.com/office/drawing/2014/main" id="{A3C27E12-55EC-4030-8F5E-060059CD201F}"/>
+                <a16:creationId xmlns:a16="http://schemas.microsoft.com/office/drawing/2014/main" id="{16B5FBC2-8A3D-4E38-9692-49C45564D1B7}"/>
               </a:ext>
             </a:extLst>
           </p:cNvPr>
-          <p:cNvSpPr>
-            <a:spLocks noGrp="1"/>
-          </p:cNvSpPr>
-          <p:nvPr>
-            <p:ph type="body" idx="1"/>
-          </p:nvPr>
-        </p:nvSpPr>
-        <p:spPr>
-          <a:xfrm>
-            <a:off x="2628042" y="1738607"/>
-            <a:ext cx="3896467" cy="713818"/>
-          </a:xfrm>
-        </p:spPr>
-        <p:txBody>
-          <a:bodyPr/>
-          <a:lstStyle/>
-          <a:p>
-            <a:r>
-              <a:rPr lang="en-US" dirty="0"/>
-              <a:t>Spotify US Market</a:t>
-            </a:r>
-          </a:p>
-        </p:txBody>
-      </p:sp>
-      <p:sp>
-        <p:nvSpPr>
-          <p:cNvPr id="4" name="Content Placeholder 3">
+          <p:cNvPicPr>
+            <a:picLocks noGrp="1" noChangeAspect="1"/>
+          </p:cNvPicPr>
+          <p:nvPr>
+            <p:ph idx="1"/>
+          </p:nvPr>
+        </p:nvPicPr>
+        <p:blipFill>
+          <a:blip r:embed="rId2"/>
+          <a:stretch>
+            <a:fillRect/>
+          </a:stretch>
+        </p:blipFill>
+        <p:spPr>
+          <a:xfrm>
+            <a:off x="2318179" y="1690365"/>
+            <a:ext cx="7555642" cy="4680628"/>
+          </a:xfrm>
+        </p:spPr>
+      </p:pic>
+      <p:sp>
+        <p:nvSpPr>
+          <p:cNvPr id="4" name="Date Placeholder 3">
             <a:extLst>
               <a:ext uri="{FF2B5EF4-FFF2-40B4-BE49-F238E27FC236}">
-                <a16:creationId xmlns:a16="http://schemas.microsoft.com/office/drawing/2014/main" id="{74DF5283-3784-4A94-9DDD-C755683BB9D4}"/>
+                <a16:creationId xmlns:a16="http://schemas.microsoft.com/office/drawing/2014/main" id="{735D97C2-13E2-43CC-B3E0-F26AABD7D815}"/>
               </a:ext>
             </a:extLst>
           </p:cNvPr>
@@ -6864,46 +8351,36 @@
             <a:spLocks noGrp="1"/>
           </p:cNvSpPr>
           <p:nvPr>
-            <p:ph sz="half" idx="2"/>
-          </p:nvPr>
-        </p:nvSpPr>
-        <p:spPr>
-          <a:xfrm>
-            <a:off x="2628042" y="2537823"/>
-            <a:ext cx="3893623" cy="2122504"/>
-          </a:xfrm>
-        </p:spPr>
+            <p:ph type="dt" sz="half" idx="10"/>
+          </p:nvPr>
+        </p:nvSpPr>
+        <p:spPr/>
         <p:txBody>
           <a:bodyPr/>
           <a:lstStyle/>
           <a:p>
-            <a:pPr marL="457200" indent="-457200">
-              <a:buFont typeface="+mj-lt"/>
-              <a:buAutoNum type="arabicPeriod"/>
-            </a:pPr>
-            <a:r>
-              <a:rPr lang="en-US" dirty="0"/>
-              <a:t>Clean the data</a:t>
-            </a:r>
-          </a:p>
-          <a:p>
-            <a:pPr marL="457200" indent="-457200">
-              <a:buFont typeface="+mj-lt"/>
-              <a:buAutoNum type="arabicPeriod"/>
-            </a:pPr>
-            <a:r>
-              <a:rPr lang="en-US" dirty="0"/>
-              <a:t>Filter to artists with &gt;90% popularity</a:t>
-            </a:r>
-          </a:p>
-        </p:txBody>
-      </p:sp>
-      <p:sp>
-        <p:nvSpPr>
-          <p:cNvPr id="5" name="Text Placeholder 4">
+            <a:r>
+              <a:rPr lang="en-US"/>
+              <a:t>Aleksey Klimchenko </a:t>
+            </a:r>
+            <a:fld id="{29964647-7EE6-4539-9DBD-7A514C30AD2F}" type="datetime1">
+              <a:rPr lang="en-US" smtClean="0"/>
+              <a:pPr/>
+              <a:t>5/23/2021</a:t>
+            </a:fld>
+            <a:endParaRPr lang="en-US"/>
+          </a:p>
+          <a:p>
+            <a:endParaRPr lang="en-US" dirty="0"/>
+          </a:p>
+        </p:txBody>
+      </p:sp>
+      <p:sp>
+        <p:nvSpPr>
+          <p:cNvPr id="5" name="Slide Number Placeholder 4">
             <a:extLst>
               <a:ext uri="{FF2B5EF4-FFF2-40B4-BE49-F238E27FC236}">
-                <a16:creationId xmlns:a16="http://schemas.microsoft.com/office/drawing/2014/main" id="{C61FA045-DA7D-47CF-B8BA-53BA885A3B60}"/>
+                <a16:creationId xmlns:a16="http://schemas.microsoft.com/office/drawing/2014/main" id="{5AFF5C03-57B3-4BA0-9376-F2C3FBF9E665}"/>
               </a:ext>
             </a:extLst>
           </p:cNvPr>
@@ -6911,362 +8388,26 @@
             <a:spLocks noGrp="1"/>
           </p:cNvSpPr>
           <p:nvPr>
-            <p:ph type="body" sz="quarter" idx="3"/>
-          </p:nvPr>
-        </p:nvSpPr>
-        <p:spPr>
-          <a:xfrm>
-            <a:off x="6685391" y="1738607"/>
-            <a:ext cx="3899798" cy="713818"/>
-          </a:xfrm>
-        </p:spPr>
+            <p:ph type="sldNum" sz="quarter" idx="12"/>
+          </p:nvPr>
+        </p:nvSpPr>
+        <p:spPr/>
         <p:txBody>
           <a:bodyPr/>
           <a:lstStyle/>
           <a:p>
-            <a:r>
-              <a:rPr lang="en-US" dirty="0"/>
-              <a:t>Spotify Foreign Markets</a:t>
-            </a:r>
-          </a:p>
-        </p:txBody>
-      </p:sp>
-      <p:sp>
-        <p:nvSpPr>
-          <p:cNvPr id="6" name="Content Placeholder 5">
-            <a:extLst>
-              <a:ext uri="{FF2B5EF4-FFF2-40B4-BE49-F238E27FC236}">
-                <a16:creationId xmlns:a16="http://schemas.microsoft.com/office/drawing/2014/main" id="{B27BD5CC-847F-4298-9FB1-440055D9A736}"/>
-              </a:ext>
-            </a:extLst>
-          </p:cNvPr>
-          <p:cNvSpPr>
-            <a:spLocks noGrp="1"/>
-          </p:cNvSpPr>
-          <p:nvPr>
-            <p:ph sz="quarter" idx="4"/>
-          </p:nvPr>
-        </p:nvSpPr>
-        <p:spPr>
-          <a:xfrm>
-            <a:off x="6685392" y="2537823"/>
-            <a:ext cx="3899798" cy="2122504"/>
-          </a:xfrm>
-        </p:spPr>
-        <p:txBody>
-          <a:bodyPr/>
-          <a:lstStyle/>
-          <a:p>
-            <a:pPr marL="457200" indent="-457200">
-              <a:buFont typeface="+mj-lt"/>
-              <a:buAutoNum type="arabicPeriod"/>
-            </a:pPr>
-            <a:r>
-              <a:rPr lang="en-US" dirty="0"/>
-              <a:t>Clean the data</a:t>
-            </a:r>
-          </a:p>
-          <a:p>
-            <a:pPr marL="457200" indent="-457200">
-              <a:buFont typeface="+mj-lt"/>
-              <a:buAutoNum type="arabicPeriod"/>
-            </a:pPr>
-            <a:r>
-              <a:rPr lang="en-US" dirty="0"/>
-              <a:t>Filter to artists with &gt;90% popularity</a:t>
-            </a:r>
-          </a:p>
-        </p:txBody>
-      </p:sp>
-      <p:sp>
-        <p:nvSpPr>
-          <p:cNvPr id="8" name="Content Placeholder 5">
-            <a:extLst>
-              <a:ext uri="{FF2B5EF4-FFF2-40B4-BE49-F238E27FC236}">
-                <a16:creationId xmlns:a16="http://schemas.microsoft.com/office/drawing/2014/main" id="{6C7A0467-0BFF-4741-8947-2B0DB22B906F}"/>
-              </a:ext>
-            </a:extLst>
-          </p:cNvPr>
-          <p:cNvSpPr txBox="1">
-            <a:spLocks/>
-          </p:cNvSpPr>
-          <p:nvPr/>
-        </p:nvSpPr>
-        <p:spPr>
-          <a:xfrm>
-            <a:off x="2609873" y="4445731"/>
-            <a:ext cx="7823583" cy="1544915"/>
-          </a:xfrm>
-          <a:prstGeom prst="rect">
-            <a:avLst/>
-          </a:prstGeom>
-        </p:spPr>
-        <p:txBody>
-          <a:bodyPr vert="horz" lIns="91440" tIns="45720" rIns="91440" bIns="45720" rtlCol="0">
-            <a:normAutofit/>
-          </a:bodyPr>
-          <a:lstStyle>
-            <a:lvl1pPr marL="344488" indent="-344488" algn="l" defTabSz="914400" rtl="0" eaLnBrk="1" latinLnBrk="0" hangingPunct="1">
-              <a:lnSpc>
-                <a:spcPct val="120000"/>
-              </a:lnSpc>
-              <a:spcBef>
-                <a:spcPts val="1000"/>
-              </a:spcBef>
-              <a:spcAft>
-                <a:spcPts val="600"/>
-              </a:spcAft>
-              <a:buClr>
-                <a:schemeClr val="accent6"/>
-              </a:buClr>
-              <a:buSzPct val="90000"/>
-              <a:buFont typeface="Wingdings" panose="05000000000000000000" pitchFamily="2" charset="2"/>
-              <a:buChar char="§"/>
-              <a:defRPr sz="2000" kern="1200">
-                <a:solidFill>
-                  <a:schemeClr val="tx1"/>
-                </a:solidFill>
-                <a:effectLst/>
-                <a:latin typeface="+mn-lt"/>
-                <a:ea typeface="+mn-ea"/>
-                <a:cs typeface="+mn-cs"/>
-              </a:defRPr>
-            </a:lvl1pPr>
-            <a:lvl2pPr marL="795338" indent="-338138" algn="l" defTabSz="914400" rtl="0" eaLnBrk="1" latinLnBrk="0" hangingPunct="1">
-              <a:lnSpc>
-                <a:spcPct val="120000"/>
-              </a:lnSpc>
-              <a:spcBef>
-                <a:spcPts val="500"/>
-              </a:spcBef>
-              <a:spcAft>
-                <a:spcPts val="600"/>
-              </a:spcAft>
-              <a:buClr>
-                <a:schemeClr val="accent6"/>
-              </a:buClr>
-              <a:buSzPct val="90000"/>
-              <a:buFont typeface="Wingdings" panose="05000000000000000000" pitchFamily="2" charset="2"/>
-              <a:buChar char="§"/>
-              <a:defRPr sz="1800" kern="1200">
-                <a:solidFill>
-                  <a:schemeClr val="tx1"/>
-                </a:solidFill>
-                <a:effectLst/>
-                <a:latin typeface="+mn-lt"/>
-                <a:ea typeface="+mn-ea"/>
-                <a:cs typeface="+mn-cs"/>
-              </a:defRPr>
-            </a:lvl2pPr>
-            <a:lvl3pPr marL="1258888" indent="-344488" algn="l" defTabSz="914400" rtl="0" eaLnBrk="1" latinLnBrk="0" hangingPunct="1">
-              <a:lnSpc>
-                <a:spcPct val="120000"/>
-              </a:lnSpc>
-              <a:spcBef>
-                <a:spcPts val="500"/>
-              </a:spcBef>
-              <a:spcAft>
-                <a:spcPts val="600"/>
-              </a:spcAft>
-              <a:buClr>
-                <a:schemeClr val="accent6"/>
-              </a:buClr>
-              <a:buSzPct val="90000"/>
-              <a:buFont typeface="Wingdings" panose="05000000000000000000" pitchFamily="2" charset="2"/>
-              <a:buChar char="§"/>
-              <a:defRPr sz="1600" kern="1200">
-                <a:solidFill>
-                  <a:schemeClr val="tx1"/>
-                </a:solidFill>
-                <a:effectLst/>
-                <a:latin typeface="+mn-lt"/>
-                <a:ea typeface="+mn-ea"/>
-                <a:cs typeface="+mn-cs"/>
-              </a:defRPr>
-            </a:lvl3pPr>
-            <a:lvl4pPr marL="1709738" indent="-338138" algn="l" defTabSz="914400" rtl="0" eaLnBrk="1" latinLnBrk="0" hangingPunct="1">
-              <a:lnSpc>
-                <a:spcPct val="120000"/>
-              </a:lnSpc>
-              <a:spcBef>
-                <a:spcPts val="500"/>
-              </a:spcBef>
-              <a:spcAft>
-                <a:spcPts val="600"/>
-              </a:spcAft>
-              <a:buClr>
-                <a:schemeClr val="accent6"/>
-              </a:buClr>
-              <a:buSzPct val="90000"/>
-              <a:buFont typeface="Wingdings" panose="05000000000000000000" pitchFamily="2" charset="2"/>
-              <a:buChar char="§"/>
-              <a:defRPr sz="1400" kern="1200">
-                <a:solidFill>
-                  <a:schemeClr val="tx1"/>
-                </a:solidFill>
-                <a:effectLst/>
-                <a:latin typeface="+mn-lt"/>
-                <a:ea typeface="+mn-ea"/>
-                <a:cs typeface="+mn-cs"/>
-              </a:defRPr>
-            </a:lvl4pPr>
-            <a:lvl5pPr marL="2173288" indent="-344488" algn="l" defTabSz="914400" rtl="0" eaLnBrk="1" latinLnBrk="0" hangingPunct="1">
-              <a:lnSpc>
-                <a:spcPct val="120000"/>
-              </a:lnSpc>
-              <a:spcBef>
-                <a:spcPts val="500"/>
-              </a:spcBef>
-              <a:spcAft>
-                <a:spcPts val="600"/>
-              </a:spcAft>
-              <a:buClr>
-                <a:schemeClr val="accent6"/>
-              </a:buClr>
-              <a:buSzPct val="90000"/>
-              <a:buFont typeface="Wingdings" panose="05000000000000000000" pitchFamily="2" charset="2"/>
-              <a:buChar char="§"/>
-              <a:defRPr sz="1200" kern="1200">
-                <a:solidFill>
-                  <a:schemeClr val="tx1"/>
-                </a:solidFill>
-                <a:effectLst/>
-                <a:latin typeface="+mn-lt"/>
-                <a:ea typeface="+mn-ea"/>
-                <a:cs typeface="+mn-cs"/>
-              </a:defRPr>
-            </a:lvl5pPr>
-            <a:lvl6pPr marL="2642616" indent="-338328" algn="l" defTabSz="914400" rtl="0" eaLnBrk="1" latinLnBrk="0" hangingPunct="1">
-              <a:lnSpc>
-                <a:spcPct val="120000"/>
-              </a:lnSpc>
-              <a:spcBef>
-                <a:spcPts val="500"/>
-              </a:spcBef>
-              <a:spcAft>
-                <a:spcPts val="600"/>
-              </a:spcAft>
-              <a:buClr>
-                <a:schemeClr val="accent6"/>
-              </a:buClr>
-              <a:buSzPct val="90000"/>
-              <a:buFont typeface="Wingdings" panose="05000000000000000000" pitchFamily="2" charset="2"/>
-              <a:buChar char="§"/>
-              <a:defRPr sz="1200" kern="1200" baseline="0">
-                <a:solidFill>
-                  <a:schemeClr val="tx1"/>
-                </a:solidFill>
-                <a:effectLst/>
-                <a:latin typeface="+mn-lt"/>
-                <a:ea typeface="+mn-ea"/>
-                <a:cs typeface="+mn-cs"/>
-              </a:defRPr>
-            </a:lvl6pPr>
-            <a:lvl7pPr marL="3108960" indent="-338328" algn="l" defTabSz="914400" rtl="0" eaLnBrk="1" latinLnBrk="0" hangingPunct="1">
-              <a:lnSpc>
-                <a:spcPct val="120000"/>
-              </a:lnSpc>
-              <a:spcBef>
-                <a:spcPts val="500"/>
-              </a:spcBef>
-              <a:spcAft>
-                <a:spcPts val="600"/>
-              </a:spcAft>
-              <a:buClr>
-                <a:schemeClr val="accent6"/>
-              </a:buClr>
-              <a:buSzPct val="90000"/>
-              <a:buFont typeface="Wingdings" panose="05000000000000000000" pitchFamily="2" charset="2"/>
-              <a:buChar char="§"/>
-              <a:defRPr sz="1200" kern="1200" baseline="0">
-                <a:solidFill>
-                  <a:schemeClr val="tx1"/>
-                </a:solidFill>
-                <a:effectLst/>
-                <a:latin typeface="+mn-lt"/>
-                <a:ea typeface="+mn-ea"/>
-                <a:cs typeface="+mn-cs"/>
-              </a:defRPr>
-            </a:lvl7pPr>
-            <a:lvl8pPr marL="3575304" indent="-338328" algn="l" defTabSz="914400" rtl="0" eaLnBrk="1" latinLnBrk="0" hangingPunct="1">
-              <a:lnSpc>
-                <a:spcPct val="120000"/>
-              </a:lnSpc>
-              <a:spcBef>
-                <a:spcPts val="500"/>
-              </a:spcBef>
-              <a:spcAft>
-                <a:spcPts val="600"/>
-              </a:spcAft>
-              <a:buClr>
-                <a:schemeClr val="accent6"/>
-              </a:buClr>
-              <a:buSzPct val="90000"/>
-              <a:buFont typeface="Wingdings" panose="05000000000000000000" pitchFamily="2" charset="2"/>
-              <a:buChar char="§"/>
-              <a:defRPr sz="1200" kern="1200" baseline="0">
-                <a:solidFill>
-                  <a:schemeClr val="tx1"/>
-                </a:solidFill>
-                <a:effectLst/>
-                <a:latin typeface="+mn-lt"/>
-                <a:ea typeface="+mn-ea"/>
-                <a:cs typeface="+mn-cs"/>
-              </a:defRPr>
-            </a:lvl8pPr>
-            <a:lvl9pPr marL="4041648" indent="-338328" algn="l" defTabSz="914400" rtl="0" eaLnBrk="1" latinLnBrk="0" hangingPunct="1">
-              <a:lnSpc>
-                <a:spcPct val="120000"/>
-              </a:lnSpc>
-              <a:spcBef>
-                <a:spcPts val="500"/>
-              </a:spcBef>
-              <a:spcAft>
-                <a:spcPts val="600"/>
-              </a:spcAft>
-              <a:buClr>
-                <a:schemeClr val="accent6"/>
-              </a:buClr>
-              <a:buSzPct val="90000"/>
-              <a:buFont typeface="Wingdings" panose="05000000000000000000" pitchFamily="2" charset="2"/>
-              <a:buChar char="§"/>
-              <a:defRPr sz="1200" kern="1200" baseline="0">
-                <a:solidFill>
-                  <a:schemeClr val="tx1"/>
-                </a:solidFill>
-                <a:effectLst/>
-                <a:latin typeface="+mn-lt"/>
-                <a:ea typeface="+mn-ea"/>
-                <a:cs typeface="+mn-cs"/>
-              </a:defRPr>
-            </a:lvl9pPr>
-          </a:lstStyle>
-          <a:p>
-            <a:pPr marL="457200" indent="-457200">
-              <a:buFont typeface="+mj-lt"/>
-              <a:buAutoNum type="arabicPeriod"/>
-            </a:pPr>
-            <a:r>
-              <a:rPr lang="en-US" dirty="0"/>
-              <a:t>Determine the number of top US market artists that are also popular in foreign markets</a:t>
-            </a:r>
-          </a:p>
-          <a:p>
-            <a:pPr marL="457200" indent="-457200">
-              <a:buFont typeface="+mj-lt"/>
-              <a:buAutoNum type="arabicPeriod"/>
-            </a:pPr>
-            <a:r>
-              <a:rPr lang="en-US" dirty="0"/>
-              <a:t>Determine which foreign artists are popular in the US</a:t>
-            </a:r>
+            <a:fld id="{6D22F896-40B5-4ADD-8801-0D06FADFA095}" type="slidenum">
+              <a:rPr lang="en-US" smtClean="0"/>
+              <a:t>8</a:t>
+            </a:fld>
+            <a:endParaRPr lang="en-US" dirty="0"/>
           </a:p>
         </p:txBody>
       </p:sp>
     </p:spTree>
     <p:extLst>
       <p:ext uri="{BB962C8B-B14F-4D97-AF65-F5344CB8AC3E}">
-        <p14:creationId xmlns:p14="http://schemas.microsoft.com/office/powerpoint/2010/main" val="288635280"/>
+        <p14:creationId xmlns:p14="http://schemas.microsoft.com/office/powerpoint/2010/main" val="3961602889"/>
       </p:ext>
     </p:extLst>
   </p:cSld>
@@ -7309,24 +8450,33 @@
             <p:ph type="title"/>
           </p:nvPr>
         </p:nvSpPr>
-        <p:spPr/>
-        <p:txBody>
-          <a:bodyPr/>
-          <a:lstStyle/>
-          <a:p>
-            <a:r>
-              <a:rPr lang="en-US" dirty="0"/>
-              <a:t>US Market Analysis</a:t>
-            </a:r>
-          </a:p>
-        </p:txBody>
-      </p:sp>
-      <p:sp>
-        <p:nvSpPr>
-          <p:cNvPr id="3" name="Content Placeholder 2">
+        <p:spPr>
+          <a:xfrm>
+            <a:off x="1803777" y="744447"/>
+            <a:ext cx="7958331" cy="808128"/>
+          </a:xfrm>
+        </p:spPr>
+        <p:txBody>
+          <a:bodyPr>
+            <a:normAutofit/>
+          </a:bodyPr>
+          <a:lstStyle/>
+          <a:p>
+            <a:pPr indent="-457200"/>
+            <a:r>
+              <a:rPr lang="en-US" sz="3600" dirty="0"/>
+              <a:t>Average Number of Followers</a:t>
+            </a:r>
+            <a:endParaRPr lang="en-US" dirty="0"/>
+          </a:p>
+        </p:txBody>
+      </p:sp>
+      <p:sp>
+        <p:nvSpPr>
+          <p:cNvPr id="4" name="Date Placeholder 3">
             <a:extLst>
               <a:ext uri="{FF2B5EF4-FFF2-40B4-BE49-F238E27FC236}">
-                <a16:creationId xmlns:a16="http://schemas.microsoft.com/office/drawing/2014/main" id="{61DB94E4-EB6A-4B6D-A6CC-8C3564120357}"/>
+                <a16:creationId xmlns:a16="http://schemas.microsoft.com/office/drawing/2014/main" id="{316FAD05-5CCA-4CCB-AB1F-2F516FB7A5D2}"/>
               </a:ext>
             </a:extLst>
           </p:cNvPr>
@@ -7334,26 +8484,80 @@
             <a:spLocks noGrp="1"/>
           </p:cNvSpPr>
           <p:nvPr>
+            <p:ph type="dt" sz="half" idx="10"/>
+          </p:nvPr>
+        </p:nvSpPr>
+        <p:spPr/>
+        <p:txBody>
+          <a:bodyPr/>
+          <a:lstStyle/>
+          <a:p>
+            <a:fld id="{236EEC7C-2B23-4EF4-AAA2-169A8E99A551}" type="datetime1">
+              <a:rPr lang="en-US" smtClean="0"/>
+              <a:t>5/23/2021</a:t>
+            </a:fld>
+            <a:endParaRPr lang="en-US" dirty="0"/>
+          </a:p>
+        </p:txBody>
+      </p:sp>
+      <p:sp>
+        <p:nvSpPr>
+          <p:cNvPr id="5" name="Slide Number Placeholder 4">
+            <a:extLst>
+              <a:ext uri="{FF2B5EF4-FFF2-40B4-BE49-F238E27FC236}">
+                <a16:creationId xmlns:a16="http://schemas.microsoft.com/office/drawing/2014/main" id="{1A299155-582A-4FE6-971E-35B5845107CB}"/>
+              </a:ext>
+            </a:extLst>
+          </p:cNvPr>
+          <p:cNvSpPr>
+            <a:spLocks noGrp="1"/>
+          </p:cNvSpPr>
+          <p:nvPr>
+            <p:ph type="sldNum" sz="quarter" idx="12"/>
+          </p:nvPr>
+        </p:nvSpPr>
+        <p:spPr/>
+        <p:txBody>
+          <a:bodyPr/>
+          <a:lstStyle/>
+          <a:p>
+            <a:fld id="{6D22F896-40B5-4ADD-8801-0D06FADFA095}" type="slidenum">
+              <a:rPr lang="en-US" smtClean="0"/>
+              <a:t>9</a:t>
+            </a:fld>
+            <a:endParaRPr lang="en-US" dirty="0"/>
+          </a:p>
+        </p:txBody>
+      </p:sp>
+      <p:pic>
+        <p:nvPicPr>
+          <p:cNvPr id="9" name="Content Placeholder 8" descr="Chart, bar chart, histogram&#10;&#10;Description automatically generated">
+            <a:extLst>
+              <a:ext uri="{FF2B5EF4-FFF2-40B4-BE49-F238E27FC236}">
+                <a16:creationId xmlns:a16="http://schemas.microsoft.com/office/drawing/2014/main" id="{4A688637-7DF8-4041-A6CC-751019B32A79}"/>
+              </a:ext>
+            </a:extLst>
+          </p:cNvPr>
+          <p:cNvPicPr>
+            <a:picLocks noGrp="1" noChangeAspect="1"/>
+          </p:cNvPicPr>
+          <p:nvPr>
             <p:ph idx="1"/>
           </p:nvPr>
-        </p:nvSpPr>
-        <p:spPr>
-          <a:xfrm>
-            <a:off x="2611808" y="1512185"/>
-            <a:ext cx="7796540" cy="3997828"/>
-          </a:xfrm>
-        </p:spPr>
-        <p:txBody>
-          <a:bodyPr/>
-          <a:lstStyle/>
-          <a:p>
-            <a:r>
-              <a:rPr lang="en-US" dirty="0"/>
-              <a:t>Artist Popularity</a:t>
-            </a:r>
-          </a:p>
-        </p:txBody>
-      </p:sp>
+        </p:nvPicPr>
+        <p:blipFill>
+          <a:blip r:embed="rId2"/>
+          <a:stretch>
+            <a:fillRect/>
+          </a:stretch>
+        </p:blipFill>
+        <p:spPr>
+          <a:xfrm>
+            <a:off x="2397419" y="1574143"/>
+            <a:ext cx="7397162" cy="4913071"/>
+          </a:xfrm>
+        </p:spPr>
+      </p:pic>
     </p:spTree>
     <p:extLst>
       <p:ext uri="{BB962C8B-B14F-4D97-AF65-F5344CB8AC3E}">
@@ -7381,10 +8585,10 @@
         <a:srgbClr val="191414"/>
       </a:dk2>
       <a:lt2>
-        <a:srgbClr val="1DB954"/>
+        <a:srgbClr val="1FC75B"/>
       </a:lt2>
       <a:accent1>
-        <a:srgbClr val="19A34A"/>
+        <a:srgbClr val="19BE4A"/>
       </a:accent1>
       <a:accent2>
         <a:srgbClr val="297A53"/>
@@ -7586,4 +8790,299 @@
     </a:ext>
   </a:extLst>
 </a:theme>
+</file>
+
+<file path=ppt/theme/theme2.xml><?xml version="1.0" encoding="utf-8"?>
+<a:theme xmlns:a="http://schemas.openxmlformats.org/drawingml/2006/main" name="Office Theme">
+  <a:themeElements>
+    <a:clrScheme name="Office">
+      <a:dk1>
+        <a:sysClr val="windowText" lastClr="000000"/>
+      </a:dk1>
+      <a:lt1>
+        <a:sysClr val="window" lastClr="FFFFFF"/>
+      </a:lt1>
+      <a:dk2>
+        <a:srgbClr val="44546A"/>
+      </a:dk2>
+      <a:lt2>
+        <a:srgbClr val="E7E6E6"/>
+      </a:lt2>
+      <a:accent1>
+        <a:srgbClr val="4472C4"/>
+      </a:accent1>
+      <a:accent2>
+        <a:srgbClr val="ED7D31"/>
+      </a:accent2>
+      <a:accent3>
+        <a:srgbClr val="A5A5A5"/>
+      </a:accent3>
+      <a:accent4>
+        <a:srgbClr val="FFC000"/>
+      </a:accent4>
+      <a:accent5>
+        <a:srgbClr val="5B9BD5"/>
+      </a:accent5>
+      <a:accent6>
+        <a:srgbClr val="70AD47"/>
+      </a:accent6>
+      <a:hlink>
+        <a:srgbClr val="0563C1"/>
+      </a:hlink>
+      <a:folHlink>
+        <a:srgbClr val="954F72"/>
+      </a:folHlink>
+    </a:clrScheme>
+    <a:fontScheme name="Office">
+      <a:majorFont>
+        <a:latin typeface="Calibri Light" panose="020F0302020204030204"/>
+        <a:ea typeface=""/>
+        <a:cs typeface=""/>
+        <a:font script="Jpan" typeface="游ゴシック Light"/>
+        <a:font script="Hang" typeface="맑은 고딕"/>
+        <a:font script="Hans" typeface="等线 Light"/>
+        <a:font script="Hant" typeface="新細明體"/>
+        <a:font script="Arab" typeface="Times New Roman"/>
+        <a:font script="Hebr" typeface="Times New Roman"/>
+        <a:font script="Thai" typeface="Angsana New"/>
+        <a:font script="Ethi" typeface="Nyala"/>
+        <a:font script="Beng" typeface="Vrinda"/>
+        <a:font script="Gujr" typeface="Shruti"/>
+        <a:font script="Khmr" typeface="MoolBoran"/>
+        <a:font script="Knda" typeface="Tunga"/>
+        <a:font script="Guru" typeface="Raavi"/>
+        <a:font script="Cans" typeface="Euphemia"/>
+        <a:font script="Cher" typeface="Plantagenet Cherokee"/>
+        <a:font script="Yiii" typeface="Microsoft Yi Baiti"/>
+        <a:font script="Tibt" typeface="Microsoft Himalaya"/>
+        <a:font script="Thaa" typeface="MV Boli"/>
+        <a:font script="Deva" typeface="Mangal"/>
+        <a:font script="Telu" typeface="Gautami"/>
+        <a:font script="Taml" typeface="Latha"/>
+        <a:font script="Syrc" typeface="Estrangelo Edessa"/>
+        <a:font script="Orya" typeface="Kalinga"/>
+        <a:font script="Mlym" typeface="Kartika"/>
+        <a:font script="Laoo" typeface="DokChampa"/>
+        <a:font script="Sinh" typeface="Iskoola Pota"/>
+        <a:font script="Mong" typeface="Mongolian Baiti"/>
+        <a:font script="Viet" typeface="Times New Roman"/>
+        <a:font script="Uigh" typeface="Microsoft Uighur"/>
+        <a:font script="Geor" typeface="Sylfaen"/>
+        <a:font script="Armn" typeface="Arial"/>
+        <a:font script="Bugi" typeface="Leelawadee UI"/>
+        <a:font script="Bopo" typeface="Microsoft JhengHei"/>
+        <a:font script="Java" typeface="Javanese Text"/>
+        <a:font script="Lisu" typeface="Segoe UI"/>
+        <a:font script="Mymr" typeface="Myanmar Text"/>
+        <a:font script="Nkoo" typeface="Ebrima"/>
+        <a:font script="Olck" typeface="Nirmala UI"/>
+        <a:font script="Osma" typeface="Ebrima"/>
+        <a:font script="Phag" typeface="Phagspa"/>
+        <a:font script="Syrn" typeface="Estrangelo Edessa"/>
+        <a:font script="Syrj" typeface="Estrangelo Edessa"/>
+        <a:font script="Syre" typeface="Estrangelo Edessa"/>
+        <a:font script="Sora" typeface="Nirmala UI"/>
+        <a:font script="Tale" typeface="Microsoft Tai Le"/>
+        <a:font script="Talu" typeface="Microsoft New Tai Lue"/>
+        <a:font script="Tfng" typeface="Ebrima"/>
+      </a:majorFont>
+      <a:minorFont>
+        <a:latin typeface="Calibri" panose="020F0502020204030204"/>
+        <a:ea typeface=""/>
+        <a:cs typeface=""/>
+        <a:font script="Jpan" typeface="游ゴシック"/>
+        <a:font script="Hang" typeface="맑은 고딕"/>
+        <a:font script="Hans" typeface="等线"/>
+        <a:font script="Hant" typeface="新細明體"/>
+        <a:font script="Arab" typeface="Arial"/>
+        <a:font script="Hebr" typeface="Arial"/>
+        <a:font script="Thai" typeface="Cordia New"/>
+        <a:font script="Ethi" typeface="Nyala"/>
+        <a:font script="Beng" typeface="Vrinda"/>
+        <a:font script="Gujr" typeface="Shruti"/>
+        <a:font script="Khmr" typeface="DaunPenh"/>
+        <a:font script="Knda" typeface="Tunga"/>
+        <a:font script="Guru" typeface="Raavi"/>
+        <a:font script="Cans" typeface="Euphemia"/>
+        <a:font script="Cher" typeface="Plantagenet Cherokee"/>
+        <a:font script="Yiii" typeface="Microsoft Yi Baiti"/>
+        <a:font script="Tibt" typeface="Microsoft Himalaya"/>
+        <a:font script="Thaa" typeface="MV Boli"/>
+        <a:font script="Deva" typeface="Mangal"/>
+        <a:font script="Telu" typeface="Gautami"/>
+        <a:font script="Taml" typeface="Latha"/>
+        <a:font script="Syrc" typeface="Estrangelo Edessa"/>
+        <a:font script="Orya" typeface="Kalinga"/>
+        <a:font script="Mlym" typeface="Kartika"/>
+        <a:font script="Laoo" typeface="DokChampa"/>
+        <a:font script="Sinh" typeface="Iskoola Pota"/>
+        <a:font script="Mong" typeface="Mongolian Baiti"/>
+        <a:font script="Viet" typeface="Arial"/>
+        <a:font script="Uigh" typeface="Microsoft Uighur"/>
+        <a:font script="Geor" typeface="Sylfaen"/>
+        <a:font script="Armn" typeface="Arial"/>
+        <a:font script="Bugi" typeface="Leelawadee UI"/>
+        <a:font script="Bopo" typeface="Microsoft JhengHei"/>
+        <a:font script="Java" typeface="Javanese Text"/>
+        <a:font script="Lisu" typeface="Segoe UI"/>
+        <a:font script="Mymr" typeface="Myanmar Text"/>
+        <a:font script="Nkoo" typeface="Ebrima"/>
+        <a:font script="Olck" typeface="Nirmala UI"/>
+        <a:font script="Osma" typeface="Ebrima"/>
+        <a:font script="Phag" typeface="Phagspa"/>
+        <a:font script="Syrn" typeface="Estrangelo Edessa"/>
+        <a:font script="Syrj" typeface="Estrangelo Edessa"/>
+        <a:font script="Syre" typeface="Estrangelo Edessa"/>
+        <a:font script="Sora" typeface="Nirmala UI"/>
+        <a:font script="Tale" typeface="Microsoft Tai Le"/>
+        <a:font script="Talu" typeface="Microsoft New Tai Lue"/>
+        <a:font script="Tfng" typeface="Ebrima"/>
+      </a:minorFont>
+    </a:fontScheme>
+    <a:fmtScheme name="Office">
+      <a:fillStyleLst>
+        <a:solidFill>
+          <a:schemeClr val="phClr"/>
+        </a:solidFill>
+        <a:gradFill rotWithShape="1">
+          <a:gsLst>
+            <a:gs pos="0">
+              <a:schemeClr val="phClr">
+                <a:lumMod val="110000"/>
+                <a:satMod val="105000"/>
+                <a:tint val="67000"/>
+              </a:schemeClr>
+            </a:gs>
+            <a:gs pos="50000">
+              <a:schemeClr val="phClr">
+                <a:lumMod val="105000"/>
+                <a:satMod val="103000"/>
+                <a:tint val="73000"/>
+              </a:schemeClr>
+            </a:gs>
+            <a:gs pos="100000">
+              <a:schemeClr val="phClr">
+                <a:lumMod val="105000"/>
+                <a:satMod val="109000"/>
+                <a:tint val="81000"/>
+              </a:schemeClr>
+            </a:gs>
+          </a:gsLst>
+          <a:lin ang="5400000" scaled="0"/>
+        </a:gradFill>
+        <a:gradFill rotWithShape="1">
+          <a:gsLst>
+            <a:gs pos="0">
+              <a:schemeClr val="phClr">
+                <a:satMod val="103000"/>
+                <a:lumMod val="102000"/>
+                <a:tint val="94000"/>
+              </a:schemeClr>
+            </a:gs>
+            <a:gs pos="50000">
+              <a:schemeClr val="phClr">
+                <a:satMod val="110000"/>
+                <a:lumMod val="100000"/>
+                <a:shade val="100000"/>
+              </a:schemeClr>
+            </a:gs>
+            <a:gs pos="100000">
+              <a:schemeClr val="phClr">
+                <a:lumMod val="99000"/>
+                <a:satMod val="120000"/>
+                <a:shade val="78000"/>
+              </a:schemeClr>
+            </a:gs>
+          </a:gsLst>
+          <a:lin ang="5400000" scaled="0"/>
+        </a:gradFill>
+      </a:fillStyleLst>
+      <a:lnStyleLst>
+        <a:ln w="6350" cap="flat" cmpd="sng" algn="ctr">
+          <a:solidFill>
+            <a:schemeClr val="phClr"/>
+          </a:solidFill>
+          <a:prstDash val="solid"/>
+          <a:miter lim="800000"/>
+        </a:ln>
+        <a:ln w="12700" cap="flat" cmpd="sng" algn="ctr">
+          <a:solidFill>
+            <a:schemeClr val="phClr"/>
+          </a:solidFill>
+          <a:prstDash val="solid"/>
+          <a:miter lim="800000"/>
+        </a:ln>
+        <a:ln w="19050" cap="flat" cmpd="sng" algn="ctr">
+          <a:solidFill>
+            <a:schemeClr val="phClr"/>
+          </a:solidFill>
+          <a:prstDash val="solid"/>
+          <a:miter lim="800000"/>
+        </a:ln>
+      </a:lnStyleLst>
+      <a:effectStyleLst>
+        <a:effectStyle>
+          <a:effectLst/>
+        </a:effectStyle>
+        <a:effectStyle>
+          <a:effectLst/>
+        </a:effectStyle>
+        <a:effectStyle>
+          <a:effectLst>
+            <a:outerShdw blurRad="57150" dist="19050" dir="5400000" algn="ctr" rotWithShape="0">
+              <a:srgbClr val="000000">
+                <a:alpha val="63000"/>
+              </a:srgbClr>
+            </a:outerShdw>
+          </a:effectLst>
+        </a:effectStyle>
+      </a:effectStyleLst>
+      <a:bgFillStyleLst>
+        <a:solidFill>
+          <a:schemeClr val="phClr"/>
+        </a:solidFill>
+        <a:solidFill>
+          <a:schemeClr val="phClr">
+            <a:tint val="95000"/>
+            <a:satMod val="170000"/>
+          </a:schemeClr>
+        </a:solidFill>
+        <a:gradFill rotWithShape="1">
+          <a:gsLst>
+            <a:gs pos="0">
+              <a:schemeClr val="phClr">
+                <a:tint val="93000"/>
+                <a:satMod val="150000"/>
+                <a:shade val="98000"/>
+                <a:lumMod val="102000"/>
+              </a:schemeClr>
+            </a:gs>
+            <a:gs pos="50000">
+              <a:schemeClr val="phClr">
+                <a:tint val="98000"/>
+                <a:satMod val="130000"/>
+                <a:shade val="90000"/>
+                <a:lumMod val="103000"/>
+              </a:schemeClr>
+            </a:gs>
+            <a:gs pos="100000">
+              <a:schemeClr val="phClr">
+                <a:shade val="63000"/>
+                <a:satMod val="120000"/>
+              </a:schemeClr>
+            </a:gs>
+          </a:gsLst>
+          <a:lin ang="5400000" scaled="0"/>
+        </a:gradFill>
+      </a:bgFillStyleLst>
+    </a:fmtScheme>
+  </a:themeElements>
+  <a:objectDefaults/>
+  <a:extraClrSchemeLst/>
+  <a:extLst>
+    <a:ext uri="{05A4C25C-085E-4340-85A3-A5531E510DB2}">
+      <thm15:themeFamily xmlns:thm15="http://schemas.microsoft.com/office/thememl/2012/main" name="Office Theme" id="{62F939B6-93AF-4DB8-9C6B-D6C7DFDC589F}" vid="{4A3C46E8-61CC-4603-A589-7422A47A8E4A}"/>
+    </a:ext>
+  </a:extLst>
+</a:theme>
 </file>